--- a/OAUTH 2 Overview.pptx
+++ b/OAUTH 2 Overview.pptx
@@ -7,10 +7,10 @@
     <p:sldMasterId id="2147483758" r:id="rId6"/>
   </p:sldMasterIdLst>
   <p:notesMasterIdLst>
-    <p:notesMasterId r:id="rId21"/>
+    <p:notesMasterId r:id="rId19"/>
   </p:notesMasterIdLst>
   <p:handoutMasterIdLst>
-    <p:handoutMasterId r:id="rId22"/>
+    <p:handoutMasterId r:id="rId20"/>
   </p:handoutMasterIdLst>
   <p:sldIdLst>
     <p:sldId id="480" r:id="rId7"/>
@@ -21,12 +21,10 @@
     <p:sldId id="478" r:id="rId12"/>
     <p:sldId id="479" r:id="rId13"/>
     <p:sldId id="466" r:id="rId14"/>
-    <p:sldId id="473" r:id="rId15"/>
-    <p:sldId id="471" r:id="rId16"/>
-    <p:sldId id="462" r:id="rId17"/>
-    <p:sldId id="481" r:id="rId18"/>
-    <p:sldId id="482" r:id="rId19"/>
-    <p:sldId id="467" r:id="rId20"/>
+    <p:sldId id="471" r:id="rId15"/>
+    <p:sldId id="462" r:id="rId16"/>
+    <p:sldId id="481" r:id="rId17"/>
+    <p:sldId id="467" r:id="rId18"/>
   </p:sldIdLst>
   <p:sldSz cx="9144000" cy="6858000" type="screen4x3"/>
   <p:notesSz cx="7010400" cy="9296400"/>
@@ -127,7 +125,7 @@
   </p:defaultTextStyle>
   <p:extLst>
     <p:ext uri="{521415D9-36F7-43E2-AB2F-B90AF26B5E84}">
-      <p14:sectionLst xmlns:p14="http://schemas.microsoft.com/office/powerpoint/2010/main">
+      <p14:sectionLst xmlns:p14="http://schemas.microsoft.com/office/powerpoint/2010/main" xmlns="">
         <p14:section name="Default Section" id="{B3E0CC94-6CC1-AD48-BC3C-C8DAFA8767B2}">
           <p14:sldIdLst>
             <p14:sldId id="480"/>
@@ -149,7 +147,7 @@
       </p14:sectionLst>
     </p:ext>
     <p:ext uri="{EFAFB233-063F-42B5-8137-9DF3F51BA10A}">
-      <p15:sldGuideLst xmlns="" xmlns:p15="http://schemas.microsoft.com/office/powerpoint/2012/main">
+      <p15:sldGuideLst xmlns:p15="http://schemas.microsoft.com/office/powerpoint/2012/main" xmlns="">
         <p15:guide id="1" orient="horz" pos="2160">
           <p15:clr>
             <a:srgbClr val="A4A3A4"/>
@@ -163,7 +161,7 @@
       </p15:sldGuideLst>
     </p:ext>
     <p:ext uri="{2D200454-40CA-4A62-9FC3-DE9A4176ACB9}">
-      <p15:notesGuideLst xmlns="" xmlns:p15="http://schemas.microsoft.com/office/powerpoint/2012/main">
+      <p15:notesGuideLst xmlns:p15="http://schemas.microsoft.com/office/powerpoint/2012/main" xmlns="">
         <p15:guide id="1" orient="horz" pos="2928">
           <p15:clr>
             <a:srgbClr val="A4A3A4"/>
@@ -269,7 +267,7 @@
             <a:fld id="{CA45D945-D721-4A7A-82A8-D399D8071AD2}" type="datetimeFigureOut">
               <a:rPr lang="en-US" smtClean="0"/>
               <a:pPr/>
-              <a:t>2/10/2018</a:t>
+              <a:t>2/12/2018</a:t>
             </a:fld>
             <a:endParaRPr lang="en-US" dirty="0"/>
           </a:p>
@@ -345,7 +343,7 @@
     </p:spTree>
     <p:extLst>
       <p:ext uri="{BB962C8B-B14F-4D97-AF65-F5344CB8AC3E}">
-        <p14:creationId xmlns:p14="http://schemas.microsoft.com/office/powerpoint/2010/main" val="937616098"/>
+        <p14:creationId xmlns:p14="http://schemas.microsoft.com/office/powerpoint/2010/main" xmlns="" val="937616098"/>
       </p:ext>
     </p:extLst>
   </p:cSld>
@@ -436,7 +434,7 @@
             <a:fld id="{CB8F710A-6901-46BF-B565-F228817623B7}" type="datetimeFigureOut">
               <a:rPr lang="en-US" smtClean="0"/>
               <a:pPr/>
-              <a:t>2/10/2018</a:t>
+              <a:t>2/12/2018</a:t>
             </a:fld>
             <a:endParaRPr lang="en-US" dirty="0"/>
           </a:p>
@@ -607,7 +605,7 @@
     </p:spTree>
     <p:extLst>
       <p:ext uri="{BB962C8B-B14F-4D97-AF65-F5344CB8AC3E}">
-        <p14:creationId xmlns:p14="http://schemas.microsoft.com/office/powerpoint/2010/main" val="2693983535"/>
+        <p14:creationId xmlns:p14="http://schemas.microsoft.com/office/powerpoint/2010/main" xmlns="" val="2693983535"/>
       </p:ext>
     </p:extLst>
   </p:cSld>
@@ -736,7 +734,7 @@
           <a:blip r:embed="rId2" cstate="print">
             <a:extLst>
               <a:ext uri="{28A0092B-C50C-407E-A947-70E740481C1C}">
-                <a14:useLocalDpi xmlns:a14="http://schemas.microsoft.com/office/drawing/2010/main"/>
+                <a14:useLocalDpi xmlns:a14="http://schemas.microsoft.com/office/drawing/2010/main" xmlns=""/>
               </a:ext>
             </a:extLst>
           </a:blip>
@@ -759,14 +757,14 @@
           </a:ln>
           <a:extLst>
             <a:ext uri="{909E8E84-426E-40DD-AFC4-6F175D3DCCD1}">
-              <a14:hiddenFill xmlns:a14="http://schemas.microsoft.com/office/drawing/2010/main">
+              <a14:hiddenFill xmlns:a14="http://schemas.microsoft.com/office/drawing/2010/main" xmlns="">
                 <a:solidFill>
                   <a:srgbClr val="FFFFFF"/>
                 </a:solidFill>
               </a14:hiddenFill>
             </a:ext>
             <a:ext uri="{91240B29-F687-4F45-9708-019B960494DF}">
-              <a14:hiddenLine xmlns:a14="http://schemas.microsoft.com/office/drawing/2010/main" w="9525">
+              <a14:hiddenLine xmlns:a14="http://schemas.microsoft.com/office/drawing/2010/main" xmlns="" w="9525">
                 <a:solidFill>
                   <a:srgbClr val="000000"/>
                 </a:solidFill>
@@ -805,7 +803,7 @@
           </a:ln>
           <a:extLst>
             <a:ext uri="{909E8E84-426E-40DD-AFC4-6F175D3DCCD1}">
-              <a14:hiddenFill xmlns:a14="http://schemas.microsoft.com/office/drawing/2010/main">
+              <a14:hiddenFill xmlns:a14="http://schemas.microsoft.com/office/drawing/2010/main" xmlns="">
                 <a:noFill/>
               </a14:hiddenFill>
             </a:ext>
@@ -831,7 +829,7 @@
           <a:blip r:embed="rId3" cstate="print">
             <a:extLst>
               <a:ext uri="{28A0092B-C50C-407E-A947-70E740481C1C}">
-                <a14:useLocalDpi xmlns:a14="http://schemas.microsoft.com/office/drawing/2010/main" val="0"/>
+                <a14:useLocalDpi xmlns:a14="http://schemas.microsoft.com/office/drawing/2010/main" xmlns="" val="0"/>
               </a:ext>
             </a:extLst>
           </a:blip>
@@ -918,7 +916,7 @@
     </p:spTree>
     <p:extLst>
       <p:ext uri="{BB962C8B-B14F-4D97-AF65-F5344CB8AC3E}">
-        <p14:creationId xmlns:p14="http://schemas.microsoft.com/office/powerpoint/2010/main" val="4016741928"/>
+        <p14:creationId xmlns:p14="http://schemas.microsoft.com/office/powerpoint/2010/main" xmlns="" val="4016741928"/>
       </p:ext>
     </p:extLst>
   </p:cSld>
@@ -967,14 +965,14 @@
           </a:ln>
           <a:extLst>
             <a:ext uri="{909E8E84-426E-40DD-AFC4-6F175D3DCCD1}">
-              <a14:hiddenFill xmlns:a14="http://schemas.microsoft.com/office/drawing/2010/main">
+              <a14:hiddenFill xmlns:a14="http://schemas.microsoft.com/office/drawing/2010/main" xmlns="">
                 <a:solidFill>
                   <a:srgbClr val="FFFFFF"/>
                 </a:solidFill>
               </a14:hiddenFill>
             </a:ext>
             <a:ext uri="{91240B29-F687-4F45-9708-019B960494DF}">
-              <a14:hiddenLine xmlns:a14="http://schemas.microsoft.com/office/drawing/2010/main" w="9525">
+              <a14:hiddenLine xmlns:a14="http://schemas.microsoft.com/office/drawing/2010/main" xmlns="" w="9525">
                 <a:solidFill>
                   <a:srgbClr val="000000"/>
                 </a:solidFill>
@@ -1155,14 +1153,14 @@
           </a:ln>
           <a:extLst>
             <a:ext uri="{909E8E84-426E-40DD-AFC4-6F175D3DCCD1}">
-              <a14:hiddenFill xmlns:a14="http://schemas.microsoft.com/office/drawing/2010/main">
+              <a14:hiddenFill xmlns:a14="http://schemas.microsoft.com/office/drawing/2010/main" xmlns="">
                 <a:solidFill>
                   <a:srgbClr val="FFFFFF"/>
                 </a:solidFill>
               </a14:hiddenFill>
             </a:ext>
             <a:ext uri="{91240B29-F687-4F45-9708-019B960494DF}">
-              <a14:hiddenLine xmlns:a14="http://schemas.microsoft.com/office/drawing/2010/main" w="9525">
+              <a14:hiddenLine xmlns:a14="http://schemas.microsoft.com/office/drawing/2010/main" xmlns="" w="9525">
                 <a:solidFill>
                   <a:srgbClr val="000000"/>
                 </a:solidFill>
@@ -1651,7 +1649,7 @@
     </p:spTree>
     <p:extLst>
       <p:ext uri="{BB962C8B-B14F-4D97-AF65-F5344CB8AC3E}">
-        <p14:creationId xmlns:p14="http://schemas.microsoft.com/office/powerpoint/2010/main" val="3758102936"/>
+        <p14:creationId xmlns:p14="http://schemas.microsoft.com/office/powerpoint/2010/main" xmlns="" val="3758102936"/>
       </p:ext>
     </p:extLst>
   </p:cSld>
@@ -1703,14 +1701,14 @@
           </a:ln>
           <a:extLst>
             <a:ext uri="{909E8E84-426E-40DD-AFC4-6F175D3DCCD1}">
-              <a14:hiddenFill xmlns:a14="http://schemas.microsoft.com/office/drawing/2010/main">
+              <a14:hiddenFill xmlns:a14="http://schemas.microsoft.com/office/drawing/2010/main" xmlns="">
                 <a:solidFill>
                   <a:srgbClr val="FFFFFF"/>
                 </a:solidFill>
               </a14:hiddenFill>
             </a:ext>
             <a:ext uri="{91240B29-F687-4F45-9708-019B960494DF}">
-              <a14:hiddenLine xmlns:a14="http://schemas.microsoft.com/office/drawing/2010/main" w="9525">
+              <a14:hiddenLine xmlns:a14="http://schemas.microsoft.com/office/drawing/2010/main" xmlns="" w="9525">
                 <a:solidFill>
                   <a:srgbClr val="000000"/>
                 </a:solidFill>
@@ -1899,7 +1897,7 @@
     </p:spTree>
     <p:extLst>
       <p:ext uri="{BB962C8B-B14F-4D97-AF65-F5344CB8AC3E}">
-        <p14:creationId xmlns:p14="http://schemas.microsoft.com/office/powerpoint/2010/main" val="397595513"/>
+        <p14:creationId xmlns:p14="http://schemas.microsoft.com/office/powerpoint/2010/main" xmlns="" val="397595513"/>
       </p:ext>
     </p:extLst>
   </p:cSld>
@@ -1951,14 +1949,14 @@
           </a:ln>
           <a:extLst>
             <a:ext uri="{909E8E84-426E-40DD-AFC4-6F175D3DCCD1}">
-              <a14:hiddenFill xmlns:a14="http://schemas.microsoft.com/office/drawing/2010/main">
+              <a14:hiddenFill xmlns:a14="http://schemas.microsoft.com/office/drawing/2010/main" xmlns="">
                 <a:solidFill>
                   <a:srgbClr val="FFFFFF"/>
                 </a:solidFill>
               </a14:hiddenFill>
             </a:ext>
             <a:ext uri="{91240B29-F687-4F45-9708-019B960494DF}">
-              <a14:hiddenLine xmlns:a14="http://schemas.microsoft.com/office/drawing/2010/main" w="9525">
+              <a14:hiddenLine xmlns:a14="http://schemas.microsoft.com/office/drawing/2010/main" xmlns="" w="9525">
                 <a:solidFill>
                   <a:srgbClr val="000000"/>
                 </a:solidFill>
@@ -2139,14 +2137,14 @@
           </a:ln>
           <a:extLst>
             <a:ext uri="{909E8E84-426E-40DD-AFC4-6F175D3DCCD1}">
-              <a14:hiddenFill xmlns:a14="http://schemas.microsoft.com/office/drawing/2010/main">
+              <a14:hiddenFill xmlns:a14="http://schemas.microsoft.com/office/drawing/2010/main" xmlns="">
                 <a:solidFill>
                   <a:srgbClr val="FFFFFF"/>
                 </a:solidFill>
               </a14:hiddenFill>
             </a:ext>
             <a:ext uri="{91240B29-F687-4F45-9708-019B960494DF}">
-              <a14:hiddenLine xmlns:a14="http://schemas.microsoft.com/office/drawing/2010/main" w="9525">
+              <a14:hiddenLine xmlns:a14="http://schemas.microsoft.com/office/drawing/2010/main" xmlns="" w="9525">
                 <a:solidFill>
                   <a:srgbClr val="000000"/>
                 </a:solidFill>
@@ -2308,7 +2306,7 @@
     </p:spTree>
     <p:extLst>
       <p:ext uri="{BB962C8B-B14F-4D97-AF65-F5344CB8AC3E}">
-        <p14:creationId xmlns:p14="http://schemas.microsoft.com/office/powerpoint/2010/main" val="4070241284"/>
+        <p14:creationId xmlns:p14="http://schemas.microsoft.com/office/powerpoint/2010/main" xmlns="" val="4070241284"/>
       </p:ext>
     </p:extLst>
   </p:cSld>
@@ -2438,7 +2436,7 @@
     </p:spTree>
     <p:extLst>
       <p:ext uri="{BB962C8B-B14F-4D97-AF65-F5344CB8AC3E}">
-        <p14:creationId xmlns:p14="http://schemas.microsoft.com/office/powerpoint/2010/main" val="3628065989"/>
+        <p14:creationId xmlns:p14="http://schemas.microsoft.com/office/powerpoint/2010/main" xmlns="" val="3628065989"/>
       </p:ext>
     </p:extLst>
   </p:cSld>
@@ -2639,7 +2637,7 @@
                 </a:solidFill>
               </a:rPr>
               <a:pPr/>
-              <a:t>2/10/2018</a:t>
+              <a:t>2/12/2018</a:t>
             </a:fld>
             <a:endParaRPr lang="en-US">
               <a:solidFill>
@@ -2715,7 +2713,7 @@
     </p:spTree>
     <p:extLst>
       <p:ext uri="{BB962C8B-B14F-4D97-AF65-F5344CB8AC3E}">
-        <p14:creationId xmlns:p14="http://schemas.microsoft.com/office/powerpoint/2010/main" val="255816789"/>
+        <p14:creationId xmlns:p14="http://schemas.microsoft.com/office/powerpoint/2010/main" xmlns="" val="255816789"/>
       </p:ext>
     </p:extLst>
   </p:cSld>
@@ -2841,7 +2839,7 @@
                 </a:solidFill>
               </a:rPr>
               <a:pPr/>
-              <a:t>2/10/2018</a:t>
+              <a:t>2/12/2018</a:t>
             </a:fld>
             <a:endParaRPr lang="en-US">
               <a:solidFill>
@@ -2917,7 +2915,7 @@
     </p:spTree>
     <p:extLst>
       <p:ext uri="{BB962C8B-B14F-4D97-AF65-F5344CB8AC3E}">
-        <p14:creationId xmlns:p14="http://schemas.microsoft.com/office/powerpoint/2010/main" val="3491728565"/>
+        <p14:creationId xmlns:p14="http://schemas.microsoft.com/office/powerpoint/2010/main" xmlns="" val="3491728565"/>
       </p:ext>
     </p:extLst>
   </p:cSld>
@@ -3119,7 +3117,7 @@
                 </a:solidFill>
               </a:rPr>
               <a:pPr/>
-              <a:t>2/10/2018</a:t>
+              <a:t>2/12/2018</a:t>
             </a:fld>
             <a:endParaRPr lang="en-US">
               <a:solidFill>
@@ -3195,7 +3193,7 @@
     </p:spTree>
     <p:extLst>
       <p:ext uri="{BB962C8B-B14F-4D97-AF65-F5344CB8AC3E}">
-        <p14:creationId xmlns:p14="http://schemas.microsoft.com/office/powerpoint/2010/main" val="3855871829"/>
+        <p14:creationId xmlns:p14="http://schemas.microsoft.com/office/powerpoint/2010/main" xmlns="" val="3855871829"/>
       </p:ext>
     </p:extLst>
   </p:cSld>
@@ -3439,7 +3437,7 @@
                 </a:solidFill>
               </a:rPr>
               <a:pPr/>
-              <a:t>2/10/2018</a:t>
+              <a:t>2/12/2018</a:t>
             </a:fld>
             <a:endParaRPr lang="en-US">
               <a:solidFill>
@@ -3515,7 +3513,7 @@
     </p:spTree>
     <p:extLst>
       <p:ext uri="{BB962C8B-B14F-4D97-AF65-F5344CB8AC3E}">
-        <p14:creationId xmlns:p14="http://schemas.microsoft.com/office/powerpoint/2010/main" val="112870248"/>
+        <p14:creationId xmlns:p14="http://schemas.microsoft.com/office/powerpoint/2010/main" xmlns="" val="112870248"/>
       </p:ext>
     </p:extLst>
   </p:cSld>
@@ -3893,7 +3891,7 @@
                 </a:solidFill>
               </a:rPr>
               <a:pPr/>
-              <a:t>2/10/2018</a:t>
+              <a:t>2/12/2018</a:t>
             </a:fld>
             <a:endParaRPr lang="en-US">
               <a:solidFill>
@@ -3969,7 +3967,7 @@
     </p:spTree>
     <p:extLst>
       <p:ext uri="{BB962C8B-B14F-4D97-AF65-F5344CB8AC3E}">
-        <p14:creationId xmlns:p14="http://schemas.microsoft.com/office/powerpoint/2010/main" val="3581327424"/>
+        <p14:creationId xmlns:p14="http://schemas.microsoft.com/office/powerpoint/2010/main" xmlns="" val="3581327424"/>
       </p:ext>
     </p:extLst>
   </p:cSld>
@@ -4043,7 +4041,7 @@
                 </a:solidFill>
               </a:rPr>
               <a:pPr/>
-              <a:t>2/10/2018</a:t>
+              <a:t>2/12/2018</a:t>
             </a:fld>
             <a:endParaRPr lang="en-US">
               <a:solidFill>
@@ -4119,7 +4117,7 @@
     </p:spTree>
     <p:extLst>
       <p:ext uri="{BB962C8B-B14F-4D97-AF65-F5344CB8AC3E}">
-        <p14:creationId xmlns:p14="http://schemas.microsoft.com/office/powerpoint/2010/main" val="1497711366"/>
+        <p14:creationId xmlns:p14="http://schemas.microsoft.com/office/powerpoint/2010/main" xmlns="" val="1497711366"/>
       </p:ext>
     </p:extLst>
   </p:cSld>
@@ -4265,7 +4263,7 @@
     </p:spTree>
     <p:extLst>
       <p:ext uri="{BB962C8B-B14F-4D97-AF65-F5344CB8AC3E}">
-        <p14:creationId xmlns:p14="http://schemas.microsoft.com/office/powerpoint/2010/main" val="770335218"/>
+        <p14:creationId xmlns:p14="http://schemas.microsoft.com/office/powerpoint/2010/main" xmlns="" val="770335218"/>
       </p:ext>
     </p:extLst>
   </p:cSld>
@@ -4316,7 +4314,7 @@
                 </a:solidFill>
               </a:rPr>
               <a:pPr/>
-              <a:t>2/10/2018</a:t>
+              <a:t>2/12/2018</a:t>
             </a:fld>
             <a:endParaRPr lang="en-US">
               <a:solidFill>
@@ -4392,7 +4390,7 @@
     </p:spTree>
     <p:extLst>
       <p:ext uri="{BB962C8B-B14F-4D97-AF65-F5344CB8AC3E}">
-        <p14:creationId xmlns:p14="http://schemas.microsoft.com/office/powerpoint/2010/main" val="2553335292"/>
+        <p14:creationId xmlns:p14="http://schemas.microsoft.com/office/powerpoint/2010/main" xmlns="" val="2553335292"/>
       </p:ext>
     </p:extLst>
   </p:cSld>
@@ -4625,7 +4623,7 @@
                 </a:solidFill>
               </a:rPr>
               <a:pPr/>
-              <a:t>2/10/2018</a:t>
+              <a:t>2/12/2018</a:t>
             </a:fld>
             <a:endParaRPr lang="en-US">
               <a:solidFill>
@@ -4701,7 +4699,7 @@
     </p:spTree>
     <p:extLst>
       <p:ext uri="{BB962C8B-B14F-4D97-AF65-F5344CB8AC3E}">
-        <p14:creationId xmlns:p14="http://schemas.microsoft.com/office/powerpoint/2010/main" val="3437867928"/>
+        <p14:creationId xmlns:p14="http://schemas.microsoft.com/office/powerpoint/2010/main" xmlns="" val="3437867928"/>
       </p:ext>
     </p:extLst>
   </p:cSld>
@@ -4910,7 +4908,7 @@
                 </a:solidFill>
               </a:rPr>
               <a:pPr/>
-              <a:t>2/10/2018</a:t>
+              <a:t>2/12/2018</a:t>
             </a:fld>
             <a:endParaRPr lang="en-US">
               <a:solidFill>
@@ -4986,7 +4984,7 @@
     </p:spTree>
     <p:extLst>
       <p:ext uri="{BB962C8B-B14F-4D97-AF65-F5344CB8AC3E}">
-        <p14:creationId xmlns:p14="http://schemas.microsoft.com/office/powerpoint/2010/main" val="100928700"/>
+        <p14:creationId xmlns:p14="http://schemas.microsoft.com/office/powerpoint/2010/main" xmlns="" val="100928700"/>
       </p:ext>
     </p:extLst>
   </p:cSld>
@@ -5112,7 +5110,7 @@
                 </a:solidFill>
               </a:rPr>
               <a:pPr/>
-              <a:t>2/10/2018</a:t>
+              <a:t>2/12/2018</a:t>
             </a:fld>
             <a:endParaRPr lang="en-US">
               <a:solidFill>
@@ -5188,7 +5186,7 @@
     </p:spTree>
     <p:extLst>
       <p:ext uri="{BB962C8B-B14F-4D97-AF65-F5344CB8AC3E}">
-        <p14:creationId xmlns:p14="http://schemas.microsoft.com/office/powerpoint/2010/main" val="3668992733"/>
+        <p14:creationId xmlns:p14="http://schemas.microsoft.com/office/powerpoint/2010/main" xmlns="" val="3668992733"/>
       </p:ext>
     </p:extLst>
   </p:cSld>
@@ -5324,7 +5322,7 @@
                 </a:solidFill>
               </a:rPr>
               <a:pPr/>
-              <a:t>2/10/2018</a:t>
+              <a:t>2/12/2018</a:t>
             </a:fld>
             <a:endParaRPr lang="en-US">
               <a:solidFill>
@@ -5400,7 +5398,7 @@
     </p:spTree>
     <p:extLst>
       <p:ext uri="{BB962C8B-B14F-4D97-AF65-F5344CB8AC3E}">
-        <p14:creationId xmlns:p14="http://schemas.microsoft.com/office/powerpoint/2010/main" val="2817226054"/>
+        <p14:creationId xmlns:p14="http://schemas.microsoft.com/office/powerpoint/2010/main" xmlns="" val="2817226054"/>
       </p:ext>
     </p:extLst>
   </p:cSld>
@@ -5568,7 +5566,7 @@
     </p:spTree>
     <p:extLst>
       <p:ext uri="{BB962C8B-B14F-4D97-AF65-F5344CB8AC3E}">
-        <p14:creationId xmlns:p14="http://schemas.microsoft.com/office/powerpoint/2010/main" val="2274260574"/>
+        <p14:creationId xmlns:p14="http://schemas.microsoft.com/office/powerpoint/2010/main" xmlns="" val="2274260574"/>
       </p:ext>
     </p:extLst>
   </p:cSld>
@@ -5639,7 +5637,7 @@
     </p:spTree>
     <p:extLst>
       <p:ext uri="{BB962C8B-B14F-4D97-AF65-F5344CB8AC3E}">
-        <p14:creationId xmlns:p14="http://schemas.microsoft.com/office/powerpoint/2010/main" val="3414622522"/>
+        <p14:creationId xmlns:p14="http://schemas.microsoft.com/office/powerpoint/2010/main" xmlns="" val="3414622522"/>
       </p:ext>
     </p:extLst>
   </p:cSld>
@@ -5678,7 +5676,7 @@
           <a:blip r:embed="rId2" cstate="print">
             <a:extLst>
               <a:ext uri="{28A0092B-C50C-407E-A947-70E740481C1C}">
-                <a14:useLocalDpi xmlns:a14="http://schemas.microsoft.com/office/drawing/2010/main" val="0"/>
+                <a14:useLocalDpi xmlns:a14="http://schemas.microsoft.com/office/drawing/2010/main" xmlns="" val="0"/>
               </a:ext>
             </a:extLst>
           </a:blip>
@@ -5723,7 +5721,7 @@
           </a:ln>
           <a:extLst>
             <a:ext uri="{909E8E84-426E-40DD-AFC4-6F175D3DCCD1}">
-              <a14:hiddenFill xmlns:a14="http://schemas.microsoft.com/office/drawing/2010/main">
+              <a14:hiddenFill xmlns:a14="http://schemas.microsoft.com/office/drawing/2010/main" xmlns="">
                 <a:noFill/>
               </a14:hiddenFill>
             </a:ext>
@@ -5762,7 +5760,7 @@
           <a:blip r:embed="rId3">
             <a:extLst>
               <a:ext uri="{28A0092B-C50C-407E-A947-70E740481C1C}">
-                <a14:useLocalDpi xmlns:a14="http://schemas.microsoft.com/office/drawing/2010/main" val="0"/>
+                <a14:useLocalDpi xmlns:a14="http://schemas.microsoft.com/office/drawing/2010/main" xmlns="" val="0"/>
               </a:ext>
             </a:extLst>
           </a:blip>
@@ -5785,14 +5783,14 @@
           </a:ln>
           <a:extLst>
             <a:ext uri="{909E8E84-426E-40DD-AFC4-6F175D3DCCD1}">
-              <a14:hiddenFill xmlns:a14="http://schemas.microsoft.com/office/drawing/2010/main">
+              <a14:hiddenFill xmlns:a14="http://schemas.microsoft.com/office/drawing/2010/main" xmlns="">
                 <a:solidFill>
                   <a:srgbClr val="FFFFFF"/>
                 </a:solidFill>
               </a14:hiddenFill>
             </a:ext>
             <a:ext uri="{91240B29-F687-4F45-9708-019B960494DF}">
-              <a14:hiddenLine xmlns:a14="http://schemas.microsoft.com/office/drawing/2010/main" w="9525">
+              <a14:hiddenLine xmlns:a14="http://schemas.microsoft.com/office/drawing/2010/main" xmlns="" w="9525">
                 <a:solidFill>
                   <a:srgbClr val="000000"/>
                 </a:solidFill>
@@ -5816,7 +5814,7 @@
           <a:blip r:embed="rId4">
             <a:extLst>
               <a:ext uri="{28A0092B-C50C-407E-A947-70E740481C1C}">
-                <a14:useLocalDpi xmlns:a14="http://schemas.microsoft.com/office/drawing/2010/main" val="0"/>
+                <a14:useLocalDpi xmlns:a14="http://schemas.microsoft.com/office/drawing/2010/main" xmlns="" val="0"/>
               </a:ext>
             </a:extLst>
           </a:blip>
@@ -5839,14 +5837,14 @@
           </a:ln>
           <a:extLst>
             <a:ext uri="{909E8E84-426E-40DD-AFC4-6F175D3DCCD1}">
-              <a14:hiddenFill xmlns:a14="http://schemas.microsoft.com/office/drawing/2010/main">
+              <a14:hiddenFill xmlns:a14="http://schemas.microsoft.com/office/drawing/2010/main" xmlns="">
                 <a:solidFill>
                   <a:srgbClr val="FFFFFF"/>
                 </a:solidFill>
               </a14:hiddenFill>
             </a:ext>
             <a:ext uri="{91240B29-F687-4F45-9708-019B960494DF}">
-              <a14:hiddenLine xmlns:a14="http://schemas.microsoft.com/office/drawing/2010/main" w="9525">
+              <a14:hiddenLine xmlns:a14="http://schemas.microsoft.com/office/drawing/2010/main" xmlns="" w="9525">
                 <a:solidFill>
                   <a:srgbClr val="000000"/>
                 </a:solidFill>
@@ -5870,7 +5868,7 @@
           <a:blip r:embed="rId3">
             <a:extLst>
               <a:ext uri="{28A0092B-C50C-407E-A947-70E740481C1C}">
-                <a14:useLocalDpi xmlns:a14="http://schemas.microsoft.com/office/drawing/2010/main" val="0"/>
+                <a14:useLocalDpi xmlns:a14="http://schemas.microsoft.com/office/drawing/2010/main" xmlns="" val="0"/>
               </a:ext>
             </a:extLst>
           </a:blip>
@@ -5893,14 +5891,14 @@
           </a:ln>
           <a:extLst>
             <a:ext uri="{909E8E84-426E-40DD-AFC4-6F175D3DCCD1}">
-              <a14:hiddenFill xmlns:a14="http://schemas.microsoft.com/office/drawing/2010/main">
+              <a14:hiddenFill xmlns:a14="http://schemas.microsoft.com/office/drawing/2010/main" xmlns="">
                 <a:solidFill>
                   <a:srgbClr val="FFFFFF"/>
                 </a:solidFill>
               </a14:hiddenFill>
             </a:ext>
             <a:ext uri="{91240B29-F687-4F45-9708-019B960494DF}">
-              <a14:hiddenLine xmlns:a14="http://schemas.microsoft.com/office/drawing/2010/main" w="9525">
+              <a14:hiddenLine xmlns:a14="http://schemas.microsoft.com/office/drawing/2010/main" xmlns="" w="9525">
                 <a:solidFill>
                   <a:srgbClr val="000000"/>
                 </a:solidFill>
@@ -5924,7 +5922,7 @@
           <a:blip r:embed="rId4">
             <a:extLst>
               <a:ext uri="{28A0092B-C50C-407E-A947-70E740481C1C}">
-                <a14:useLocalDpi xmlns:a14="http://schemas.microsoft.com/office/drawing/2010/main" val="0"/>
+                <a14:useLocalDpi xmlns:a14="http://schemas.microsoft.com/office/drawing/2010/main" xmlns="" val="0"/>
               </a:ext>
             </a:extLst>
           </a:blip>
@@ -5947,14 +5945,14 @@
           </a:ln>
           <a:extLst>
             <a:ext uri="{909E8E84-426E-40DD-AFC4-6F175D3DCCD1}">
-              <a14:hiddenFill xmlns:a14="http://schemas.microsoft.com/office/drawing/2010/main">
+              <a14:hiddenFill xmlns:a14="http://schemas.microsoft.com/office/drawing/2010/main" xmlns="">
                 <a:solidFill>
                   <a:srgbClr val="FFFFFF"/>
                 </a:solidFill>
               </a14:hiddenFill>
             </a:ext>
             <a:ext uri="{91240B29-F687-4F45-9708-019B960494DF}">
-              <a14:hiddenLine xmlns:a14="http://schemas.microsoft.com/office/drawing/2010/main" w="9525">
+              <a14:hiddenLine xmlns:a14="http://schemas.microsoft.com/office/drawing/2010/main" xmlns="" w="9525">
                 <a:solidFill>
                   <a:srgbClr val="000000"/>
                 </a:solidFill>
@@ -6231,7 +6229,7 @@
     </p:spTree>
     <p:extLst>
       <p:ext uri="{BB962C8B-B14F-4D97-AF65-F5344CB8AC3E}">
-        <p14:creationId xmlns:p14="http://schemas.microsoft.com/office/powerpoint/2010/main" val="1637960867"/>
+        <p14:creationId xmlns:p14="http://schemas.microsoft.com/office/powerpoint/2010/main" xmlns="" val="1637960867"/>
       </p:ext>
     </p:extLst>
   </p:cSld>
@@ -6423,14 +6421,14 @@
           </a:ln>
           <a:extLst>
             <a:ext uri="{909E8E84-426E-40DD-AFC4-6F175D3DCCD1}">
-              <a14:hiddenFill xmlns:a14="http://schemas.microsoft.com/office/drawing/2010/main">
+              <a14:hiddenFill xmlns:a14="http://schemas.microsoft.com/office/drawing/2010/main" xmlns="">
                 <a:solidFill>
                   <a:srgbClr val="FFFFFF"/>
                 </a:solidFill>
               </a14:hiddenFill>
             </a:ext>
             <a:ext uri="{91240B29-F687-4F45-9708-019B960494DF}">
-              <a14:hiddenLine xmlns:a14="http://schemas.microsoft.com/office/drawing/2010/main" w="9525">
+              <a14:hiddenLine xmlns:a14="http://schemas.microsoft.com/office/drawing/2010/main" xmlns="" w="9525">
                 <a:solidFill>
                   <a:srgbClr val="000000"/>
                 </a:solidFill>
@@ -6592,7 +6590,7 @@
     </p:spTree>
     <p:extLst>
       <p:ext uri="{BB962C8B-B14F-4D97-AF65-F5344CB8AC3E}">
-        <p14:creationId xmlns:p14="http://schemas.microsoft.com/office/powerpoint/2010/main" val="3373781196"/>
+        <p14:creationId xmlns:p14="http://schemas.microsoft.com/office/powerpoint/2010/main" xmlns="" val="3373781196"/>
       </p:ext>
     </p:extLst>
   </p:cSld>
@@ -6644,14 +6642,14 @@
           </a:ln>
           <a:extLst>
             <a:ext uri="{909E8E84-426E-40DD-AFC4-6F175D3DCCD1}">
-              <a14:hiddenFill xmlns:a14="http://schemas.microsoft.com/office/drawing/2010/main">
+              <a14:hiddenFill xmlns:a14="http://schemas.microsoft.com/office/drawing/2010/main" xmlns="">
                 <a:solidFill>
                   <a:srgbClr val="FFFFFF"/>
                 </a:solidFill>
               </a14:hiddenFill>
             </a:ext>
             <a:ext uri="{91240B29-F687-4F45-9708-019B960494DF}">
-              <a14:hiddenLine xmlns:a14="http://schemas.microsoft.com/office/drawing/2010/main" w="9525">
+              <a14:hiddenLine xmlns:a14="http://schemas.microsoft.com/office/drawing/2010/main" xmlns="" w="9525">
                 <a:solidFill>
                   <a:srgbClr val="000000"/>
                 </a:solidFill>
@@ -6832,14 +6830,14 @@
           </a:ln>
           <a:extLst>
             <a:ext uri="{909E8E84-426E-40DD-AFC4-6F175D3DCCD1}">
-              <a14:hiddenFill xmlns:a14="http://schemas.microsoft.com/office/drawing/2010/main">
+              <a14:hiddenFill xmlns:a14="http://schemas.microsoft.com/office/drawing/2010/main" xmlns="">
                 <a:solidFill>
                   <a:srgbClr val="FFFFFF"/>
                 </a:solidFill>
               </a14:hiddenFill>
             </a:ext>
             <a:ext uri="{91240B29-F687-4F45-9708-019B960494DF}">
-              <a14:hiddenLine xmlns:a14="http://schemas.microsoft.com/office/drawing/2010/main" w="9525">
+              <a14:hiddenLine xmlns:a14="http://schemas.microsoft.com/office/drawing/2010/main" xmlns="" w="9525">
                 <a:solidFill>
                   <a:srgbClr val="000000"/>
                 </a:solidFill>
@@ -7121,7 +7119,7 @@
     </p:spTree>
     <p:extLst>
       <p:ext uri="{BB962C8B-B14F-4D97-AF65-F5344CB8AC3E}">
-        <p14:creationId xmlns:p14="http://schemas.microsoft.com/office/powerpoint/2010/main" val="363617074"/>
+        <p14:creationId xmlns:p14="http://schemas.microsoft.com/office/powerpoint/2010/main" xmlns="" val="363617074"/>
       </p:ext>
     </p:extLst>
   </p:cSld>
@@ -7173,14 +7171,14 @@
           </a:ln>
           <a:extLst>
             <a:ext uri="{909E8E84-426E-40DD-AFC4-6F175D3DCCD1}">
-              <a14:hiddenFill xmlns:a14="http://schemas.microsoft.com/office/drawing/2010/main">
+              <a14:hiddenFill xmlns:a14="http://schemas.microsoft.com/office/drawing/2010/main" xmlns="">
                 <a:solidFill>
                   <a:srgbClr val="FFFFFF"/>
                 </a:solidFill>
               </a14:hiddenFill>
             </a:ext>
             <a:ext uri="{91240B29-F687-4F45-9708-019B960494DF}">
-              <a14:hiddenLine xmlns:a14="http://schemas.microsoft.com/office/drawing/2010/main" w="9525">
+              <a14:hiddenLine xmlns:a14="http://schemas.microsoft.com/office/drawing/2010/main" xmlns="" w="9525">
                 <a:solidFill>
                   <a:srgbClr val="000000"/>
                 </a:solidFill>
@@ -7361,14 +7359,14 @@
           </a:ln>
           <a:extLst>
             <a:ext uri="{909E8E84-426E-40DD-AFC4-6F175D3DCCD1}">
-              <a14:hiddenFill xmlns:a14="http://schemas.microsoft.com/office/drawing/2010/main">
+              <a14:hiddenFill xmlns:a14="http://schemas.microsoft.com/office/drawing/2010/main" xmlns="">
                 <a:solidFill>
                   <a:srgbClr val="FFFFFF"/>
                 </a:solidFill>
               </a14:hiddenFill>
             </a:ext>
             <a:ext uri="{91240B29-F687-4F45-9708-019B960494DF}">
-              <a14:hiddenLine xmlns:a14="http://schemas.microsoft.com/office/drawing/2010/main" w="9525">
+              <a14:hiddenLine xmlns:a14="http://schemas.microsoft.com/office/drawing/2010/main" xmlns="" w="9525">
                 <a:solidFill>
                   <a:srgbClr val="000000"/>
                 </a:solidFill>
@@ -7683,7 +7681,7 @@
     </p:spTree>
     <p:extLst>
       <p:ext uri="{BB962C8B-B14F-4D97-AF65-F5344CB8AC3E}">
-        <p14:creationId xmlns:p14="http://schemas.microsoft.com/office/powerpoint/2010/main" val="4166032222"/>
+        <p14:creationId xmlns:p14="http://schemas.microsoft.com/office/powerpoint/2010/main" xmlns="" val="4166032222"/>
       </p:ext>
     </p:extLst>
   </p:cSld>
@@ -7932,14 +7930,14 @@
           </a:ln>
           <a:extLst>
             <a:ext uri="{909E8E84-426E-40DD-AFC4-6F175D3DCCD1}">
-              <a14:hiddenFill xmlns:a14="http://schemas.microsoft.com/office/drawing/2010/main">
+              <a14:hiddenFill xmlns:a14="http://schemas.microsoft.com/office/drawing/2010/main" xmlns="">
                 <a:solidFill>
                   <a:srgbClr val="FFFFFF"/>
                 </a:solidFill>
               </a14:hiddenFill>
             </a:ext>
             <a:ext uri="{91240B29-F687-4F45-9708-019B960494DF}">
-              <a14:hiddenLine xmlns:a14="http://schemas.microsoft.com/office/drawing/2010/main" w="9525">
+              <a14:hiddenLine xmlns:a14="http://schemas.microsoft.com/office/drawing/2010/main" xmlns="" w="9525">
                 <a:solidFill>
                   <a:srgbClr val="000000"/>
                 </a:solidFill>
@@ -8101,7 +8099,7 @@
     </p:spTree>
     <p:extLst>
       <p:ext uri="{BB962C8B-B14F-4D97-AF65-F5344CB8AC3E}">
-        <p14:creationId xmlns:p14="http://schemas.microsoft.com/office/powerpoint/2010/main" val="2604674727"/>
+        <p14:creationId xmlns:p14="http://schemas.microsoft.com/office/powerpoint/2010/main" xmlns="" val="2604674727"/>
       </p:ext>
     </p:extLst>
   </p:cSld>
@@ -8163,14 +8161,14 @@
           </a:ln>
           <a:extLst>
             <a:ext uri="{909E8E84-426E-40DD-AFC4-6F175D3DCCD1}">
-              <a14:hiddenFill xmlns:a14="http://schemas.microsoft.com/office/drawing/2010/main">
+              <a14:hiddenFill xmlns:a14="http://schemas.microsoft.com/office/drawing/2010/main" xmlns="">
                 <a:solidFill>
                   <a:srgbClr val="FFFFFF"/>
                 </a:solidFill>
               </a14:hiddenFill>
             </a:ext>
             <a:ext uri="{91240B29-F687-4F45-9708-019B960494DF}">
-              <a14:hiddenLine xmlns:a14="http://schemas.microsoft.com/office/drawing/2010/main" w="9525">
+              <a14:hiddenLine xmlns:a14="http://schemas.microsoft.com/office/drawing/2010/main" xmlns="" w="9525">
                 <a:solidFill>
                   <a:srgbClr val="000000"/>
                 </a:solidFill>
@@ -8180,7 +8178,7 @@
               </a14:hiddenLine>
             </a:ext>
             <a:ext uri="{FAA26D3D-D897-4be2-8F04-BA451C77F1D7}">
-              <ma14:placeholderFlag xmlns:ma14="http://schemas.microsoft.com/office/mac/drawingml/2011/main" xmlns="" val="1"/>
+              <ma14:placeholderFlag xmlns="" xmlns:ma14="http://schemas.microsoft.com/office/mac/drawingml/2011/main" val="1"/>
             </a:ext>
           </a:extLst>
         </p:spPr>
@@ -8225,14 +8223,14 @@
           </a:ln>
           <a:extLst>
             <a:ext uri="{909E8E84-426E-40DD-AFC4-6F175D3DCCD1}">
-              <a14:hiddenFill xmlns:a14="http://schemas.microsoft.com/office/drawing/2010/main">
+              <a14:hiddenFill xmlns:a14="http://schemas.microsoft.com/office/drawing/2010/main" xmlns="">
                 <a:solidFill>
                   <a:srgbClr val="FFFFFF"/>
                 </a:solidFill>
               </a14:hiddenFill>
             </a:ext>
             <a:ext uri="{91240B29-F687-4F45-9708-019B960494DF}">
-              <a14:hiddenLine xmlns:a14="http://schemas.microsoft.com/office/drawing/2010/main" w="9525">
+              <a14:hiddenLine xmlns:a14="http://schemas.microsoft.com/office/drawing/2010/main" xmlns="" w="9525">
                 <a:solidFill>
                   <a:srgbClr val="000000"/>
                 </a:solidFill>
@@ -8242,7 +8240,7 @@
               </a14:hiddenLine>
             </a:ext>
             <a:ext uri="{FAA26D3D-D897-4be2-8F04-BA451C77F1D7}">
-              <ma14:placeholderFlag xmlns:ma14="http://schemas.microsoft.com/office/mac/drawingml/2011/main" xmlns="" val="1"/>
+              <ma14:placeholderFlag xmlns="" xmlns:ma14="http://schemas.microsoft.com/office/mac/drawingml/2011/main" val="1"/>
             </a:ext>
           </a:extLst>
         </p:spPr>
@@ -8865,14 +8863,14 @@
           </a:ln>
           <a:extLst>
             <a:ext uri="{909E8E84-426E-40DD-AFC4-6F175D3DCCD1}">
-              <a14:hiddenFill xmlns:a14="http://schemas.microsoft.com/office/drawing/2010/main">
+              <a14:hiddenFill xmlns:a14="http://schemas.microsoft.com/office/drawing/2010/main" xmlns="">
                 <a:solidFill>
                   <a:srgbClr val="FFFFFF"/>
                 </a:solidFill>
               </a14:hiddenFill>
             </a:ext>
             <a:ext uri="{91240B29-F687-4F45-9708-019B960494DF}">
-              <a14:hiddenLine xmlns:a14="http://schemas.microsoft.com/office/drawing/2010/main" w="9525">
+              <a14:hiddenLine xmlns:a14="http://schemas.microsoft.com/office/drawing/2010/main" xmlns="" w="9525">
                 <a:solidFill>
                   <a:srgbClr val="000000"/>
                 </a:solidFill>
@@ -8923,14 +8921,14 @@
           </a:ln>
           <a:extLst>
             <a:ext uri="{909E8E84-426E-40DD-AFC4-6F175D3DCCD1}">
-              <a14:hiddenFill xmlns:a14="http://schemas.microsoft.com/office/drawing/2010/main">
+              <a14:hiddenFill xmlns:a14="http://schemas.microsoft.com/office/drawing/2010/main" xmlns="">
                 <a:solidFill>
                   <a:srgbClr val="FFFFFF"/>
                 </a:solidFill>
               </a14:hiddenFill>
             </a:ext>
             <a:ext uri="{91240B29-F687-4F45-9708-019B960494DF}">
-              <a14:hiddenLine xmlns:a14="http://schemas.microsoft.com/office/drawing/2010/main" w="9525">
+              <a14:hiddenLine xmlns:a14="http://schemas.microsoft.com/office/drawing/2010/main" xmlns="" w="9525">
                 <a:solidFill>
                   <a:srgbClr val="000000"/>
                 </a:solidFill>
@@ -8988,7 +8986,7 @@
     </p:spTree>
     <p:extLst>
       <p:ext uri="{BB962C8B-B14F-4D97-AF65-F5344CB8AC3E}">
-        <p14:creationId xmlns:p14="http://schemas.microsoft.com/office/powerpoint/2010/main" val="2115729129"/>
+        <p14:creationId xmlns:p14="http://schemas.microsoft.com/office/powerpoint/2010/main" xmlns="" val="2115729129"/>
       </p:ext>
     </p:extLst>
   </p:cSld>
@@ -9576,7 +9574,7 @@
                 </a:solidFill>
               </a:rPr>
               <a:pPr/>
-              <a:t>2/10/2018</a:t>
+              <a:t>2/12/2018</a:t>
             </a:fld>
             <a:endParaRPr lang="en-US">
               <a:solidFill>
@@ -9688,7 +9686,7 @@
     </p:spTree>
     <p:extLst>
       <p:ext uri="{BB962C8B-B14F-4D97-AF65-F5344CB8AC3E}">
-        <p14:creationId xmlns:p14="http://schemas.microsoft.com/office/powerpoint/2010/main" val="51007564"/>
+        <p14:creationId xmlns:p14="http://schemas.microsoft.com/office/powerpoint/2010/main" xmlns="" val="51007564"/>
       </p:ext>
     </p:extLst>
   </p:cSld>
@@ -10013,14 +10011,14 @@
           </a:ln>
           <a:extLst>
             <a:ext uri="{909E8E84-426E-40DD-AFC4-6F175D3DCCD1}">
-              <a14:hiddenFill xmlns:a14="http://schemas.microsoft.com/office/drawing/2010/main">
+              <a14:hiddenFill xmlns:a14="http://schemas.microsoft.com/office/drawing/2010/main" xmlns="">
                 <a:solidFill>
                   <a:srgbClr val="FFFFFF"/>
                 </a:solidFill>
               </a14:hiddenFill>
             </a:ext>
             <a:ext uri="{91240B29-F687-4F45-9708-019B960494DF}">
-              <a14:hiddenLine xmlns:a14="http://schemas.microsoft.com/office/drawing/2010/main" w="9525">
+              <a14:hiddenLine xmlns:a14="http://schemas.microsoft.com/office/drawing/2010/main" xmlns="" w="9525">
                 <a:solidFill>
                   <a:srgbClr val="000000"/>
                 </a:solidFill>
@@ -10255,7 +10253,7 @@
     </p:spTree>
     <p:extLst>
       <p:ext uri="{BB962C8B-B14F-4D97-AF65-F5344CB8AC3E}">
-        <p14:creationId xmlns:p14="http://schemas.microsoft.com/office/powerpoint/2010/main" val="1264250312"/>
+        <p14:creationId xmlns:p14="http://schemas.microsoft.com/office/powerpoint/2010/main" xmlns="" val="1264250312"/>
       </p:ext>
     </p:extLst>
   </p:cSld>
@@ -10292,2251 +10290,6 @@
           <a:chExt cx="0" cy="0"/>
         </a:xfrm>
       </p:grpSpPr>
-      <p:sp>
-        <p:nvSpPr>
-          <p:cNvPr id="13" name="Rounded Rectangle 12"/>
-          <p:cNvSpPr/>
-          <p:nvPr/>
-        </p:nvSpPr>
-        <p:spPr bwMode="auto">
-          <a:xfrm>
-            <a:off x="430530" y="2857500"/>
-            <a:ext cx="8465820" cy="2179320"/>
-          </a:xfrm>
-          <a:prstGeom prst="roundRect">
-            <a:avLst>
-              <a:gd name="adj" fmla="val 3948"/>
-            </a:avLst>
-          </a:prstGeom>
-          <a:solidFill>
-            <a:schemeClr val="bg1">
-              <a:lumMod val="75000"/>
-            </a:schemeClr>
-          </a:solidFill>
-          <a:ln>
-            <a:solidFill>
-              <a:schemeClr val="bg1"/>
-            </a:solidFill>
-            <a:headEnd type="none" w="med" len="med"/>
-            <a:tailEnd type="none" w="med" len="med"/>
-          </a:ln>
-        </p:spPr>
-        <p:style>
-          <a:lnRef idx="1">
-            <a:schemeClr val="accent1"/>
-          </a:lnRef>
-          <a:fillRef idx="3">
-            <a:schemeClr val="accent1"/>
-          </a:fillRef>
-          <a:effectRef idx="2">
-            <a:schemeClr val="accent1"/>
-          </a:effectRef>
-          <a:fontRef idx="minor">
-            <a:schemeClr val="lt1"/>
-          </a:fontRef>
-        </p:style>
-        <p:txBody>
-          <a:bodyPr vert="horz" wrap="square" lIns="91440" tIns="45720" rIns="91440" bIns="45720" numCol="1" rtlCol="0" anchor="t" anchorCtr="0" compatLnSpc="1">
-            <a:prstTxWarp prst="textNoShape">
-              <a:avLst/>
-            </a:prstTxWarp>
-          </a:bodyPr>
-          <a:lstStyle/>
-          <a:p>
-            <a:pPr algn="ctr" eaLnBrk="0" fontAlgn="base" hangingPunct="0">
-              <a:spcBef>
-                <a:spcPct val="0"/>
-              </a:spcBef>
-              <a:spcAft>
-                <a:spcPct val="0"/>
-              </a:spcAft>
-            </a:pPr>
-            <a:r>
-              <a:rPr lang="en-US" sz="1000" b="1" dirty="0" smtClean="0">
-                <a:solidFill>
-                  <a:srgbClr val="002060"/>
-                </a:solidFill>
-                <a:latin typeface="Verdana" pitchFamily="34" charset="0"/>
-                <a:ea typeface="MS PGothic" pitchFamily="34" charset="-128"/>
-              </a:rPr>
-              <a:t>JSON Web Token</a:t>
-            </a:r>
-            <a:endParaRPr lang="en-US" sz="1000" b="1" dirty="0">
-              <a:solidFill>
-                <a:srgbClr val="002060"/>
-              </a:solidFill>
-              <a:latin typeface="Verdana" pitchFamily="34" charset="0"/>
-              <a:ea typeface="MS PGothic" pitchFamily="34" charset="-128"/>
-            </a:endParaRPr>
-          </a:p>
-        </p:txBody>
-      </p:sp>
-      <p:sp>
-        <p:nvSpPr>
-          <p:cNvPr id="10" name="Rounded Rectangle 9"/>
-          <p:cNvSpPr/>
-          <p:nvPr/>
-        </p:nvSpPr>
-        <p:spPr bwMode="auto">
-          <a:xfrm>
-            <a:off x="701040" y="3230880"/>
-            <a:ext cx="1760220" cy="1661160"/>
-          </a:xfrm>
-          <a:prstGeom prst="roundRect">
-            <a:avLst>
-              <a:gd name="adj" fmla="val 3948"/>
-            </a:avLst>
-          </a:prstGeom>
-          <a:solidFill>
-            <a:srgbClr val="002060"/>
-          </a:solidFill>
-          <a:ln>
-            <a:solidFill>
-              <a:schemeClr val="bg1"/>
-            </a:solidFill>
-            <a:headEnd type="none" w="med" len="med"/>
-            <a:tailEnd type="none" w="med" len="med"/>
-          </a:ln>
-        </p:spPr>
-        <p:style>
-          <a:lnRef idx="1">
-            <a:schemeClr val="accent1"/>
-          </a:lnRef>
-          <a:fillRef idx="3">
-            <a:schemeClr val="accent1"/>
-          </a:fillRef>
-          <a:effectRef idx="2">
-            <a:schemeClr val="accent1"/>
-          </a:effectRef>
-          <a:fontRef idx="minor">
-            <a:schemeClr val="lt1"/>
-          </a:fontRef>
-        </p:style>
-        <p:txBody>
-          <a:bodyPr vert="horz" wrap="square" lIns="91440" tIns="45720" rIns="91440" bIns="45720" numCol="1" rtlCol="0" anchor="t" anchorCtr="0" compatLnSpc="1">
-            <a:prstTxWarp prst="textNoShape">
-              <a:avLst/>
-            </a:prstTxWarp>
-          </a:bodyPr>
-          <a:lstStyle/>
-          <a:p>
-            <a:pPr algn="ctr" eaLnBrk="0" fontAlgn="base" hangingPunct="0">
-              <a:spcBef>
-                <a:spcPct val="0"/>
-              </a:spcBef>
-              <a:spcAft>
-                <a:spcPct val="0"/>
-              </a:spcAft>
-            </a:pPr>
-            <a:r>
-              <a:rPr lang="en-US" sz="1000" b="1" dirty="0" smtClean="0">
-                <a:solidFill>
-                  <a:schemeClr val="bg1"/>
-                </a:solidFill>
-                <a:latin typeface="Verdana" pitchFamily="34" charset="0"/>
-                <a:ea typeface="MS PGothic" pitchFamily="34" charset="-128"/>
-              </a:rPr>
-              <a:t>Base64UrlEncode</a:t>
-            </a:r>
-            <a:endParaRPr lang="en-US" sz="1000" b="1" dirty="0">
-              <a:solidFill>
-                <a:schemeClr val="bg1"/>
-              </a:solidFill>
-              <a:latin typeface="Verdana" pitchFamily="34" charset="0"/>
-              <a:ea typeface="MS PGothic" pitchFamily="34" charset="-128"/>
-            </a:endParaRPr>
-          </a:p>
-          <a:p>
-            <a:pPr algn="ctr" eaLnBrk="0" fontAlgn="base" hangingPunct="0">
-              <a:spcBef>
-                <a:spcPct val="0"/>
-              </a:spcBef>
-              <a:spcAft>
-                <a:spcPct val="0"/>
-              </a:spcAft>
-            </a:pPr>
-            <a:r>
-              <a:rPr lang="en-US" sz="1000" b="1" dirty="0" smtClean="0">
-                <a:solidFill>
-                  <a:schemeClr val="bg1"/>
-                </a:solidFill>
-                <a:latin typeface="Verdana" pitchFamily="34" charset="0"/>
-                <a:ea typeface="MS PGothic" pitchFamily="34" charset="-128"/>
-              </a:rPr>
-              <a:t>Header</a:t>
-            </a:r>
-            <a:endParaRPr lang="en-US" sz="1000" b="1" dirty="0">
-              <a:solidFill>
-                <a:schemeClr val="bg1"/>
-              </a:solidFill>
-              <a:latin typeface="Verdana" pitchFamily="34" charset="0"/>
-              <a:ea typeface="MS PGothic" pitchFamily="34" charset="-128"/>
-            </a:endParaRPr>
-          </a:p>
-        </p:txBody>
-      </p:sp>
-      <p:sp>
-        <p:nvSpPr>
-          <p:cNvPr id="2" name="Title 1"/>
-          <p:cNvSpPr>
-            <a:spLocks noGrp="1"/>
-          </p:cNvSpPr>
-          <p:nvPr>
-            <p:ph type="title"/>
-          </p:nvPr>
-        </p:nvSpPr>
-        <p:spPr>
-          <a:xfrm>
-            <a:off x="180974" y="30480"/>
-            <a:ext cx="8728075" cy="628104"/>
-          </a:xfrm>
-        </p:spPr>
-        <p:txBody>
-          <a:bodyPr/>
-          <a:lstStyle/>
-          <a:p>
-            <a:r>
-              <a:rPr lang="en-US" sz="2800" b="1" dirty="0" smtClean="0">
-                <a:solidFill>
-                  <a:srgbClr val="002060"/>
-                </a:solidFill>
-              </a:rPr>
-              <a:t>Anatomy of JSON Web Token (JWT)</a:t>
-            </a:r>
-            <a:br>
-              <a:rPr lang="en-US" sz="2800" b="1" dirty="0" smtClean="0">
-                <a:solidFill>
-                  <a:srgbClr val="002060"/>
-                </a:solidFill>
-              </a:rPr>
-            </a:br>
-            <a:r>
-              <a:rPr lang="en-US" sz="1200" b="1" dirty="0" smtClean="0">
-                <a:solidFill>
-                  <a:srgbClr val="002060"/>
-                </a:solidFill>
-              </a:rPr>
-              <a:t>OAUTH overview</a:t>
-            </a:r>
-            <a:endParaRPr lang="en-US" sz="1200" b="1" dirty="0">
-              <a:solidFill>
-                <a:srgbClr val="002060"/>
-              </a:solidFill>
-            </a:endParaRPr>
-          </a:p>
-        </p:txBody>
-      </p:sp>
-      <p:sp>
-        <p:nvSpPr>
-          <p:cNvPr id="4" name="Slide Number Placeholder 3"/>
-          <p:cNvSpPr>
-            <a:spLocks noGrp="1"/>
-          </p:cNvSpPr>
-          <p:nvPr>
-            <p:ph type="sldNum" sz="quarter" idx="10"/>
-          </p:nvPr>
-        </p:nvSpPr>
-        <p:spPr/>
-        <p:txBody>
-          <a:bodyPr/>
-          <a:lstStyle/>
-          <a:p>
-            <a:fld id="{E0F1291B-B6DA-4F26-BB25-6CDACE341E2D}" type="slidenum">
-              <a:rPr lang="en-US" smtClean="0"/>
-              <a:pPr/>
-              <a:t>10</a:t>
-            </a:fld>
-            <a:endParaRPr lang="en-US" dirty="0"/>
-          </a:p>
-        </p:txBody>
-      </p:sp>
-      <p:cxnSp>
-        <p:nvCxnSpPr>
-          <p:cNvPr id="5" name="Straight Connector 4"/>
-          <p:cNvCxnSpPr/>
-          <p:nvPr/>
-        </p:nvCxnSpPr>
-        <p:spPr bwMode="auto">
-          <a:xfrm>
-            <a:off x="0" y="734784"/>
-            <a:ext cx="9144000" cy="0"/>
-          </a:xfrm>
-          <a:prstGeom prst="line">
-            <a:avLst/>
-          </a:prstGeom>
-          <a:ln>
-            <a:solidFill>
-              <a:srgbClr val="002060"/>
-            </a:solidFill>
-            <a:headEnd type="none" w="med" len="med"/>
-            <a:tailEnd type="none" w="med" len="med"/>
-          </a:ln>
-        </p:spPr>
-        <p:style>
-          <a:lnRef idx="3">
-            <a:schemeClr val="accent6"/>
-          </a:lnRef>
-          <a:fillRef idx="0">
-            <a:schemeClr val="accent6"/>
-          </a:fillRef>
-          <a:effectRef idx="2">
-            <a:schemeClr val="accent6"/>
-          </a:effectRef>
-          <a:fontRef idx="minor">
-            <a:schemeClr val="tx1"/>
-          </a:fontRef>
-        </p:style>
-      </p:cxnSp>
-      <p:sp>
-        <p:nvSpPr>
-          <p:cNvPr id="6" name="TextBox 5"/>
-          <p:cNvSpPr txBox="1"/>
-          <p:nvPr/>
-        </p:nvSpPr>
-        <p:spPr>
-          <a:xfrm>
-            <a:off x="0" y="6566761"/>
-            <a:ext cx="623887" cy="276999"/>
-          </a:xfrm>
-          <a:prstGeom prst="rect">
-            <a:avLst/>
-          </a:prstGeom>
-          <a:noFill/>
-        </p:spPr>
-        <p:txBody>
-          <a:bodyPr wrap="square" rtlCol="0">
-            <a:spAutoFit/>
-          </a:bodyPr>
-          <a:lstStyle/>
-          <a:p>
-            <a:r>
-              <a:rPr lang="en-US" sz="1200" b="1" dirty="0">
-                <a:solidFill>
-                  <a:srgbClr val="BD2521"/>
-                </a:solidFill>
-                <a:latin typeface="+mj-lt"/>
-                <a:ea typeface="ＭＳ Ｐゴシック" charset="0"/>
-                <a:cs typeface="MS PGothic"/>
-              </a:rPr>
-              <a:t>Draft</a:t>
-            </a:r>
-          </a:p>
-        </p:txBody>
-      </p:sp>
-      <p:sp>
-        <p:nvSpPr>
-          <p:cNvPr id="3" name="TextBox 2"/>
-          <p:cNvSpPr txBox="1"/>
-          <p:nvPr/>
-        </p:nvSpPr>
-        <p:spPr>
-          <a:xfrm>
-            <a:off x="312420" y="1021080"/>
-            <a:ext cx="4085545" cy="707886"/>
-          </a:xfrm>
-          <a:prstGeom prst="rect">
-            <a:avLst/>
-          </a:prstGeom>
-          <a:noFill/>
-        </p:spPr>
-        <p:txBody>
-          <a:bodyPr wrap="square" rtlCol="0">
-            <a:spAutoFit/>
-          </a:bodyPr>
-          <a:lstStyle/>
-          <a:p>
-            <a:r>
-              <a:rPr lang="en-US" sz="1000" b="1" dirty="0">
-                <a:solidFill>
-                  <a:srgbClr val="002060"/>
-                </a:solidFill>
-                <a:latin typeface="+mj-lt"/>
-              </a:rPr>
-              <a:t>What is </a:t>
-            </a:r>
-            <a:r>
-              <a:rPr lang="en-US" sz="1000" b="1" dirty="0" smtClean="0">
-                <a:solidFill>
-                  <a:srgbClr val="002060"/>
-                </a:solidFill>
-                <a:latin typeface="+mj-lt"/>
-              </a:rPr>
-              <a:t>JSON Web Token (JWT) ?</a:t>
-            </a:r>
-          </a:p>
-          <a:p>
-            <a:r>
-              <a:rPr lang="en-US" sz="1000" dirty="0" smtClean="0">
-                <a:solidFill>
-                  <a:srgbClr val="002060"/>
-                </a:solidFill>
-              </a:rPr>
-              <a:t>It is a </a:t>
-            </a:r>
-            <a:r>
-              <a:rPr lang="en-US" sz="1000" dirty="0">
-                <a:solidFill>
-                  <a:srgbClr val="002060"/>
-                </a:solidFill>
-              </a:rPr>
-              <a:t>compact, URL-safe means of </a:t>
-            </a:r>
-            <a:r>
-              <a:rPr lang="en-US" sz="1000" dirty="0" smtClean="0">
-                <a:solidFill>
-                  <a:srgbClr val="002060"/>
-                </a:solidFill>
-              </a:rPr>
-              <a:t>representing claims </a:t>
-            </a:r>
-            <a:r>
-              <a:rPr lang="en-US" sz="1000" dirty="0">
-                <a:solidFill>
-                  <a:srgbClr val="002060"/>
-                </a:solidFill>
-              </a:rPr>
-              <a:t>to be transferred between two parties by encoding them as JSON objects which can be digitally signed or </a:t>
-            </a:r>
-            <a:r>
-              <a:rPr lang="en-US" sz="1000" dirty="0" smtClean="0">
-                <a:solidFill>
-                  <a:srgbClr val="002060"/>
-                </a:solidFill>
-              </a:rPr>
-              <a:t>encrypted.</a:t>
-            </a:r>
-            <a:endParaRPr lang="en-US" sz="1000" b="1" dirty="0">
-              <a:solidFill>
-                <a:srgbClr val="002060"/>
-              </a:solidFill>
-            </a:endParaRPr>
-          </a:p>
-        </p:txBody>
-      </p:sp>
-      <p:sp>
-        <p:nvSpPr>
-          <p:cNvPr id="7" name="TextBox 6"/>
-          <p:cNvSpPr txBox="1"/>
-          <p:nvPr/>
-        </p:nvSpPr>
-        <p:spPr>
-          <a:xfrm>
-            <a:off x="4419600" y="1021080"/>
-            <a:ext cx="3170397" cy="553998"/>
-          </a:xfrm>
-          <a:prstGeom prst="rect">
-            <a:avLst/>
-          </a:prstGeom>
-          <a:noFill/>
-        </p:spPr>
-        <p:txBody>
-          <a:bodyPr wrap="square" rtlCol="0">
-            <a:spAutoFit/>
-          </a:bodyPr>
-          <a:lstStyle/>
-          <a:p>
-            <a:r>
-              <a:rPr lang="en-US" sz="1000" b="1" dirty="0" smtClean="0">
-                <a:solidFill>
-                  <a:srgbClr val="002060"/>
-                </a:solidFill>
-                <a:latin typeface="+mj-lt"/>
-              </a:rPr>
-              <a:t>When to use JWT?</a:t>
-            </a:r>
-          </a:p>
-          <a:p>
-            <a:r>
-              <a:rPr lang="en-US" sz="1000" dirty="0" smtClean="0">
-                <a:solidFill>
-                  <a:srgbClr val="002060"/>
-                </a:solidFill>
-                <a:latin typeface="+mj-lt"/>
-              </a:rPr>
-              <a:t>Authentication</a:t>
-            </a:r>
-          </a:p>
-          <a:p>
-            <a:endParaRPr lang="en-US" sz="1000" b="1" dirty="0">
-              <a:solidFill>
-                <a:srgbClr val="002060"/>
-              </a:solidFill>
-              <a:latin typeface="+mj-lt"/>
-            </a:endParaRPr>
-          </a:p>
-        </p:txBody>
-      </p:sp>
-      <p:sp>
-        <p:nvSpPr>
-          <p:cNvPr id="8" name="TextBox 7"/>
-          <p:cNvSpPr txBox="1"/>
-          <p:nvPr/>
-        </p:nvSpPr>
-        <p:spPr>
-          <a:xfrm>
-            <a:off x="312420" y="2284095"/>
-            <a:ext cx="8496300" cy="553998"/>
-          </a:xfrm>
-          <a:prstGeom prst="rect">
-            <a:avLst/>
-          </a:prstGeom>
-          <a:noFill/>
-        </p:spPr>
-        <p:txBody>
-          <a:bodyPr wrap="square" rtlCol="0">
-            <a:spAutoFit/>
-          </a:bodyPr>
-          <a:lstStyle/>
-          <a:p>
-            <a:r>
-              <a:rPr lang="en-US" sz="1000" b="1" dirty="0" smtClean="0">
-                <a:solidFill>
-                  <a:srgbClr val="002060"/>
-                </a:solidFill>
-                <a:latin typeface="+mj-lt"/>
-              </a:rPr>
-              <a:t>Anatomy of JWT </a:t>
-            </a:r>
-          </a:p>
-          <a:p>
-            <a:r>
-              <a:rPr lang="en-US" sz="1000" dirty="0">
-                <a:solidFill>
-                  <a:srgbClr val="002060"/>
-                </a:solidFill>
-              </a:rPr>
-              <a:t>Consists of </a:t>
-            </a:r>
-            <a:r>
-              <a:rPr lang="en-US" sz="1000" b="1" dirty="0">
-                <a:solidFill>
-                  <a:srgbClr val="002060"/>
-                </a:solidFill>
-              </a:rPr>
-              <a:t>Header</a:t>
-            </a:r>
-            <a:r>
-              <a:rPr lang="en-US" sz="1000" dirty="0">
-                <a:solidFill>
-                  <a:srgbClr val="002060"/>
-                </a:solidFill>
-              </a:rPr>
-              <a:t> , </a:t>
-            </a:r>
-            <a:r>
-              <a:rPr lang="en-US" sz="1000" b="1" dirty="0">
-                <a:solidFill>
-                  <a:srgbClr val="002060"/>
-                </a:solidFill>
-              </a:rPr>
-              <a:t>Payload</a:t>
-            </a:r>
-            <a:r>
-              <a:rPr lang="en-US" sz="1000" dirty="0">
-                <a:solidFill>
-                  <a:srgbClr val="002060"/>
-                </a:solidFill>
-              </a:rPr>
-              <a:t> and the </a:t>
-            </a:r>
-            <a:r>
-              <a:rPr lang="en-US" sz="1000" b="1" dirty="0" smtClean="0">
-                <a:solidFill>
-                  <a:srgbClr val="002060"/>
-                </a:solidFill>
-              </a:rPr>
-              <a:t>Signature. </a:t>
-            </a:r>
-            <a:endParaRPr lang="en-US" sz="1000" b="1" dirty="0">
-              <a:solidFill>
-                <a:srgbClr val="002060"/>
-              </a:solidFill>
-            </a:endParaRPr>
-          </a:p>
-          <a:p>
-            <a:r>
-              <a:rPr lang="en-US" sz="1000" i="1" dirty="0" smtClean="0">
-                <a:solidFill>
-                  <a:srgbClr val="002060"/>
-                </a:solidFill>
-              </a:rPr>
-              <a:t>Base64UrlEncode(</a:t>
-            </a:r>
-            <a:r>
-              <a:rPr lang="en-US" sz="1000" b="1" i="1" dirty="0" smtClean="0">
-                <a:solidFill>
-                  <a:srgbClr val="002060"/>
-                </a:solidFill>
-              </a:rPr>
-              <a:t>Header</a:t>
-            </a:r>
-            <a:r>
-              <a:rPr lang="en-US" sz="1000" i="1" dirty="0" smtClean="0">
-                <a:solidFill>
-                  <a:srgbClr val="002060"/>
-                </a:solidFill>
-              </a:rPr>
-              <a:t>)</a:t>
-            </a:r>
-            <a:r>
-              <a:rPr lang="en-US" sz="1000" b="1" i="1" dirty="0" smtClean="0">
-                <a:solidFill>
-                  <a:srgbClr val="002060"/>
-                </a:solidFill>
-              </a:rPr>
-              <a:t>.</a:t>
-            </a:r>
-            <a:r>
-              <a:rPr lang="en-US" sz="1000" i="1" dirty="0" smtClean="0">
-                <a:solidFill>
-                  <a:srgbClr val="002060"/>
-                </a:solidFill>
-              </a:rPr>
-              <a:t>Base64UrlEncode(</a:t>
-            </a:r>
-            <a:r>
-              <a:rPr lang="en-US" sz="1000" b="1" i="1" dirty="0" smtClean="0">
-                <a:solidFill>
-                  <a:srgbClr val="002060"/>
-                </a:solidFill>
-              </a:rPr>
-              <a:t>Payload</a:t>
-            </a:r>
-            <a:r>
-              <a:rPr lang="en-US" sz="1000" i="1" dirty="0" smtClean="0">
-                <a:solidFill>
-                  <a:srgbClr val="002060"/>
-                </a:solidFill>
-              </a:rPr>
-              <a:t>)</a:t>
-            </a:r>
-            <a:r>
-              <a:rPr lang="en-US" sz="1000" b="1" i="1" dirty="0" smtClean="0">
-                <a:solidFill>
-                  <a:srgbClr val="002060"/>
-                </a:solidFill>
-              </a:rPr>
-              <a:t>.Signature</a:t>
-            </a:r>
-          </a:p>
-        </p:txBody>
-      </p:sp>
-      <p:sp>
-        <p:nvSpPr>
-          <p:cNvPr id="9" name="Rounded Rectangle 8"/>
-          <p:cNvSpPr/>
-          <p:nvPr/>
-        </p:nvSpPr>
-        <p:spPr bwMode="auto">
-          <a:xfrm>
-            <a:off x="859198" y="3787225"/>
-            <a:ext cx="1449662" cy="809847"/>
-          </a:xfrm>
-          <a:prstGeom prst="roundRect">
-            <a:avLst>
-              <a:gd name="adj" fmla="val 4435"/>
-            </a:avLst>
-          </a:prstGeom>
-          <a:solidFill>
-            <a:srgbClr val="0070C0"/>
-          </a:solidFill>
-          <a:ln>
-            <a:solidFill>
-              <a:schemeClr val="bg1"/>
-            </a:solidFill>
-            <a:headEnd type="none" w="med" len="med"/>
-            <a:tailEnd type="none" w="med" len="med"/>
-          </a:ln>
-        </p:spPr>
-        <p:style>
-          <a:lnRef idx="1">
-            <a:schemeClr val="accent1"/>
-          </a:lnRef>
-          <a:fillRef idx="3">
-            <a:schemeClr val="accent1"/>
-          </a:fillRef>
-          <a:effectRef idx="2">
-            <a:schemeClr val="accent1"/>
-          </a:effectRef>
-          <a:fontRef idx="minor">
-            <a:schemeClr val="lt1"/>
-          </a:fontRef>
-        </p:style>
-        <p:txBody>
-          <a:bodyPr vert="horz" wrap="square" lIns="91440" tIns="45720" rIns="91440" bIns="45720" numCol="1" rtlCol="0" anchor="ctr" anchorCtr="0" compatLnSpc="1">
-            <a:prstTxWarp prst="textNoShape">
-              <a:avLst/>
-            </a:prstTxWarp>
-          </a:bodyPr>
-          <a:lstStyle/>
-          <a:p>
-            <a:pPr marL="0" marR="0" indent="0" algn="ctr" defTabSz="914400" rtl="0" eaLnBrk="0" fontAlgn="base" latinLnBrk="0" hangingPunct="0">
-              <a:lnSpc>
-                <a:spcPct val="100000"/>
-              </a:lnSpc>
-              <a:spcBef>
-                <a:spcPct val="0"/>
-              </a:spcBef>
-              <a:spcAft>
-                <a:spcPct val="0"/>
-              </a:spcAft>
-              <a:buClrTx/>
-              <a:buSzTx/>
-              <a:buFontTx/>
-              <a:buNone/>
-              <a:tabLst/>
-            </a:pPr>
-            <a:r>
-              <a:rPr kumimoji="0" lang="en-US" sz="1000" b="1" i="0" u="none" strike="noStrike" cap="none" normalizeH="0" baseline="0" dirty="0" smtClean="0">
-                <a:ln>
-                  <a:noFill/>
-                </a:ln>
-                <a:solidFill>
-                  <a:schemeClr val="bg1"/>
-                </a:solidFill>
-                <a:effectLst/>
-                <a:latin typeface="Verdana" pitchFamily="34" charset="0"/>
-                <a:ea typeface="MS PGothic" pitchFamily="34" charset="-128"/>
-              </a:rPr>
-              <a:t>Header</a:t>
-            </a:r>
-          </a:p>
-          <a:p>
-            <a:pPr marL="171450" marR="0" indent="-171450" defTabSz="914400" rtl="0" eaLnBrk="0" fontAlgn="base" latinLnBrk="0" hangingPunct="0">
-              <a:lnSpc>
-                <a:spcPct val="100000"/>
-              </a:lnSpc>
-              <a:spcBef>
-                <a:spcPct val="0"/>
-              </a:spcBef>
-              <a:spcAft>
-                <a:spcPct val="0"/>
-              </a:spcAft>
-              <a:buClrTx/>
-              <a:buSzTx/>
-              <a:buFont typeface="Arial" panose="020B0604020202020204" pitchFamily="34" charset="0"/>
-              <a:buChar char="•"/>
-              <a:tabLst/>
-            </a:pPr>
-            <a:r>
-              <a:rPr kumimoji="0" lang="en-US" sz="800" i="0" u="none" strike="noStrike" cap="none" normalizeH="0" baseline="0" dirty="0" smtClean="0">
-                <a:ln>
-                  <a:noFill/>
-                </a:ln>
-                <a:solidFill>
-                  <a:schemeClr val="bg1"/>
-                </a:solidFill>
-                <a:effectLst/>
-                <a:latin typeface="Verdana" pitchFamily="34" charset="0"/>
-                <a:ea typeface="MS PGothic" pitchFamily="34" charset="-128"/>
-              </a:rPr>
-              <a:t>Token type</a:t>
-            </a:r>
-          </a:p>
-          <a:p>
-            <a:pPr marL="171450" marR="0" indent="-171450" defTabSz="914400" rtl="0" eaLnBrk="0" fontAlgn="base" latinLnBrk="0" hangingPunct="0">
-              <a:lnSpc>
-                <a:spcPct val="100000"/>
-              </a:lnSpc>
-              <a:spcBef>
-                <a:spcPct val="0"/>
-              </a:spcBef>
-              <a:spcAft>
-                <a:spcPct val="0"/>
-              </a:spcAft>
-              <a:buClrTx/>
-              <a:buSzTx/>
-              <a:buFont typeface="Arial" panose="020B0604020202020204" pitchFamily="34" charset="0"/>
-              <a:buChar char="•"/>
-              <a:tabLst/>
-            </a:pPr>
-            <a:r>
-              <a:rPr lang="en-US" sz="800" dirty="0" smtClean="0">
-                <a:solidFill>
-                  <a:schemeClr val="bg1"/>
-                </a:solidFill>
-                <a:latin typeface="Verdana" pitchFamily="34" charset="0"/>
-                <a:ea typeface="MS PGothic" pitchFamily="34" charset="-128"/>
-              </a:rPr>
-              <a:t>Hashing Algorithm</a:t>
-            </a:r>
-            <a:endParaRPr kumimoji="0" lang="en-US" sz="800" i="0" u="none" strike="noStrike" cap="none" normalizeH="0" baseline="0" dirty="0" smtClean="0">
-              <a:ln>
-                <a:noFill/>
-              </a:ln>
-              <a:solidFill>
-                <a:schemeClr val="bg1"/>
-              </a:solidFill>
-              <a:effectLst/>
-              <a:latin typeface="Verdana" pitchFamily="34" charset="0"/>
-              <a:ea typeface="MS PGothic" pitchFamily="34" charset="-128"/>
-            </a:endParaRPr>
-          </a:p>
-        </p:txBody>
-      </p:sp>
-      <p:sp>
-        <p:nvSpPr>
-          <p:cNvPr id="11" name="Rounded Rectangle 10"/>
-          <p:cNvSpPr/>
-          <p:nvPr/>
-        </p:nvSpPr>
-        <p:spPr bwMode="auto">
-          <a:xfrm>
-            <a:off x="3009899" y="3230880"/>
-            <a:ext cx="2743201" cy="1661160"/>
-          </a:xfrm>
-          <a:prstGeom prst="roundRect">
-            <a:avLst>
-              <a:gd name="adj" fmla="val 3948"/>
-            </a:avLst>
-          </a:prstGeom>
-          <a:solidFill>
-            <a:srgbClr val="002060"/>
-          </a:solidFill>
-          <a:ln>
-            <a:solidFill>
-              <a:schemeClr val="bg1"/>
-            </a:solidFill>
-            <a:headEnd type="none" w="med" len="med"/>
-            <a:tailEnd type="none" w="med" len="med"/>
-          </a:ln>
-        </p:spPr>
-        <p:style>
-          <a:lnRef idx="1">
-            <a:schemeClr val="accent1"/>
-          </a:lnRef>
-          <a:fillRef idx="3">
-            <a:schemeClr val="accent1"/>
-          </a:fillRef>
-          <a:effectRef idx="2">
-            <a:schemeClr val="accent1"/>
-          </a:effectRef>
-          <a:fontRef idx="minor">
-            <a:schemeClr val="lt1"/>
-          </a:fontRef>
-        </p:style>
-        <p:txBody>
-          <a:bodyPr vert="horz" wrap="square" lIns="91440" tIns="45720" rIns="91440" bIns="45720" numCol="1" rtlCol="0" anchor="t" anchorCtr="0" compatLnSpc="1">
-            <a:prstTxWarp prst="textNoShape">
-              <a:avLst/>
-            </a:prstTxWarp>
-          </a:bodyPr>
-          <a:lstStyle/>
-          <a:p>
-            <a:pPr algn="ctr" eaLnBrk="0" fontAlgn="base" hangingPunct="0">
-              <a:spcBef>
-                <a:spcPct val="0"/>
-              </a:spcBef>
-              <a:spcAft>
-                <a:spcPct val="0"/>
-              </a:spcAft>
-            </a:pPr>
-            <a:r>
-              <a:rPr lang="en-US" sz="1000" b="1" dirty="0" smtClean="0">
-                <a:solidFill>
-                  <a:schemeClr val="bg1"/>
-                </a:solidFill>
-                <a:latin typeface="Verdana" pitchFamily="34" charset="0"/>
-                <a:ea typeface="MS PGothic" pitchFamily="34" charset="-128"/>
-              </a:rPr>
-              <a:t>Base64UrlEncode</a:t>
-            </a:r>
-          </a:p>
-          <a:p>
-            <a:pPr algn="ctr" eaLnBrk="0" fontAlgn="base" hangingPunct="0">
-              <a:spcBef>
-                <a:spcPct val="0"/>
-              </a:spcBef>
-              <a:spcAft>
-                <a:spcPct val="0"/>
-              </a:spcAft>
-            </a:pPr>
-            <a:r>
-              <a:rPr lang="en-US" sz="1000" b="1" dirty="0" smtClean="0">
-                <a:solidFill>
-                  <a:schemeClr val="bg1"/>
-                </a:solidFill>
-                <a:latin typeface="Verdana" pitchFamily="34" charset="0"/>
-                <a:ea typeface="MS PGothic" pitchFamily="34" charset="-128"/>
-              </a:rPr>
-              <a:t>Payload</a:t>
-            </a:r>
-            <a:endParaRPr lang="en-US" sz="1000" b="1" dirty="0">
-              <a:solidFill>
-                <a:schemeClr val="bg1"/>
-              </a:solidFill>
-              <a:latin typeface="Verdana" pitchFamily="34" charset="0"/>
-              <a:ea typeface="MS PGothic" pitchFamily="34" charset="-128"/>
-            </a:endParaRPr>
-          </a:p>
-        </p:txBody>
-      </p:sp>
-      <p:sp>
-        <p:nvSpPr>
-          <p:cNvPr id="12" name="Rounded Rectangle 11"/>
-          <p:cNvSpPr/>
-          <p:nvPr/>
-        </p:nvSpPr>
-        <p:spPr bwMode="auto">
-          <a:xfrm>
-            <a:off x="3177583" y="3787225"/>
-            <a:ext cx="2391822" cy="809847"/>
-          </a:xfrm>
-          <a:prstGeom prst="roundRect">
-            <a:avLst>
-              <a:gd name="adj" fmla="val 5376"/>
-            </a:avLst>
-          </a:prstGeom>
-          <a:solidFill>
-            <a:srgbClr val="0070C0"/>
-          </a:solidFill>
-          <a:ln>
-            <a:solidFill>
-              <a:schemeClr val="bg1"/>
-            </a:solidFill>
-            <a:headEnd type="none" w="med" len="med"/>
-            <a:tailEnd type="none" w="med" len="med"/>
-          </a:ln>
-        </p:spPr>
-        <p:style>
-          <a:lnRef idx="1">
-            <a:schemeClr val="accent1"/>
-          </a:lnRef>
-          <a:fillRef idx="3">
-            <a:schemeClr val="accent1"/>
-          </a:fillRef>
-          <a:effectRef idx="2">
-            <a:schemeClr val="accent1"/>
-          </a:effectRef>
-          <a:fontRef idx="minor">
-            <a:schemeClr val="lt1"/>
-          </a:fontRef>
-        </p:style>
-        <p:txBody>
-          <a:bodyPr vert="horz" wrap="square" lIns="91440" tIns="45720" rIns="91440" bIns="45720" numCol="1" rtlCol="0" anchor="ctr" anchorCtr="0" compatLnSpc="1">
-            <a:prstTxWarp prst="textNoShape">
-              <a:avLst/>
-            </a:prstTxWarp>
-          </a:bodyPr>
-          <a:lstStyle/>
-          <a:p>
-            <a:pPr marL="0" marR="0" indent="0" algn="ctr" defTabSz="914400" rtl="0" eaLnBrk="0" fontAlgn="base" latinLnBrk="0" hangingPunct="0">
-              <a:lnSpc>
-                <a:spcPct val="100000"/>
-              </a:lnSpc>
-              <a:spcBef>
-                <a:spcPct val="0"/>
-              </a:spcBef>
-              <a:spcAft>
-                <a:spcPct val="0"/>
-              </a:spcAft>
-              <a:buClrTx/>
-              <a:buSzTx/>
-              <a:buFontTx/>
-              <a:buNone/>
-              <a:tabLst/>
-            </a:pPr>
-            <a:r>
-              <a:rPr kumimoji="0" lang="en-US" sz="1000" b="1" i="0" u="none" strike="noStrike" cap="none" normalizeH="0" baseline="0" dirty="0" smtClean="0">
-                <a:ln>
-                  <a:noFill/>
-                </a:ln>
-                <a:solidFill>
-                  <a:schemeClr val="bg1"/>
-                </a:solidFill>
-                <a:effectLst/>
-                <a:ea typeface="MS PGothic" pitchFamily="34" charset="-128"/>
-              </a:rPr>
-              <a:t>Payload</a:t>
-            </a:r>
-          </a:p>
-          <a:p>
-            <a:pPr marL="171450" marR="0" indent="-171450" defTabSz="914400" rtl="0" eaLnBrk="0" fontAlgn="base" latinLnBrk="0" hangingPunct="0">
-              <a:lnSpc>
-                <a:spcPct val="100000"/>
-              </a:lnSpc>
-              <a:spcBef>
-                <a:spcPct val="0"/>
-              </a:spcBef>
-              <a:spcAft>
-                <a:spcPct val="0"/>
-              </a:spcAft>
-              <a:buClrTx/>
-              <a:buSzTx/>
-              <a:buFont typeface="Arial" panose="020B0604020202020204" pitchFamily="34" charset="0"/>
-              <a:buChar char="•"/>
-              <a:tabLst/>
-            </a:pPr>
-            <a:r>
-              <a:rPr kumimoji="0" lang="en-US" sz="800" i="0" u="none" strike="noStrike" cap="none" normalizeH="0" baseline="0" dirty="0" smtClean="0">
-                <a:ln>
-                  <a:noFill/>
-                </a:ln>
-                <a:solidFill>
-                  <a:schemeClr val="bg1"/>
-                </a:solidFill>
-                <a:effectLst/>
-                <a:ea typeface="MS PGothic" pitchFamily="34" charset="-128"/>
-              </a:rPr>
-              <a:t>Reserved Claims (iss</a:t>
-            </a:r>
-            <a:r>
-              <a:rPr lang="en-US" sz="800" dirty="0" smtClean="0">
-                <a:solidFill>
-                  <a:schemeClr val="bg1"/>
-                </a:solidFill>
-                <a:ea typeface="MS PGothic" pitchFamily="34" charset="-128"/>
-              </a:rPr>
-              <a:t>/</a:t>
-            </a:r>
-            <a:r>
-              <a:rPr lang="en-US" sz="800" dirty="0" err="1" smtClean="0">
-                <a:solidFill>
-                  <a:schemeClr val="bg1"/>
-                </a:solidFill>
-                <a:ea typeface="MS PGothic" pitchFamily="34" charset="-128"/>
-              </a:rPr>
-              <a:t>exp</a:t>
-            </a:r>
-            <a:r>
-              <a:rPr lang="en-US" sz="800" dirty="0" smtClean="0">
-                <a:solidFill>
-                  <a:schemeClr val="bg1"/>
-                </a:solidFill>
-                <a:ea typeface="MS PGothic" pitchFamily="34" charset="-128"/>
-              </a:rPr>
-              <a:t>/sub/</a:t>
-            </a:r>
-            <a:r>
-              <a:rPr lang="en-US" sz="800" dirty="0" err="1" smtClean="0">
-                <a:solidFill>
-                  <a:schemeClr val="bg1"/>
-                </a:solidFill>
-                <a:ea typeface="MS PGothic" pitchFamily="34" charset="-128"/>
-              </a:rPr>
-              <a:t>aud</a:t>
-            </a:r>
-            <a:r>
-              <a:rPr lang="en-US" sz="800" dirty="0" smtClean="0">
-                <a:solidFill>
-                  <a:schemeClr val="bg1"/>
-                </a:solidFill>
-                <a:ea typeface="MS PGothic" pitchFamily="34" charset="-128"/>
-              </a:rPr>
-              <a:t> </a:t>
-            </a:r>
-            <a:r>
-              <a:rPr lang="en-US" sz="800" dirty="0" err="1" smtClean="0">
-                <a:solidFill>
-                  <a:schemeClr val="bg1"/>
-                </a:solidFill>
-                <a:ea typeface="MS PGothic" pitchFamily="34" charset="-128"/>
-              </a:rPr>
-              <a:t>etc</a:t>
-            </a:r>
-            <a:r>
-              <a:rPr lang="en-US" sz="800" dirty="0" smtClean="0">
-                <a:solidFill>
-                  <a:schemeClr val="bg1"/>
-                </a:solidFill>
-                <a:ea typeface="MS PGothic" pitchFamily="34" charset="-128"/>
-              </a:rPr>
-              <a:t>)</a:t>
-            </a:r>
-            <a:endParaRPr kumimoji="0" lang="en-US" sz="800" i="0" u="none" strike="noStrike" cap="none" normalizeH="0" baseline="0" dirty="0" smtClean="0">
-              <a:ln>
-                <a:noFill/>
-              </a:ln>
-              <a:solidFill>
-                <a:schemeClr val="bg1"/>
-              </a:solidFill>
-              <a:effectLst/>
-              <a:ea typeface="MS PGothic" pitchFamily="34" charset="-128"/>
-            </a:endParaRPr>
-          </a:p>
-          <a:p>
-            <a:pPr marL="171450" marR="0" indent="-171450" defTabSz="914400" rtl="0" eaLnBrk="0" fontAlgn="base" latinLnBrk="0" hangingPunct="0">
-              <a:lnSpc>
-                <a:spcPct val="100000"/>
-              </a:lnSpc>
-              <a:spcBef>
-                <a:spcPct val="0"/>
-              </a:spcBef>
-              <a:spcAft>
-                <a:spcPct val="0"/>
-              </a:spcAft>
-              <a:buClrTx/>
-              <a:buSzTx/>
-              <a:buFont typeface="Arial" panose="020B0604020202020204" pitchFamily="34" charset="0"/>
-              <a:buChar char="•"/>
-              <a:tabLst/>
-            </a:pPr>
-            <a:r>
-              <a:rPr lang="en-US" sz="800" dirty="0" smtClean="0">
-                <a:solidFill>
-                  <a:schemeClr val="bg1"/>
-                </a:solidFill>
-                <a:ea typeface="MS PGothic" pitchFamily="34" charset="-128"/>
-              </a:rPr>
-              <a:t>Public Claims</a:t>
-            </a:r>
-          </a:p>
-          <a:p>
-            <a:pPr marL="171450" marR="0" indent="-171450" defTabSz="914400" rtl="0" eaLnBrk="0" fontAlgn="base" latinLnBrk="0" hangingPunct="0">
-              <a:lnSpc>
-                <a:spcPct val="100000"/>
-              </a:lnSpc>
-              <a:spcBef>
-                <a:spcPct val="0"/>
-              </a:spcBef>
-              <a:spcAft>
-                <a:spcPct val="0"/>
-              </a:spcAft>
-              <a:buClrTx/>
-              <a:buSzTx/>
-              <a:buFont typeface="Arial" panose="020B0604020202020204" pitchFamily="34" charset="0"/>
-              <a:buChar char="•"/>
-              <a:tabLst/>
-            </a:pPr>
-            <a:r>
-              <a:rPr kumimoji="0" lang="en-US" sz="800" i="0" u="none" strike="noStrike" cap="none" normalizeH="0" baseline="0" dirty="0" smtClean="0">
-                <a:ln>
-                  <a:noFill/>
-                </a:ln>
-                <a:solidFill>
-                  <a:schemeClr val="bg1"/>
-                </a:solidFill>
-                <a:effectLst/>
-                <a:ea typeface="MS PGothic" pitchFamily="34" charset="-128"/>
-              </a:rPr>
-              <a:t>Private Claims</a:t>
-            </a:r>
-          </a:p>
-        </p:txBody>
-      </p:sp>
-      <p:sp>
-        <p:nvSpPr>
-          <p:cNvPr id="14" name="Rounded Rectangle 13"/>
-          <p:cNvSpPr/>
-          <p:nvPr/>
-        </p:nvSpPr>
-        <p:spPr bwMode="auto">
-          <a:xfrm>
-            <a:off x="6313408" y="3230880"/>
-            <a:ext cx="2365772" cy="1661160"/>
-          </a:xfrm>
-          <a:prstGeom prst="roundRect">
-            <a:avLst>
-              <a:gd name="adj" fmla="val 3948"/>
-            </a:avLst>
-          </a:prstGeom>
-          <a:solidFill>
-            <a:srgbClr val="002060"/>
-          </a:solidFill>
-          <a:ln>
-            <a:solidFill>
-              <a:schemeClr val="bg1"/>
-            </a:solidFill>
-            <a:headEnd type="none" w="med" len="med"/>
-            <a:tailEnd type="none" w="med" len="med"/>
-          </a:ln>
-        </p:spPr>
-        <p:style>
-          <a:lnRef idx="1">
-            <a:schemeClr val="accent1"/>
-          </a:lnRef>
-          <a:fillRef idx="3">
-            <a:schemeClr val="accent1"/>
-          </a:fillRef>
-          <a:effectRef idx="2">
-            <a:schemeClr val="accent1"/>
-          </a:effectRef>
-          <a:fontRef idx="minor">
-            <a:schemeClr val="lt1"/>
-          </a:fontRef>
-        </p:style>
-        <p:txBody>
-          <a:bodyPr vert="horz" wrap="square" lIns="91440" tIns="45720" rIns="91440" bIns="45720" numCol="1" rtlCol="0" anchor="t" anchorCtr="0" compatLnSpc="1">
-            <a:prstTxWarp prst="textNoShape">
-              <a:avLst/>
-            </a:prstTxWarp>
-          </a:bodyPr>
-          <a:lstStyle/>
-          <a:p>
-            <a:pPr algn="ctr" eaLnBrk="0" fontAlgn="base" hangingPunct="0">
-              <a:spcBef>
-                <a:spcPct val="0"/>
-              </a:spcBef>
-              <a:spcAft>
-                <a:spcPct val="0"/>
-              </a:spcAft>
-            </a:pPr>
-            <a:r>
-              <a:rPr lang="en-US" sz="1000" b="1" dirty="0" smtClean="0">
-                <a:solidFill>
-                  <a:schemeClr val="bg1"/>
-                </a:solidFill>
-                <a:latin typeface="Verdana" pitchFamily="34" charset="0"/>
-                <a:ea typeface="MS PGothic" pitchFamily="34" charset="-128"/>
-              </a:rPr>
-              <a:t>Signature</a:t>
-            </a:r>
-            <a:endParaRPr lang="en-US" sz="1000" b="1" dirty="0">
-              <a:solidFill>
-                <a:schemeClr val="bg1"/>
-              </a:solidFill>
-              <a:latin typeface="Verdana" pitchFamily="34" charset="0"/>
-              <a:ea typeface="MS PGothic" pitchFamily="34" charset="-128"/>
-            </a:endParaRPr>
-          </a:p>
-        </p:txBody>
-      </p:sp>
-      <p:sp>
-        <p:nvSpPr>
-          <p:cNvPr id="16" name="Rounded Rectangle 15"/>
-          <p:cNvSpPr/>
-          <p:nvPr/>
-        </p:nvSpPr>
-        <p:spPr bwMode="auto">
-          <a:xfrm>
-            <a:off x="6468686" y="3515567"/>
-            <a:ext cx="2073333" cy="469693"/>
-          </a:xfrm>
-          <a:prstGeom prst="roundRect">
-            <a:avLst>
-              <a:gd name="adj" fmla="val 5376"/>
-            </a:avLst>
-          </a:prstGeom>
-          <a:solidFill>
-            <a:srgbClr val="0070C0"/>
-          </a:solidFill>
-          <a:ln>
-            <a:solidFill>
-              <a:schemeClr val="bg1"/>
-            </a:solidFill>
-            <a:headEnd type="none" w="med" len="med"/>
-            <a:tailEnd type="none" w="med" len="med"/>
-          </a:ln>
-        </p:spPr>
-        <p:style>
-          <a:lnRef idx="1">
-            <a:schemeClr val="accent1"/>
-          </a:lnRef>
-          <a:fillRef idx="3">
-            <a:schemeClr val="accent1"/>
-          </a:fillRef>
-          <a:effectRef idx="2">
-            <a:schemeClr val="accent1"/>
-          </a:effectRef>
-          <a:fontRef idx="minor">
-            <a:schemeClr val="lt1"/>
-          </a:fontRef>
-        </p:style>
-        <p:txBody>
-          <a:bodyPr vert="horz" wrap="square" lIns="91440" tIns="45720" rIns="91440" bIns="45720" numCol="1" rtlCol="0" anchor="ctr" anchorCtr="0" compatLnSpc="1">
-            <a:prstTxWarp prst="textNoShape">
-              <a:avLst/>
-            </a:prstTxWarp>
-          </a:bodyPr>
-          <a:lstStyle/>
-          <a:p>
-            <a:pPr eaLnBrk="0" fontAlgn="base" hangingPunct="0">
-              <a:spcBef>
-                <a:spcPct val="0"/>
-              </a:spcBef>
-              <a:spcAft>
-                <a:spcPct val="0"/>
-              </a:spcAft>
-            </a:pPr>
-            <a:r>
-              <a:rPr lang="en-US" sz="800" dirty="0" smtClean="0"/>
-              <a:t>HMACSHA256 (</a:t>
-            </a:r>
-          </a:p>
-          <a:p>
-            <a:pPr eaLnBrk="0" fontAlgn="base" hangingPunct="0">
-              <a:spcBef>
-                <a:spcPct val="0"/>
-              </a:spcBef>
-              <a:spcAft>
-                <a:spcPct val="0"/>
-              </a:spcAft>
-            </a:pPr>
-            <a:r>
-              <a:rPr lang="en-US" sz="800" dirty="0" smtClean="0"/>
-              <a:t>base64UrlEncode(</a:t>
-            </a:r>
-            <a:r>
-              <a:rPr lang="en-US" sz="800" b="1" dirty="0" smtClean="0"/>
-              <a:t>Header</a:t>
-            </a:r>
-            <a:r>
-              <a:rPr lang="en-US" sz="800" dirty="0"/>
-              <a:t>) + "." </a:t>
-            </a:r>
-            <a:r>
-              <a:rPr lang="en-US" sz="800" dirty="0" smtClean="0"/>
-              <a:t>+ base64UrlEncode(</a:t>
-            </a:r>
-            <a:r>
-              <a:rPr lang="en-US" sz="800" b="1" dirty="0" smtClean="0"/>
-              <a:t>Payload</a:t>
-            </a:r>
-            <a:r>
-              <a:rPr lang="en-US" sz="800" dirty="0"/>
-              <a:t>), </a:t>
-            </a:r>
-            <a:r>
-              <a:rPr lang="en-US" sz="800" dirty="0" smtClean="0"/>
-              <a:t>secret)</a:t>
-            </a:r>
-            <a:endParaRPr kumimoji="0" lang="en-US" sz="800" i="0" u="none" strike="noStrike" cap="none" normalizeH="0" baseline="0" dirty="0" smtClean="0">
-              <a:ln>
-                <a:noFill/>
-              </a:ln>
-              <a:solidFill>
-                <a:schemeClr val="bg1"/>
-              </a:solidFill>
-              <a:effectLst/>
-              <a:ea typeface="MS PGothic" pitchFamily="34" charset="-128"/>
-            </a:endParaRPr>
-          </a:p>
-        </p:txBody>
-      </p:sp>
-      <p:sp>
-        <p:nvSpPr>
-          <p:cNvPr id="17" name="Rounded Rectangle 16"/>
-          <p:cNvSpPr/>
-          <p:nvPr/>
-        </p:nvSpPr>
-        <p:spPr bwMode="auto">
-          <a:xfrm>
-            <a:off x="6468686" y="4179345"/>
-            <a:ext cx="2073333" cy="613635"/>
-          </a:xfrm>
-          <a:prstGeom prst="roundRect">
-            <a:avLst>
-              <a:gd name="adj" fmla="val 5376"/>
-            </a:avLst>
-          </a:prstGeom>
-          <a:solidFill>
-            <a:srgbClr val="0070C0"/>
-          </a:solidFill>
-          <a:ln>
-            <a:solidFill>
-              <a:schemeClr val="bg1"/>
-            </a:solidFill>
-            <a:headEnd type="none" w="med" len="med"/>
-            <a:tailEnd type="none" w="med" len="med"/>
-          </a:ln>
-        </p:spPr>
-        <p:style>
-          <a:lnRef idx="1">
-            <a:schemeClr val="accent1"/>
-          </a:lnRef>
-          <a:fillRef idx="3">
-            <a:schemeClr val="accent1"/>
-          </a:fillRef>
-          <a:effectRef idx="2">
-            <a:schemeClr val="accent1"/>
-          </a:effectRef>
-          <a:fontRef idx="minor">
-            <a:schemeClr val="lt1"/>
-          </a:fontRef>
-        </p:style>
-        <p:txBody>
-          <a:bodyPr vert="horz" wrap="square" lIns="91440" tIns="45720" rIns="91440" bIns="45720" numCol="1" rtlCol="0" anchor="ctr" anchorCtr="0" compatLnSpc="1">
-            <a:prstTxWarp prst="textNoShape">
-              <a:avLst/>
-            </a:prstTxWarp>
-          </a:bodyPr>
-          <a:lstStyle/>
-          <a:p>
-            <a:pPr eaLnBrk="0" fontAlgn="base" hangingPunct="0">
-              <a:spcBef>
-                <a:spcPct val="0"/>
-              </a:spcBef>
-              <a:spcAft>
-                <a:spcPct val="0"/>
-              </a:spcAft>
-            </a:pPr>
-            <a:r>
-              <a:rPr lang="en-US" sz="800" dirty="0" smtClean="0"/>
-              <a:t>RSASHA256(</a:t>
-            </a:r>
-          </a:p>
-          <a:p>
-            <a:pPr eaLnBrk="0" fontAlgn="base" hangingPunct="0">
-              <a:spcBef>
-                <a:spcPct val="0"/>
-              </a:spcBef>
-              <a:spcAft>
-                <a:spcPct val="0"/>
-              </a:spcAft>
-            </a:pPr>
-            <a:r>
-              <a:rPr lang="en-US" sz="800" dirty="0" smtClean="0"/>
-              <a:t>base64UrlEncode(</a:t>
-            </a:r>
-            <a:r>
-              <a:rPr lang="en-US" sz="800" b="1" dirty="0" smtClean="0"/>
-              <a:t>Header</a:t>
-            </a:r>
-            <a:r>
-              <a:rPr lang="en-US" sz="800" dirty="0"/>
-              <a:t>) + "." </a:t>
-            </a:r>
-            <a:r>
-              <a:rPr lang="en-US" sz="800" dirty="0" smtClean="0"/>
-              <a:t>+ base64UrlEncode(</a:t>
-            </a:r>
-            <a:r>
-              <a:rPr lang="en-US" sz="800" b="1" dirty="0" smtClean="0"/>
-              <a:t>Payload</a:t>
-            </a:r>
-            <a:r>
-              <a:rPr lang="en-US" sz="800" dirty="0"/>
-              <a:t>), </a:t>
-            </a:r>
-            <a:endParaRPr lang="en-US" sz="800" dirty="0" smtClean="0"/>
-          </a:p>
-          <a:p>
-            <a:pPr eaLnBrk="0" fontAlgn="base" hangingPunct="0">
-              <a:spcBef>
-                <a:spcPct val="0"/>
-              </a:spcBef>
-              <a:spcAft>
-                <a:spcPct val="0"/>
-              </a:spcAft>
-            </a:pPr>
-            <a:r>
-              <a:rPr lang="en-US" sz="800" dirty="0" smtClean="0"/>
-              <a:t>RSA Public Key , RSA Private Key)</a:t>
-            </a:r>
-            <a:endParaRPr kumimoji="0" lang="en-US" sz="800" i="0" u="none" strike="noStrike" cap="none" normalizeH="0" baseline="0" dirty="0" smtClean="0">
-              <a:ln>
-                <a:noFill/>
-              </a:ln>
-              <a:solidFill>
-                <a:schemeClr val="bg1"/>
-              </a:solidFill>
-              <a:effectLst/>
-              <a:ea typeface="MS PGothic" pitchFamily="34" charset="-128"/>
-            </a:endParaRPr>
-          </a:p>
-        </p:txBody>
-      </p:sp>
-      <p:sp>
-        <p:nvSpPr>
-          <p:cNvPr id="18" name="TextBox 17"/>
-          <p:cNvSpPr txBox="1"/>
-          <p:nvPr/>
-        </p:nvSpPr>
-        <p:spPr>
-          <a:xfrm>
-            <a:off x="7284720" y="3978788"/>
-            <a:ext cx="351378" cy="215444"/>
-          </a:xfrm>
-          <a:prstGeom prst="rect">
-            <a:avLst/>
-          </a:prstGeom>
-          <a:noFill/>
-        </p:spPr>
-        <p:txBody>
-          <a:bodyPr wrap="none" rtlCol="0">
-            <a:spAutoFit/>
-          </a:bodyPr>
-          <a:lstStyle/>
-          <a:p>
-            <a:r>
-              <a:rPr lang="en-US" sz="800" b="1" dirty="0" smtClean="0">
-                <a:solidFill>
-                  <a:schemeClr val="bg1"/>
-                </a:solidFill>
-              </a:rPr>
-              <a:t>OR</a:t>
-            </a:r>
-            <a:endParaRPr lang="en-US" sz="800" b="1" dirty="0">
-              <a:solidFill>
-                <a:schemeClr val="bg1"/>
-              </a:solidFill>
-            </a:endParaRPr>
-          </a:p>
-        </p:txBody>
-      </p:sp>
-      <p:sp>
-        <p:nvSpPr>
-          <p:cNvPr id="19" name="TextBox 18"/>
-          <p:cNvSpPr txBox="1"/>
-          <p:nvPr/>
-        </p:nvSpPr>
-        <p:spPr>
-          <a:xfrm>
-            <a:off x="5882640" y="3492781"/>
-            <a:ext cx="309700" cy="646331"/>
-          </a:xfrm>
-          <a:prstGeom prst="rect">
-            <a:avLst/>
-          </a:prstGeom>
-          <a:noFill/>
-        </p:spPr>
-        <p:txBody>
-          <a:bodyPr wrap="none" rtlCol="0">
-            <a:spAutoFit/>
-          </a:bodyPr>
-          <a:lstStyle/>
-          <a:p>
-            <a:r>
-              <a:rPr lang="en-US" sz="3600" dirty="0">
-                <a:latin typeface="Georgia" panose="02040502050405020303" pitchFamily="18" charset="0"/>
-              </a:rPr>
-              <a:t>.</a:t>
-            </a:r>
-          </a:p>
-        </p:txBody>
-      </p:sp>
-      <p:sp>
-        <p:nvSpPr>
-          <p:cNvPr id="20" name="TextBox 19"/>
-          <p:cNvSpPr txBox="1"/>
-          <p:nvPr/>
-        </p:nvSpPr>
-        <p:spPr>
-          <a:xfrm>
-            <a:off x="2567940" y="3492781"/>
-            <a:ext cx="309700" cy="646331"/>
-          </a:xfrm>
-          <a:prstGeom prst="rect">
-            <a:avLst/>
-          </a:prstGeom>
-          <a:noFill/>
-        </p:spPr>
-        <p:txBody>
-          <a:bodyPr wrap="none" rtlCol="0">
-            <a:spAutoFit/>
-          </a:bodyPr>
-          <a:lstStyle/>
-          <a:p>
-            <a:r>
-              <a:rPr lang="en-US" sz="3600" dirty="0" smtClean="0">
-                <a:latin typeface="Georgia" panose="02040502050405020303" pitchFamily="18" charset="0"/>
-              </a:rPr>
-              <a:t>.</a:t>
-            </a:r>
-            <a:endParaRPr lang="en-US" dirty="0">
-              <a:latin typeface="Georgia" panose="02040502050405020303" pitchFamily="18" charset="0"/>
-            </a:endParaRPr>
-          </a:p>
-        </p:txBody>
-      </p:sp>
-      <p:sp>
-        <p:nvSpPr>
-          <p:cNvPr id="21" name="TextBox 20"/>
-          <p:cNvSpPr txBox="1"/>
-          <p:nvPr/>
-        </p:nvSpPr>
-        <p:spPr>
-          <a:xfrm>
-            <a:off x="430530" y="5212080"/>
-            <a:ext cx="8614410" cy="507831"/>
-          </a:xfrm>
-          <a:prstGeom prst="rect">
-            <a:avLst/>
-          </a:prstGeom>
-          <a:noFill/>
-        </p:spPr>
-        <p:txBody>
-          <a:bodyPr wrap="square" rtlCol="0">
-            <a:spAutoFit/>
-          </a:bodyPr>
-          <a:lstStyle/>
-          <a:p>
-            <a:r>
-              <a:rPr lang="en-US" sz="900" b="1" dirty="0" smtClean="0">
-                <a:solidFill>
-                  <a:srgbClr val="002060"/>
-                </a:solidFill>
-                <a:latin typeface="Georgia" panose="02040502050405020303" pitchFamily="18" charset="0"/>
-              </a:rPr>
-              <a:t>Example : </a:t>
-            </a:r>
-            <a:r>
-              <a:rPr lang="en-US" sz="900" dirty="0" smtClean="0">
-                <a:solidFill>
-                  <a:srgbClr val="00B0F0"/>
-                </a:solidFill>
-                <a:latin typeface="Georgia" panose="02040502050405020303" pitchFamily="18" charset="0"/>
-                <a:ea typeface="Verdana" panose="020B0604030504040204" pitchFamily="34" charset="0"/>
-                <a:cs typeface="Verdana" panose="020B0604030504040204" pitchFamily="34" charset="0"/>
-              </a:rPr>
-              <a:t>eyJhbGciOiJIUzI1NiIsInR5cCI6IkpXVCJ9</a:t>
-            </a:r>
-            <a:r>
-              <a:rPr lang="en-US" sz="900" dirty="0" smtClean="0">
-                <a:solidFill>
-                  <a:srgbClr val="C00000"/>
-                </a:solidFill>
-                <a:latin typeface="Georgia" panose="02040502050405020303" pitchFamily="18" charset="0"/>
-                <a:ea typeface="Verdana" panose="020B0604030504040204" pitchFamily="34" charset="0"/>
-                <a:cs typeface="Verdana" panose="020B0604030504040204" pitchFamily="34" charset="0"/>
-              </a:rPr>
-              <a:t>.</a:t>
-            </a:r>
-            <a:r>
-              <a:rPr lang="en-US" sz="900" dirty="0" smtClean="0">
-                <a:solidFill>
-                  <a:srgbClr val="00B050"/>
-                </a:solidFill>
-                <a:latin typeface="Georgia" panose="02040502050405020303" pitchFamily="18" charset="0"/>
-                <a:ea typeface="Verdana" panose="020B0604030504040204" pitchFamily="34" charset="0"/>
-                <a:cs typeface="Verdana" panose="020B0604030504040204" pitchFamily="34" charset="0"/>
-              </a:rPr>
-              <a:t>eyJzdWIiOiIxMjM0NTY3ODkwIiwibmFtZSI6IkpvaG4gRG9lIiwiYWRtaW4iOnRydWV9</a:t>
-            </a:r>
-            <a:r>
-              <a:rPr lang="en-US" sz="900" dirty="0" smtClean="0">
-                <a:solidFill>
-                  <a:srgbClr val="C00000"/>
-                </a:solidFill>
-                <a:latin typeface="Georgia" panose="02040502050405020303" pitchFamily="18" charset="0"/>
-                <a:ea typeface="Verdana" panose="020B0604030504040204" pitchFamily="34" charset="0"/>
-                <a:cs typeface="Verdana" panose="020B0604030504040204" pitchFamily="34" charset="0"/>
-              </a:rPr>
-              <a:t>.</a:t>
-            </a:r>
-            <a:r>
-              <a:rPr lang="en-US" sz="900" dirty="0" smtClean="0">
-                <a:solidFill>
-                  <a:srgbClr val="0070C0"/>
-                </a:solidFill>
-                <a:latin typeface="Georgia" panose="02040502050405020303" pitchFamily="18" charset="0"/>
-                <a:ea typeface="Verdana" panose="020B0604030504040204" pitchFamily="34" charset="0"/>
-                <a:cs typeface="Verdana" panose="020B0604030504040204" pitchFamily="34" charset="0"/>
-              </a:rPr>
-              <a:t>TJVA95OrM7E2cBab30RMHrHDcEfxjoYZgeFONFh7HgQ </a:t>
-            </a:r>
-            <a:endParaRPr lang="en-US" sz="900" dirty="0">
-              <a:solidFill>
-                <a:srgbClr val="0070C0"/>
-              </a:solidFill>
-              <a:latin typeface="Georgia" panose="02040502050405020303" pitchFamily="18" charset="0"/>
-              <a:ea typeface="Verdana" panose="020B0604030504040204" pitchFamily="34" charset="0"/>
-              <a:cs typeface="Verdana" panose="020B0604030504040204" pitchFamily="34" charset="0"/>
-            </a:endParaRPr>
-          </a:p>
-        </p:txBody>
-      </p:sp>
-      <p:sp>
-        <p:nvSpPr>
-          <p:cNvPr id="23" name="Rounded Rectangle 22"/>
-          <p:cNvSpPr/>
-          <p:nvPr/>
-        </p:nvSpPr>
-        <p:spPr bwMode="auto">
-          <a:xfrm>
-            <a:off x="556260" y="5735299"/>
-            <a:ext cx="2499360" cy="831461"/>
-          </a:xfrm>
-          <a:prstGeom prst="roundRect">
-            <a:avLst>
-              <a:gd name="adj" fmla="val 6586"/>
-            </a:avLst>
-          </a:prstGeom>
-          <a:solidFill>
-            <a:schemeClr val="bg1"/>
-          </a:solidFill>
-          <a:ln w="9525" cap="flat" cmpd="sng" algn="ctr">
-            <a:solidFill>
-              <a:schemeClr val="bg1"/>
-            </a:solidFill>
-            <a:prstDash val="sysDash"/>
-            <a:round/>
-            <a:headEnd type="none" w="med" len="med"/>
-            <a:tailEnd type="none" w="med" len="med"/>
-          </a:ln>
-          <a:effectLst/>
-        </p:spPr>
-        <p:txBody>
-          <a:bodyPr vert="horz" wrap="square" lIns="91440" tIns="45720" rIns="91440" bIns="45720" numCol="1" rtlCol="0" anchor="t" anchorCtr="0" compatLnSpc="1">
-            <a:prstTxWarp prst="textNoShape">
-              <a:avLst/>
-            </a:prstTxWarp>
-          </a:bodyPr>
-          <a:lstStyle/>
-          <a:p>
-            <a:pPr eaLnBrk="0" fontAlgn="base" hangingPunct="0">
-              <a:spcBef>
-                <a:spcPct val="0"/>
-              </a:spcBef>
-              <a:spcAft>
-                <a:spcPct val="0"/>
-              </a:spcAft>
-            </a:pPr>
-            <a:r>
-              <a:rPr lang="en-US" sz="900" b="1" dirty="0" smtClean="0">
-                <a:solidFill>
-                  <a:srgbClr val="002060"/>
-                </a:solidFill>
-                <a:latin typeface="Georgia" panose="02040502050405020303" pitchFamily="18" charset="0"/>
-                <a:ea typeface="MS PGothic" pitchFamily="34" charset="-128"/>
-              </a:rPr>
-              <a:t>Header : Algorithm &amp; Token Type</a:t>
-            </a:r>
-          </a:p>
-          <a:p>
-            <a:pPr eaLnBrk="0" fontAlgn="base" hangingPunct="0">
-              <a:spcBef>
-                <a:spcPct val="0"/>
-              </a:spcBef>
-              <a:spcAft>
-                <a:spcPct val="0"/>
-              </a:spcAft>
-            </a:pPr>
-            <a:r>
-              <a:rPr lang="en-US" sz="900" dirty="0" smtClean="0">
-                <a:solidFill>
-                  <a:srgbClr val="00B0F0"/>
-                </a:solidFill>
-                <a:ea typeface="MS PGothic" pitchFamily="34" charset="-128"/>
-              </a:rPr>
-              <a:t>{</a:t>
-            </a:r>
-            <a:endParaRPr lang="en-US" sz="900" dirty="0">
-              <a:solidFill>
-                <a:srgbClr val="00B0F0"/>
-              </a:solidFill>
-              <a:ea typeface="MS PGothic" pitchFamily="34" charset="-128"/>
-            </a:endParaRPr>
-          </a:p>
-          <a:p>
-            <a:pPr eaLnBrk="0" fontAlgn="base" hangingPunct="0">
-              <a:spcBef>
-                <a:spcPct val="0"/>
-              </a:spcBef>
-              <a:spcAft>
-                <a:spcPct val="0"/>
-              </a:spcAft>
-            </a:pPr>
-            <a:r>
-              <a:rPr lang="en-US" sz="900" dirty="0">
-                <a:solidFill>
-                  <a:srgbClr val="00B0F0"/>
-                </a:solidFill>
-                <a:ea typeface="MS PGothic" pitchFamily="34" charset="-128"/>
-              </a:rPr>
-              <a:t>  "</a:t>
-            </a:r>
-            <a:r>
-              <a:rPr lang="en-US" sz="900" dirty="0" err="1">
-                <a:solidFill>
-                  <a:srgbClr val="00B0F0"/>
-                </a:solidFill>
-                <a:ea typeface="MS PGothic" pitchFamily="34" charset="-128"/>
-              </a:rPr>
-              <a:t>alg</a:t>
-            </a:r>
-            <a:r>
-              <a:rPr lang="en-US" sz="900" dirty="0">
-                <a:solidFill>
-                  <a:srgbClr val="00B0F0"/>
-                </a:solidFill>
-                <a:ea typeface="MS PGothic" pitchFamily="34" charset="-128"/>
-              </a:rPr>
-              <a:t>": "HS256",</a:t>
-            </a:r>
-          </a:p>
-          <a:p>
-            <a:pPr eaLnBrk="0" fontAlgn="base" hangingPunct="0">
-              <a:spcBef>
-                <a:spcPct val="0"/>
-              </a:spcBef>
-              <a:spcAft>
-                <a:spcPct val="0"/>
-              </a:spcAft>
-            </a:pPr>
-            <a:r>
-              <a:rPr lang="en-US" sz="900" dirty="0">
-                <a:solidFill>
-                  <a:srgbClr val="00B0F0"/>
-                </a:solidFill>
-                <a:ea typeface="MS PGothic" pitchFamily="34" charset="-128"/>
-              </a:rPr>
-              <a:t>  "</a:t>
-            </a:r>
-            <a:r>
-              <a:rPr lang="en-US" sz="900" dirty="0" err="1">
-                <a:solidFill>
-                  <a:srgbClr val="00B0F0"/>
-                </a:solidFill>
-                <a:ea typeface="MS PGothic" pitchFamily="34" charset="-128"/>
-              </a:rPr>
-              <a:t>typ</a:t>
-            </a:r>
-            <a:r>
-              <a:rPr lang="en-US" sz="900" dirty="0">
-                <a:solidFill>
-                  <a:srgbClr val="00B0F0"/>
-                </a:solidFill>
-                <a:ea typeface="MS PGothic" pitchFamily="34" charset="-128"/>
-              </a:rPr>
-              <a:t>": "JWT"</a:t>
-            </a:r>
-          </a:p>
-          <a:p>
-            <a:pPr eaLnBrk="0" fontAlgn="base" hangingPunct="0">
-              <a:spcBef>
-                <a:spcPct val="0"/>
-              </a:spcBef>
-              <a:spcAft>
-                <a:spcPct val="0"/>
-              </a:spcAft>
-            </a:pPr>
-            <a:r>
-              <a:rPr lang="en-US" sz="900" dirty="0">
-                <a:solidFill>
-                  <a:srgbClr val="00B0F0"/>
-                </a:solidFill>
-                <a:ea typeface="MS PGothic" pitchFamily="34" charset="-128"/>
-              </a:rPr>
-              <a:t>}</a:t>
-            </a:r>
-            <a:endParaRPr kumimoji="0" lang="en-US" sz="900" b="0" i="0" u="none" strike="noStrike" cap="none" normalizeH="0" baseline="0" dirty="0" smtClean="0">
-              <a:ln>
-                <a:noFill/>
-              </a:ln>
-              <a:solidFill>
-                <a:srgbClr val="00B0F0"/>
-              </a:solidFill>
-              <a:effectLst/>
-              <a:ea typeface="MS PGothic" pitchFamily="34" charset="-128"/>
-            </a:endParaRPr>
-          </a:p>
-        </p:txBody>
-      </p:sp>
-      <p:sp>
-        <p:nvSpPr>
-          <p:cNvPr id="25" name="Rounded Rectangle 24"/>
-          <p:cNvSpPr/>
-          <p:nvPr/>
-        </p:nvSpPr>
-        <p:spPr bwMode="auto">
-          <a:xfrm>
-            <a:off x="3413760" y="5735298"/>
-            <a:ext cx="1968410" cy="831461"/>
-          </a:xfrm>
-          <a:prstGeom prst="roundRect">
-            <a:avLst>
-              <a:gd name="adj" fmla="val 6586"/>
-            </a:avLst>
-          </a:prstGeom>
-          <a:solidFill>
-            <a:schemeClr val="bg1"/>
-          </a:solidFill>
-          <a:ln w="9525" cap="flat" cmpd="sng" algn="ctr">
-            <a:solidFill>
-              <a:schemeClr val="bg1"/>
-            </a:solidFill>
-            <a:prstDash val="sysDash"/>
-            <a:round/>
-            <a:headEnd type="none" w="med" len="med"/>
-            <a:tailEnd type="none" w="med" len="med"/>
-          </a:ln>
-          <a:effectLst/>
-        </p:spPr>
-        <p:txBody>
-          <a:bodyPr vert="horz" wrap="square" lIns="91440" tIns="45720" rIns="91440" bIns="45720" numCol="1" rtlCol="0" anchor="t" anchorCtr="0" compatLnSpc="1">
-            <a:prstTxWarp prst="textNoShape">
-              <a:avLst/>
-            </a:prstTxWarp>
-          </a:bodyPr>
-          <a:lstStyle/>
-          <a:p>
-            <a:pPr eaLnBrk="0" fontAlgn="base" hangingPunct="0">
-              <a:spcBef>
-                <a:spcPct val="0"/>
-              </a:spcBef>
-              <a:spcAft>
-                <a:spcPct val="0"/>
-              </a:spcAft>
-            </a:pPr>
-            <a:r>
-              <a:rPr lang="en-US" sz="900" b="1" dirty="0" smtClean="0">
-                <a:solidFill>
-                  <a:srgbClr val="002060"/>
-                </a:solidFill>
-                <a:latin typeface="+mj-lt"/>
-                <a:ea typeface="MS PGothic" pitchFamily="34" charset="-128"/>
-              </a:rPr>
-              <a:t>Payload : Claims</a:t>
-            </a:r>
-          </a:p>
-          <a:p>
-            <a:pPr eaLnBrk="0" fontAlgn="base" hangingPunct="0">
-              <a:spcBef>
-                <a:spcPct val="0"/>
-              </a:spcBef>
-              <a:spcAft>
-                <a:spcPct val="0"/>
-              </a:spcAft>
-            </a:pPr>
-            <a:r>
-              <a:rPr lang="en-US" sz="900" dirty="0">
-                <a:solidFill>
-                  <a:srgbClr val="00B050"/>
-                </a:solidFill>
-                <a:ea typeface="MS PGothic" pitchFamily="34" charset="-128"/>
-              </a:rPr>
-              <a:t>{</a:t>
-            </a:r>
-          </a:p>
-          <a:p>
-            <a:pPr eaLnBrk="0" fontAlgn="base" hangingPunct="0">
-              <a:spcBef>
-                <a:spcPct val="0"/>
-              </a:spcBef>
-              <a:spcAft>
-                <a:spcPct val="0"/>
-              </a:spcAft>
-            </a:pPr>
-            <a:r>
-              <a:rPr lang="en-US" sz="900" dirty="0">
-                <a:solidFill>
-                  <a:srgbClr val="00B050"/>
-                </a:solidFill>
-                <a:ea typeface="MS PGothic" pitchFamily="34" charset="-128"/>
-              </a:rPr>
-              <a:t>  "sub": "1234567890",</a:t>
-            </a:r>
-          </a:p>
-          <a:p>
-            <a:pPr eaLnBrk="0" fontAlgn="base" hangingPunct="0">
-              <a:spcBef>
-                <a:spcPct val="0"/>
-              </a:spcBef>
-              <a:spcAft>
-                <a:spcPct val="0"/>
-              </a:spcAft>
-            </a:pPr>
-            <a:r>
-              <a:rPr lang="en-US" sz="900" dirty="0">
-                <a:solidFill>
-                  <a:srgbClr val="00B050"/>
-                </a:solidFill>
-                <a:ea typeface="MS PGothic" pitchFamily="34" charset="-128"/>
-              </a:rPr>
-              <a:t>  "name": "John Doe",</a:t>
-            </a:r>
-          </a:p>
-          <a:p>
-            <a:pPr eaLnBrk="0" fontAlgn="base" hangingPunct="0">
-              <a:spcBef>
-                <a:spcPct val="0"/>
-              </a:spcBef>
-              <a:spcAft>
-                <a:spcPct val="0"/>
-              </a:spcAft>
-            </a:pPr>
-            <a:r>
-              <a:rPr lang="en-US" sz="900" dirty="0">
-                <a:solidFill>
-                  <a:srgbClr val="00B050"/>
-                </a:solidFill>
-                <a:ea typeface="MS PGothic" pitchFamily="34" charset="-128"/>
-              </a:rPr>
-              <a:t>  "admin": true</a:t>
-            </a:r>
-          </a:p>
-          <a:p>
-            <a:pPr eaLnBrk="0" fontAlgn="base" hangingPunct="0">
-              <a:spcBef>
-                <a:spcPct val="0"/>
-              </a:spcBef>
-              <a:spcAft>
-                <a:spcPct val="0"/>
-              </a:spcAft>
-            </a:pPr>
-            <a:r>
-              <a:rPr lang="en-US" sz="900" dirty="0">
-                <a:solidFill>
-                  <a:srgbClr val="00B050"/>
-                </a:solidFill>
-                <a:ea typeface="MS PGothic" pitchFamily="34" charset="-128"/>
-              </a:rPr>
-              <a:t>}</a:t>
-            </a:r>
-            <a:endParaRPr kumimoji="0" lang="en-US" sz="900" b="0" i="0" u="none" strike="noStrike" cap="none" normalizeH="0" baseline="0" dirty="0" smtClean="0">
-              <a:ln>
-                <a:noFill/>
-              </a:ln>
-              <a:solidFill>
-                <a:srgbClr val="00B050"/>
-              </a:solidFill>
-              <a:effectLst/>
-              <a:ea typeface="MS PGothic" pitchFamily="34" charset="-128"/>
-            </a:endParaRPr>
-          </a:p>
-        </p:txBody>
-      </p:sp>
-      <p:sp>
-        <p:nvSpPr>
-          <p:cNvPr id="26" name="Rounded Rectangle 25"/>
-          <p:cNvSpPr/>
-          <p:nvPr/>
-        </p:nvSpPr>
-        <p:spPr bwMode="auto">
-          <a:xfrm>
-            <a:off x="5753101" y="5735297"/>
-            <a:ext cx="2415540" cy="831461"/>
-          </a:xfrm>
-          <a:prstGeom prst="roundRect">
-            <a:avLst>
-              <a:gd name="adj" fmla="val 6586"/>
-            </a:avLst>
-          </a:prstGeom>
-          <a:solidFill>
-            <a:schemeClr val="bg1"/>
-          </a:solidFill>
-          <a:ln w="9525" cap="flat" cmpd="sng" algn="ctr">
-            <a:solidFill>
-              <a:schemeClr val="bg1"/>
-            </a:solidFill>
-            <a:prstDash val="sysDash"/>
-            <a:round/>
-            <a:headEnd type="none" w="med" len="med"/>
-            <a:tailEnd type="none" w="med" len="med"/>
-          </a:ln>
-          <a:effectLst/>
-        </p:spPr>
-        <p:txBody>
-          <a:bodyPr vert="horz" wrap="square" lIns="91440" tIns="45720" rIns="91440" bIns="45720" numCol="1" rtlCol="0" anchor="t" anchorCtr="0" compatLnSpc="1">
-            <a:prstTxWarp prst="textNoShape">
-              <a:avLst/>
-            </a:prstTxWarp>
-          </a:bodyPr>
-          <a:lstStyle/>
-          <a:p>
-            <a:pPr eaLnBrk="0" fontAlgn="base" hangingPunct="0">
-              <a:spcBef>
-                <a:spcPct val="0"/>
-              </a:spcBef>
-              <a:spcAft>
-                <a:spcPct val="0"/>
-              </a:spcAft>
-            </a:pPr>
-            <a:r>
-              <a:rPr lang="en-US" sz="900" b="1" dirty="0" smtClean="0">
-                <a:solidFill>
-                  <a:srgbClr val="002060"/>
-                </a:solidFill>
-                <a:latin typeface="+mj-lt"/>
-                <a:ea typeface="MS PGothic" pitchFamily="34" charset="-128"/>
-              </a:rPr>
-              <a:t>Signature</a:t>
-            </a:r>
-          </a:p>
-          <a:p>
-            <a:pPr eaLnBrk="0" fontAlgn="base" hangingPunct="0">
-              <a:spcBef>
-                <a:spcPct val="0"/>
-              </a:spcBef>
-              <a:spcAft>
-                <a:spcPct val="0"/>
-              </a:spcAft>
-            </a:pPr>
-            <a:endParaRPr lang="en-US" sz="900" dirty="0" smtClean="0">
-              <a:solidFill>
-                <a:srgbClr val="002060"/>
-              </a:solidFill>
-              <a:latin typeface="+mj-lt"/>
-              <a:ea typeface="MS PGothic" pitchFamily="34" charset="-128"/>
-            </a:endParaRPr>
-          </a:p>
-          <a:p>
-            <a:pPr eaLnBrk="0" fontAlgn="base" hangingPunct="0">
-              <a:spcBef>
-                <a:spcPct val="0"/>
-              </a:spcBef>
-              <a:spcAft>
-                <a:spcPct val="0"/>
-              </a:spcAft>
-            </a:pPr>
-            <a:r>
-              <a:rPr lang="en-US" sz="900" dirty="0">
-                <a:solidFill>
-                  <a:srgbClr val="0070C0"/>
-                </a:solidFill>
-              </a:rPr>
-              <a:t>HMACSHA256( </a:t>
-            </a:r>
-            <a:endParaRPr lang="en-US" sz="900" dirty="0" smtClean="0">
-              <a:solidFill>
-                <a:srgbClr val="0070C0"/>
-              </a:solidFill>
-            </a:endParaRPr>
-          </a:p>
-          <a:p>
-            <a:pPr eaLnBrk="0" fontAlgn="base" hangingPunct="0">
-              <a:spcBef>
-                <a:spcPct val="0"/>
-              </a:spcBef>
-              <a:spcAft>
-                <a:spcPct val="0"/>
-              </a:spcAft>
-            </a:pPr>
-            <a:r>
-              <a:rPr lang="en-US" sz="900" dirty="0" smtClean="0">
-                <a:solidFill>
-                  <a:srgbClr val="0070C0"/>
-                </a:solidFill>
-              </a:rPr>
-              <a:t>base64UrlEncode(header</a:t>
-            </a:r>
-            <a:r>
-              <a:rPr lang="en-US" sz="900" dirty="0">
-                <a:solidFill>
-                  <a:srgbClr val="0070C0"/>
-                </a:solidFill>
-              </a:rPr>
-              <a:t>) + "." + base64UrlEncode(payload), </a:t>
-            </a:r>
-            <a:r>
-              <a:rPr lang="en-US" sz="900" dirty="0" smtClean="0">
-                <a:solidFill>
-                  <a:srgbClr val="0070C0"/>
-                </a:solidFill>
-              </a:rPr>
-              <a:t>secret)</a:t>
-            </a:r>
-            <a:endParaRPr kumimoji="0" lang="en-US" sz="900" b="0" i="0" u="none" strike="noStrike" cap="none" normalizeH="0" baseline="0" dirty="0" smtClean="0">
-              <a:ln>
-                <a:noFill/>
-              </a:ln>
-              <a:solidFill>
-                <a:srgbClr val="0070C0"/>
-              </a:solidFill>
-              <a:effectLst/>
-              <a:ea typeface="MS PGothic" pitchFamily="34" charset="-128"/>
-            </a:endParaRPr>
-          </a:p>
-        </p:txBody>
-      </p:sp>
-      <p:sp>
-        <p:nvSpPr>
-          <p:cNvPr id="30" name="TextBox 29"/>
-          <p:cNvSpPr txBox="1"/>
-          <p:nvPr/>
-        </p:nvSpPr>
-        <p:spPr>
-          <a:xfrm>
-            <a:off x="3081200" y="5692114"/>
-            <a:ext cx="309700" cy="646331"/>
-          </a:xfrm>
-          <a:prstGeom prst="rect">
-            <a:avLst/>
-          </a:prstGeom>
-          <a:noFill/>
-        </p:spPr>
-        <p:txBody>
-          <a:bodyPr wrap="none" rtlCol="0">
-            <a:spAutoFit/>
-          </a:bodyPr>
-          <a:lstStyle/>
-          <a:p>
-            <a:r>
-              <a:rPr lang="en-US" sz="3600" dirty="0" smtClean="0">
-                <a:solidFill>
-                  <a:srgbClr val="C00000"/>
-                </a:solidFill>
-                <a:latin typeface="Georgia" panose="02040502050405020303" pitchFamily="18" charset="0"/>
-              </a:rPr>
-              <a:t>.</a:t>
-            </a:r>
-            <a:endParaRPr lang="en-US" dirty="0">
-              <a:solidFill>
-                <a:srgbClr val="C00000"/>
-              </a:solidFill>
-              <a:latin typeface="Georgia" panose="02040502050405020303" pitchFamily="18" charset="0"/>
-            </a:endParaRPr>
-          </a:p>
-        </p:txBody>
-      </p:sp>
-      <p:sp>
-        <p:nvSpPr>
-          <p:cNvPr id="31" name="TextBox 30"/>
-          <p:cNvSpPr txBox="1"/>
-          <p:nvPr/>
-        </p:nvSpPr>
-        <p:spPr>
-          <a:xfrm>
-            <a:off x="5405030" y="5692114"/>
-            <a:ext cx="309700" cy="646331"/>
-          </a:xfrm>
-          <a:prstGeom prst="rect">
-            <a:avLst/>
-          </a:prstGeom>
-          <a:noFill/>
-        </p:spPr>
-        <p:txBody>
-          <a:bodyPr wrap="none" rtlCol="0">
-            <a:spAutoFit/>
-          </a:bodyPr>
-          <a:lstStyle/>
-          <a:p>
-            <a:r>
-              <a:rPr lang="en-US" sz="3600" dirty="0" smtClean="0">
-                <a:solidFill>
-                  <a:srgbClr val="C00000"/>
-                </a:solidFill>
-                <a:latin typeface="Georgia" panose="02040502050405020303" pitchFamily="18" charset="0"/>
-              </a:rPr>
-              <a:t>.</a:t>
-            </a:r>
-            <a:endParaRPr lang="en-US" dirty="0">
-              <a:solidFill>
-                <a:srgbClr val="C00000"/>
-              </a:solidFill>
-              <a:latin typeface="Georgia" panose="02040502050405020303" pitchFamily="18" charset="0"/>
-            </a:endParaRPr>
-          </a:p>
-        </p:txBody>
-      </p:sp>
-    </p:spTree>
-    <p:extLst>
-      <p:ext uri="{BB962C8B-B14F-4D97-AF65-F5344CB8AC3E}">
-        <p14:creationId xmlns:p14="http://schemas.microsoft.com/office/powerpoint/2010/main" val="3641214273"/>
-      </p:ext>
-    </p:extLst>
-  </p:cSld>
-  <p:clrMapOvr>
-    <a:masterClrMapping/>
-  </p:clrMapOvr>
-  <p:timing>
-    <p:tnLst>
-      <p:par>
-        <p:cTn id="1" dur="indefinite" restart="never" nodeType="tmRoot"/>
-      </p:par>
-    </p:tnLst>
-  </p:timing>
-</p:sld>
-</file>
-
-<file path=ppt/slides/slide11.xml><?xml version="1.0" encoding="utf-8"?>
-<p:sld xmlns:a="http://schemas.openxmlformats.org/drawingml/2006/main" xmlns:r="http://schemas.openxmlformats.org/officeDocument/2006/relationships" xmlns:p="http://schemas.openxmlformats.org/presentationml/2006/main">
-  <p:cSld>
-    <p:spTree>
-      <p:nvGrpSpPr>
-        <p:cNvPr id="1" name=""/>
-        <p:cNvGrpSpPr/>
-        <p:nvPr/>
-      </p:nvGrpSpPr>
-      <p:grpSpPr>
-        <a:xfrm>
-          <a:off x="0" y="0"/>
-          <a:ext cx="0" cy="0"/>
-          <a:chOff x="0" y="0"/>
-          <a:chExt cx="0" cy="0"/>
-        </a:xfrm>
-      </p:grpSpPr>
       <p:graphicFrame>
         <p:nvGraphicFramePr>
           <p:cNvPr id="7" name="Table 6"/>
@@ -12546,7 +10299,7 @@
           <p:nvPr>
             <p:extLst>
               <p:ext uri="{D42A27DB-BD31-4B8C-83A1-F6EECF244321}">
-                <p14:modId xmlns:p14="http://schemas.microsoft.com/office/powerpoint/2010/main" val="2203819607"/>
+                <p14:modId xmlns:p14="http://schemas.microsoft.com/office/powerpoint/2010/main" xmlns="" val="2203819607"/>
               </p:ext>
             </p:extLst>
           </p:nvPr>
@@ -13468,49 +11221,12 @@
             <a:fld id="{E0F1291B-B6DA-4F26-BB25-6CDACE341E2D}" type="slidenum">
               <a:rPr lang="en-US" smtClean="0"/>
               <a:pPr/>
-              <a:t>11</a:t>
+              <a:t>10</a:t>
             </a:fld>
             <a:endParaRPr lang="en-US" dirty="0"/>
           </a:p>
         </p:txBody>
       </p:sp>
-      <p:cxnSp>
-        <p:nvCxnSpPr>
-          <p:cNvPr id="5" name="Straight Connector 4"/>
-          <p:cNvCxnSpPr/>
-          <p:nvPr/>
-        </p:nvCxnSpPr>
-        <p:spPr bwMode="auto">
-          <a:xfrm>
-            <a:off x="0" y="734784"/>
-            <a:ext cx="9144000" cy="0"/>
-          </a:xfrm>
-          <a:prstGeom prst="line">
-            <a:avLst/>
-          </a:prstGeom>
-          <a:ln>
-            <a:solidFill>
-              <a:srgbClr val="002060"/>
-            </a:solidFill>
-            <a:headEnd type="none" w="med" len="med"/>
-            <a:tailEnd type="none" w="med" len="med"/>
-          </a:ln>
-        </p:spPr>
-        <p:style>
-          <a:lnRef idx="3">
-            <a:schemeClr val="accent6"/>
-          </a:lnRef>
-          <a:fillRef idx="0">
-            <a:schemeClr val="accent6"/>
-          </a:fillRef>
-          <a:effectRef idx="2">
-            <a:schemeClr val="accent6"/>
-          </a:effectRef>
-          <a:fontRef idx="minor">
-            <a:schemeClr val="tx1"/>
-          </a:fontRef>
-        </p:style>
-      </p:cxnSp>
       <p:sp>
         <p:nvSpPr>
           <p:cNvPr id="6" name="TextBox 5"/>
@@ -13552,7 +11268,7 @@
     </p:spTree>
     <p:extLst>
       <p:ext uri="{BB962C8B-B14F-4D97-AF65-F5344CB8AC3E}">
-        <p14:creationId xmlns:p14="http://schemas.microsoft.com/office/powerpoint/2010/main" val="2346054790"/>
+        <p14:creationId xmlns:p14="http://schemas.microsoft.com/office/powerpoint/2010/main" xmlns="" val="2346054790"/>
       </p:ext>
     </p:extLst>
   </p:cSld>
@@ -13569,7 +11285,7 @@
 </p:sld>
 </file>
 
-<file path=ppt/slides/slide12.xml><?xml version="1.0" encoding="utf-8"?>
+<file path=ppt/slides/slide11.xml><?xml version="1.0" encoding="utf-8"?>
 <p:sld xmlns:a="http://schemas.openxmlformats.org/drawingml/2006/main" xmlns:r="http://schemas.openxmlformats.org/officeDocument/2006/relationships" xmlns:p="http://schemas.openxmlformats.org/presentationml/2006/main">
   <p:cSld>
     <p:spTree>
@@ -13615,7 +11331,7 @@
                 </a:solidFill>
               </a:rPr>
               <a:pPr/>
-              <a:t>2/10/2018</a:t>
+              <a:t>2/12/2018</a:t>
             </a:fld>
             <a:endParaRPr lang="en-US" sz="1000" b="1" dirty="0">
               <a:solidFill>
@@ -13656,7 +11372,7 @@
                 </a:solidFill>
               </a:rPr>
               <a:pPr/>
-              <a:t>12</a:t>
+              <a:t>11</a:t>
             </a:fld>
             <a:endParaRPr lang="en-US" sz="1000" b="1" dirty="0">
               <a:solidFill>
@@ -13741,7 +11457,7 @@
     </p:spTree>
     <p:extLst>
       <p:ext uri="{BB962C8B-B14F-4D97-AF65-F5344CB8AC3E}">
-        <p14:creationId xmlns:p14="http://schemas.microsoft.com/office/powerpoint/2010/main" val="450669678"/>
+        <p14:creationId xmlns:p14="http://schemas.microsoft.com/office/powerpoint/2010/main" xmlns="" val="450669678"/>
       </p:ext>
     </p:extLst>
   </p:cSld>
@@ -13758,188 +11474,7 @@
 </p:sld>
 </file>
 
-<file path=ppt/slides/slide13.xml><?xml version="1.0" encoding="utf-8"?>
-<p:sld xmlns:a="http://schemas.openxmlformats.org/drawingml/2006/main" xmlns:r="http://schemas.openxmlformats.org/officeDocument/2006/relationships" xmlns:p="http://schemas.openxmlformats.org/presentationml/2006/main">
-  <p:cSld>
-    <p:spTree>
-      <p:nvGrpSpPr>
-        <p:cNvPr id="1" name=""/>
-        <p:cNvGrpSpPr/>
-        <p:nvPr/>
-      </p:nvGrpSpPr>
-      <p:grpSpPr>
-        <a:xfrm>
-          <a:off x="0" y="0"/>
-          <a:ext cx="0" cy="0"/>
-          <a:chOff x="0" y="0"/>
-          <a:chExt cx="0" cy="0"/>
-        </a:xfrm>
-      </p:grpSpPr>
-      <p:sp>
-        <p:nvSpPr>
-          <p:cNvPr id="4" name="Date Placeholder 3"/>
-          <p:cNvSpPr>
-            <a:spLocks noGrp="1"/>
-          </p:cNvSpPr>
-          <p:nvPr>
-            <p:ph type="dt" sz="half" idx="10"/>
-          </p:nvPr>
-        </p:nvSpPr>
-        <p:spPr/>
-        <p:txBody>
-          <a:bodyPr/>
-          <a:lstStyle/>
-          <a:p>
-            <a:fld id="{4E4CA4AC-7F92-45C2-BB75-3EBFF233EE59}" type="datetime1">
-              <a:rPr lang="en-US" smtClean="0">
-                <a:solidFill>
-                  <a:prstClr val="black">
-                    <a:tint val="75000"/>
-                  </a:prstClr>
-                </a:solidFill>
-              </a:rPr>
-              <a:pPr/>
-              <a:t>2/10/2018</a:t>
-            </a:fld>
-            <a:endParaRPr lang="en-US">
-              <a:solidFill>
-                <a:prstClr val="black">
-                  <a:tint val="75000"/>
-                </a:prstClr>
-              </a:solidFill>
-            </a:endParaRPr>
-          </a:p>
-        </p:txBody>
-      </p:sp>
-      <p:sp>
-        <p:nvSpPr>
-          <p:cNvPr id="5" name="Footer Placeholder 4"/>
-          <p:cNvSpPr>
-            <a:spLocks noGrp="1"/>
-          </p:cNvSpPr>
-          <p:nvPr>
-            <p:ph type="ftr" sz="quarter" idx="11"/>
-          </p:nvPr>
-        </p:nvSpPr>
-        <p:spPr/>
-        <p:txBody>
-          <a:bodyPr/>
-          <a:lstStyle/>
-          <a:p>
-            <a:endParaRPr lang="en-US">
-              <a:solidFill>
-                <a:prstClr val="black">
-                  <a:tint val="75000"/>
-                </a:prstClr>
-              </a:solidFill>
-            </a:endParaRPr>
-          </a:p>
-        </p:txBody>
-      </p:sp>
-      <p:sp>
-        <p:nvSpPr>
-          <p:cNvPr id="6" name="Slide Number Placeholder 5"/>
-          <p:cNvSpPr>
-            <a:spLocks noGrp="1"/>
-          </p:cNvSpPr>
-          <p:nvPr>
-            <p:ph type="sldNum" sz="quarter" idx="12"/>
-          </p:nvPr>
-        </p:nvSpPr>
-        <p:spPr/>
-        <p:txBody>
-          <a:bodyPr/>
-          <a:lstStyle/>
-          <a:p>
-            <a:fld id="{B6F15528-21DE-4FAA-801E-634DDDAF4B2B}" type="slidenum">
-              <a:rPr lang="en-US" smtClean="0">
-                <a:solidFill>
-                  <a:prstClr val="black">
-                    <a:tint val="75000"/>
-                  </a:prstClr>
-                </a:solidFill>
-              </a:rPr>
-              <a:pPr/>
-              <a:t>13</a:t>
-            </a:fld>
-            <a:endParaRPr lang="en-US">
-              <a:solidFill>
-                <a:prstClr val="black">
-                  <a:tint val="75000"/>
-                </a:prstClr>
-              </a:solidFill>
-            </a:endParaRPr>
-          </a:p>
-        </p:txBody>
-      </p:sp>
-      <p:pic>
-        <p:nvPicPr>
-          <p:cNvPr id="1028" name="Picture 4"/>
-          <p:cNvPicPr>
-            <a:picLocks noChangeAspect="1" noChangeArrowheads="1"/>
-          </p:cNvPicPr>
-          <p:nvPr/>
-        </p:nvPicPr>
-        <p:blipFill>
-          <a:blip r:embed="rId2">
-            <a:extLst>
-              <a:ext uri="{28A0092B-C50C-407E-A947-70E740481C1C}">
-                <a14:useLocalDpi xmlns:a14="http://schemas.microsoft.com/office/drawing/2010/main" val="0"/>
-              </a:ext>
-            </a:extLst>
-          </a:blip>
-          <a:srcRect/>
-          <a:stretch>
-            <a:fillRect/>
-          </a:stretch>
-        </p:blipFill>
-        <p:spPr bwMode="auto">
-          <a:xfrm>
-            <a:off x="80963" y="1110343"/>
-            <a:ext cx="8982075" cy="5685745"/>
-          </a:xfrm>
-          <a:prstGeom prst="rect">
-            <a:avLst/>
-          </a:prstGeom>
-          <a:noFill/>
-          <a:ln>
-            <a:noFill/>
-          </a:ln>
-          <a:extLst>
-            <a:ext uri="{909E8E84-426E-40DD-AFC4-6F175D3DCCD1}">
-              <a14:hiddenFill xmlns:a14="http://schemas.microsoft.com/office/drawing/2010/main">
-                <a:solidFill>
-                  <a:schemeClr val="accent1"/>
-                </a:solidFill>
-              </a14:hiddenFill>
-            </a:ext>
-            <a:ext uri="{91240B29-F687-4F45-9708-019B960494DF}">
-              <a14:hiddenLine xmlns:a14="http://schemas.microsoft.com/office/drawing/2010/main" w="9525">
-                <a:solidFill>
-                  <a:schemeClr val="tx1"/>
-                </a:solidFill>
-                <a:miter lim="800000"/>
-                <a:headEnd/>
-                <a:tailEnd/>
-              </a14:hiddenLine>
-            </a:ext>
-          </a:extLst>
-        </p:spPr>
-      </p:pic>
-    </p:spTree>
-    <p:extLst>
-      <p:ext uri="{BB962C8B-B14F-4D97-AF65-F5344CB8AC3E}">
-        <p14:creationId xmlns:p14="http://schemas.microsoft.com/office/powerpoint/2010/main" val="57019797"/>
-      </p:ext>
-    </p:extLst>
-  </p:cSld>
-  <p:clrMapOvr>
-    <a:masterClrMapping/>
-  </p:clrMapOvr>
-</p:sld>
-</file>
-
-<file path=ppt/slides/slide14.xml><?xml version="1.0" encoding="utf-8"?>
+<file path=ppt/slides/slide12.xml><?xml version="1.0" encoding="utf-8"?>
 <p:sld xmlns:a="http://schemas.openxmlformats.org/drawingml/2006/main" xmlns:r="http://schemas.openxmlformats.org/officeDocument/2006/relationships" xmlns:p="http://schemas.openxmlformats.org/presentationml/2006/main">
   <p:cSld>
     <p:spTree>
@@ -13965,7 +11500,7 @@
           <p:nvPr>
             <p:extLst>
               <p:ext uri="{D42A27DB-BD31-4B8C-83A1-F6EECF244321}">
-                <p14:modId xmlns:p14="http://schemas.microsoft.com/office/powerpoint/2010/main" val="205562896"/>
+                <p14:modId xmlns:p14="http://schemas.microsoft.com/office/powerpoint/2010/main" xmlns="" val="205562896"/>
               </p:ext>
             </p:extLst>
           </p:nvPr>
@@ -14081,8 +11616,46 @@
                     <a:bodyPr/>
                     <a:lstStyle/>
                     <a:p>
-                      <a:endParaRPr lang="en-US" sz="1100" dirty="0">
+                      <a:r>
+                        <a:rPr lang="en-US" sz="1100" kern="1200" dirty="0" smtClean="0">
+                          <a:solidFill>
+                            <a:schemeClr val="dk1"/>
+                          </a:solidFill>
+                          <a:latin typeface="Georgia" panose="02040502050405020303" pitchFamily="18" charset="0"/>
+                          <a:ea typeface="+mn-ea"/>
+                          <a:cs typeface="+mn-cs"/>
+                        </a:rPr>
+                        <a:t>Tutorial: Securing an API by using </a:t>
+                      </a:r>
+                      <a:r>
+                        <a:rPr lang="en-US" sz="1100" kern="1200" dirty="0" err="1" smtClean="0">
+                          <a:solidFill>
+                            <a:schemeClr val="dk1"/>
+                          </a:solidFill>
+                          <a:latin typeface="Georgia" panose="02040502050405020303" pitchFamily="18" charset="0"/>
+                          <a:ea typeface="+mn-ea"/>
+                          <a:cs typeface="+mn-cs"/>
+                        </a:rPr>
+                        <a:t>OAuth</a:t>
+                      </a:r>
+                      <a:r>
+                        <a:rPr lang="en-US" sz="1100" kern="1200" dirty="0" smtClean="0">
+                          <a:solidFill>
+                            <a:schemeClr val="dk1"/>
+                          </a:solidFill>
+                          <a:latin typeface="Georgia" panose="02040502050405020303" pitchFamily="18" charset="0"/>
+                          <a:ea typeface="+mn-ea"/>
+                          <a:cs typeface="+mn-cs"/>
+                        </a:rPr>
+                        <a:t> 2.0</a:t>
+                      </a:r>
+                      <a:endParaRPr lang="en-US" sz="1100" kern="1200" dirty="0">
+                        <a:solidFill>
+                          <a:schemeClr val="dk1"/>
+                        </a:solidFill>
                         <a:latin typeface="Georgia" panose="02040502050405020303" pitchFamily="18" charset="0"/>
+                        <a:ea typeface="+mn-ea"/>
+                        <a:cs typeface="+mn-cs"/>
                       </a:endParaRPr>
                     </a:p>
                   </a:txBody>
@@ -14134,15 +11707,23 @@
                     <a:p>
                       <a:pPr algn="ctr"/>
                       <a:r>
-                        <a:rPr lang="en-US" sz="1100" dirty="0" smtClean="0">
+                        <a:rPr lang="en-US" sz="1100" kern="1200" dirty="0" smtClean="0">
+                          <a:solidFill>
+                            <a:schemeClr val="dk1"/>
+                          </a:solidFill>
                           <a:latin typeface="Georgia" panose="02040502050405020303" pitchFamily="18" charset="0"/>
-                          <a:cs typeface="Arial" panose="020B0604020202020204" pitchFamily="34" charset="0"/>
+                          <a:ea typeface="+mn-ea"/>
+                          <a:cs typeface="+mn-cs"/>
                         </a:rPr>
                         <a:t>2</a:t>
                       </a:r>
-                      <a:endParaRPr lang="en-US" sz="1100" dirty="0">
+                      <a:endParaRPr lang="en-US" sz="1100" kern="1200" dirty="0">
+                        <a:solidFill>
+                          <a:schemeClr val="dk1"/>
+                        </a:solidFill>
                         <a:latin typeface="Georgia" panose="02040502050405020303" pitchFamily="18" charset="0"/>
-                        <a:cs typeface="Arial" panose="020B0604020202020204" pitchFamily="34" charset="0"/>
+                        <a:ea typeface="+mn-ea"/>
+                        <a:cs typeface="+mn-cs"/>
                       </a:endParaRPr>
                     </a:p>
                   </a:txBody>
@@ -14153,8 +11734,41 @@
                     <a:bodyPr/>
                     <a:lstStyle/>
                     <a:p>
-                      <a:endParaRPr lang="en-US" sz="1100" dirty="0">
+                      <a:pPr marL="0" marR="0" indent="0" algn="l" defTabSz="914400" rtl="0" eaLnBrk="1" fontAlgn="auto" latinLnBrk="0" hangingPunct="1">
+                        <a:lnSpc>
+                          <a:spcPct val="100000"/>
+                        </a:lnSpc>
+                        <a:spcBef>
+                          <a:spcPts val="0"/>
+                        </a:spcBef>
+                        <a:spcAft>
+                          <a:spcPts val="0"/>
+                        </a:spcAft>
+                        <a:buClrTx/>
+                        <a:buSzTx/>
+                        <a:buFontTx/>
+                        <a:buNone/>
+                        <a:tabLst/>
+                        <a:defRPr/>
+                      </a:pPr>
+                      <a:r>
+                        <a:rPr lang="en-US" sz="1100" kern="1200" dirty="0" smtClean="0">
+                          <a:solidFill>
+                            <a:schemeClr val="dk1"/>
+                          </a:solidFill>
+                          <a:latin typeface="Georgia" panose="02040502050405020303" pitchFamily="18" charset="0"/>
+                          <a:ea typeface="+mn-ea"/>
+                          <a:cs typeface="+mn-cs"/>
+                        </a:rPr>
+                        <a:t>Introduction to JSON Web Tokens</a:t>
+                      </a:r>
+                      <a:endParaRPr lang="en-US" sz="1100" kern="1200" dirty="0">
+                        <a:solidFill>
+                          <a:schemeClr val="dk1"/>
+                        </a:solidFill>
                         <a:latin typeface="Georgia" panose="02040502050405020303" pitchFamily="18" charset="0"/>
+                        <a:ea typeface="+mn-ea"/>
+                        <a:cs typeface="+mn-cs"/>
                       </a:endParaRPr>
                     </a:p>
                   </a:txBody>
@@ -14206,6 +11820,12 @@
                     <a:bodyPr/>
                     <a:lstStyle/>
                     <a:p>
+                      <a:r>
+                        <a:rPr lang="en-US" sz="1100" dirty="0" smtClean="0">
+                          <a:latin typeface="Georgia" panose="02040502050405020303" pitchFamily="18" charset="0"/>
+                        </a:rPr>
+                        <a:t>JSON Web Tokens</a:t>
+                      </a:r>
                       <a:endParaRPr lang="en-US" sz="1100" dirty="0">
                         <a:latin typeface="Georgia" panose="02040502050405020303" pitchFamily="18" charset="0"/>
                       </a:endParaRPr>
@@ -14259,6 +11879,24 @@
                     <a:bodyPr/>
                     <a:lstStyle/>
                     <a:p>
+                      <a:r>
+                        <a:rPr lang="en-US" sz="1100" dirty="0" smtClean="0">
+                          <a:latin typeface="Georgia" panose="02040502050405020303" pitchFamily="18" charset="0"/>
+                        </a:rPr>
+                        <a:t>An Introduction to </a:t>
+                      </a:r>
+                      <a:r>
+                        <a:rPr lang="en-US" sz="1100" dirty="0" err="1" smtClean="0">
+                          <a:latin typeface="Georgia" panose="02040502050405020303" pitchFamily="18" charset="0"/>
+                        </a:rPr>
+                        <a:t>OAuth</a:t>
+                      </a:r>
+                      <a:r>
+                        <a:rPr lang="en-US" sz="1100" baseline="0" dirty="0" smtClean="0">
+                          <a:latin typeface="Georgia" panose="02040502050405020303" pitchFamily="18" charset="0"/>
+                        </a:rPr>
+                        <a:t> 2</a:t>
+                      </a:r>
                       <a:endParaRPr lang="en-US" sz="1100" dirty="0">
                         <a:latin typeface="Georgia" panose="02040502050405020303" pitchFamily="18" charset="0"/>
                       </a:endParaRPr>
@@ -14766,53 +12404,16 @@
             <a:fld id="{E0F1291B-B6DA-4F26-BB25-6CDACE341E2D}" type="slidenum">
               <a:rPr lang="en-US" smtClean="0"/>
               <a:pPr/>
-              <a:t>14</a:t>
+              <a:t>12</a:t>
             </a:fld>
             <a:endParaRPr lang="en-US" dirty="0"/>
           </a:p>
         </p:txBody>
       </p:sp>
-      <p:cxnSp>
-        <p:nvCxnSpPr>
-          <p:cNvPr id="5" name="Straight Connector 4"/>
-          <p:cNvCxnSpPr/>
-          <p:nvPr/>
-        </p:nvCxnSpPr>
-        <p:spPr bwMode="auto">
-          <a:xfrm>
-            <a:off x="0" y="734784"/>
-            <a:ext cx="9144000" cy="0"/>
-          </a:xfrm>
-          <a:prstGeom prst="line">
-            <a:avLst/>
-          </a:prstGeom>
-          <a:ln>
-            <a:solidFill>
-              <a:srgbClr val="002060"/>
-            </a:solidFill>
-            <a:headEnd type="none" w="med" len="med"/>
-            <a:tailEnd type="none" w="med" len="med"/>
-          </a:ln>
-        </p:spPr>
-        <p:style>
-          <a:lnRef idx="3">
-            <a:schemeClr val="accent6"/>
-          </a:lnRef>
-          <a:fillRef idx="0">
-            <a:schemeClr val="accent6"/>
-          </a:fillRef>
-          <a:effectRef idx="2">
-            <a:schemeClr val="accent6"/>
-          </a:effectRef>
-          <a:fontRef idx="minor">
-            <a:schemeClr val="tx1"/>
-          </a:fontRef>
-        </p:style>
-      </p:cxnSp>
     </p:spTree>
     <p:extLst>
       <p:ext uri="{BB962C8B-B14F-4D97-AF65-F5344CB8AC3E}">
-        <p14:creationId xmlns:p14="http://schemas.microsoft.com/office/powerpoint/2010/main" val="1186192635"/>
+        <p14:creationId xmlns:p14="http://schemas.microsoft.com/office/powerpoint/2010/main" xmlns="" val="1186192635"/>
       </p:ext>
     </p:extLst>
   </p:cSld>
@@ -14923,43 +12524,6 @@
           </a:p>
         </p:txBody>
       </p:sp>
-      <p:cxnSp>
-        <p:nvCxnSpPr>
-          <p:cNvPr id="5" name="Straight Connector 4"/>
-          <p:cNvCxnSpPr/>
-          <p:nvPr/>
-        </p:nvCxnSpPr>
-        <p:spPr bwMode="auto">
-          <a:xfrm>
-            <a:off x="0" y="734784"/>
-            <a:ext cx="9144000" cy="0"/>
-          </a:xfrm>
-          <a:prstGeom prst="line">
-            <a:avLst/>
-          </a:prstGeom>
-          <a:ln>
-            <a:solidFill>
-              <a:srgbClr val="002060"/>
-            </a:solidFill>
-            <a:headEnd type="none" w="med" len="med"/>
-            <a:tailEnd type="none" w="med" len="med"/>
-          </a:ln>
-        </p:spPr>
-        <p:style>
-          <a:lnRef idx="3">
-            <a:schemeClr val="accent6"/>
-          </a:lnRef>
-          <a:fillRef idx="0">
-            <a:schemeClr val="accent6"/>
-          </a:fillRef>
-          <a:effectRef idx="2">
-            <a:schemeClr val="accent6"/>
-          </a:effectRef>
-          <a:fontRef idx="minor">
-            <a:schemeClr val="tx1"/>
-          </a:fontRef>
-        </p:style>
-      </p:cxnSp>
       <p:sp>
         <p:nvSpPr>
           <p:cNvPr id="6" name="Subtitle 3"/>
@@ -14982,14 +12546,14 @@
           </a:ln>
           <a:extLst>
             <a:ext uri="{909E8E84-426E-40DD-AFC4-6F175D3DCCD1}">
-              <a14:hiddenFill xmlns:a14="http://schemas.microsoft.com/office/drawing/2010/main">
+              <a14:hiddenFill xmlns:a14="http://schemas.microsoft.com/office/drawing/2010/main" xmlns="">
                 <a:solidFill>
                   <a:srgbClr val="FFFFFF"/>
                 </a:solidFill>
               </a14:hiddenFill>
             </a:ext>
             <a:ext uri="{91240B29-F687-4F45-9708-019B960494DF}">
-              <a14:hiddenLine xmlns:a14="http://schemas.microsoft.com/office/drawing/2010/main" w="9525">
+              <a14:hiddenLine xmlns:a14="http://schemas.microsoft.com/office/drawing/2010/main" xmlns="" w="9525">
                 <a:solidFill>
                   <a:srgbClr val="000000"/>
                 </a:solidFill>
@@ -14999,7 +12563,7 @@
               </a14:hiddenLine>
             </a:ext>
             <a:ext uri="{FAA26D3D-D897-4be2-8F04-BA451C77F1D7}">
-              <ma14:placeholderFlag xmlns:ma14="http://schemas.microsoft.com/office/mac/drawingml/2011/main" xmlns="" val="1"/>
+              <ma14:placeholderFlag xmlns="" xmlns:ma14="http://schemas.microsoft.com/office/mac/drawingml/2011/main" val="1"/>
             </a:ext>
           </a:extLst>
         </p:spPr>
@@ -15324,7 +12888,7 @@
     </p:spTree>
     <p:extLst>
       <p:ext uri="{BB962C8B-B14F-4D97-AF65-F5344CB8AC3E}">
-        <p14:creationId xmlns:p14="http://schemas.microsoft.com/office/powerpoint/2010/main" val="2685947995"/>
+        <p14:creationId xmlns:p14="http://schemas.microsoft.com/office/powerpoint/2010/main" xmlns="" val="2685947995"/>
       </p:ext>
     </p:extLst>
   </p:cSld>
@@ -15582,43 +13146,6 @@
           </a:p>
         </p:txBody>
       </p:sp>
-      <p:cxnSp>
-        <p:nvCxnSpPr>
-          <p:cNvPr id="5" name="Straight Connector 4"/>
-          <p:cNvCxnSpPr/>
-          <p:nvPr/>
-        </p:nvCxnSpPr>
-        <p:spPr bwMode="auto">
-          <a:xfrm>
-            <a:off x="0" y="734784"/>
-            <a:ext cx="9144000" cy="0"/>
-          </a:xfrm>
-          <a:prstGeom prst="line">
-            <a:avLst/>
-          </a:prstGeom>
-          <a:ln>
-            <a:solidFill>
-              <a:srgbClr val="002060"/>
-            </a:solidFill>
-            <a:headEnd type="none" w="med" len="med"/>
-            <a:tailEnd type="none" w="med" len="med"/>
-          </a:ln>
-        </p:spPr>
-        <p:style>
-          <a:lnRef idx="3">
-            <a:schemeClr val="accent6"/>
-          </a:lnRef>
-          <a:fillRef idx="0">
-            <a:schemeClr val="accent6"/>
-          </a:fillRef>
-          <a:effectRef idx="2">
-            <a:schemeClr val="accent6"/>
-          </a:effectRef>
-          <a:fontRef idx="minor">
-            <a:schemeClr val="tx1"/>
-          </a:fontRef>
-        </p:style>
-      </p:cxnSp>
       <p:sp>
         <p:nvSpPr>
           <p:cNvPr id="3" name="TextBox 2"/>
@@ -15627,8 +13154,8 @@
         </p:nvSpPr>
         <p:spPr>
           <a:xfrm>
-            <a:off x="205740" y="824865"/>
-            <a:ext cx="2566644" cy="276999"/>
+            <a:off x="205739" y="977271"/>
+            <a:ext cx="3612727" cy="692497"/>
           </a:xfrm>
           <a:prstGeom prst="rect">
             <a:avLst/>
@@ -15650,15 +13177,41 @@
                 <a:ea typeface="ＭＳ Ｐゴシック" charset="0"/>
                 <a:cs typeface="MS PGothic"/>
               </a:rPr>
-              <a:t>What is OAUTH ?</a:t>
-            </a:r>
-            <a:endParaRPr lang="en-US" sz="1100" dirty="0">
+              <a:t>What is OAUTH </a:t>
+            </a:r>
+            <a:r>
+              <a:rPr lang="en-US" sz="1200" b="1" dirty="0" smtClean="0">
+                <a:solidFill>
+                  <a:srgbClr val="002060"/>
+                </a:solidFill>
+                <a:latin typeface="+mj-lt"/>
+                <a:ea typeface="ＭＳ Ｐゴシック" charset="0"/>
+                <a:cs typeface="MS PGothic"/>
+              </a:rPr>
+              <a:t>?</a:t>
+            </a:r>
+          </a:p>
+          <a:p>
+            <a:r>
+              <a:rPr lang="en-US" sz="900" dirty="0" err="1" smtClean="0">
+                <a:solidFill>
+                  <a:srgbClr val="002060"/>
+                </a:solidFill>
+              </a:rPr>
+              <a:t>OAuth</a:t>
+            </a:r>
+            <a:r>
+              <a:rPr lang="en-US" sz="900" dirty="0" smtClean="0">
+                <a:solidFill>
+                  <a:srgbClr val="002060"/>
+                </a:solidFill>
+              </a:rPr>
+              <a:t> is an authorization framework that enables applications to obtain limited access to user accounts on an HTTP service</a:t>
+            </a:r>
+            <a:endParaRPr lang="en-US" sz="900" dirty="0">
               <a:solidFill>
                 <a:srgbClr val="002060"/>
               </a:solidFill>
-              <a:latin typeface="+mj-lt"/>
-              <a:ea typeface="ＭＳ Ｐゴシック" charset="0"/>
-              <a:cs typeface="MS PGothic"/>
             </a:endParaRPr>
           </a:p>
         </p:txBody>
@@ -15695,50 +13248,6 @@
                 <a:cs typeface="MS PGothic"/>
               </a:rPr>
               <a:t>Benefits ?</a:t>
-            </a:r>
-            <a:endParaRPr lang="en-US" sz="1100" dirty="0">
-              <a:solidFill>
-                <a:srgbClr val="002060"/>
-              </a:solidFill>
-              <a:latin typeface="+mj-lt"/>
-              <a:ea typeface="ＭＳ Ｐゴシック" charset="0"/>
-              <a:cs typeface="MS PGothic"/>
-            </a:endParaRPr>
-          </a:p>
-        </p:txBody>
-      </p:sp>
-      <p:sp>
-        <p:nvSpPr>
-          <p:cNvPr id="11" name="TextBox 10"/>
-          <p:cNvSpPr txBox="1"/>
-          <p:nvPr/>
-        </p:nvSpPr>
-        <p:spPr>
-          <a:xfrm>
-            <a:off x="3891106" y="824865"/>
-            <a:ext cx="2795267" cy="276999"/>
-          </a:xfrm>
-          <a:prstGeom prst="rect">
-            <a:avLst/>
-          </a:prstGeom>
-          <a:noFill/>
-        </p:spPr>
-        <p:txBody>
-          <a:bodyPr wrap="square" rtlCol="0">
-            <a:spAutoFit/>
-          </a:bodyPr>
-          <a:lstStyle/>
-          <a:p>
-            <a:r>
-              <a:rPr lang="en-US" sz="1200" b="1" dirty="0" smtClean="0">
-                <a:solidFill>
-                  <a:srgbClr val="002060"/>
-                </a:solidFill>
-                <a:latin typeface="+mj-lt"/>
-                <a:ea typeface="ＭＳ Ｐゴシック" charset="0"/>
-                <a:cs typeface="MS PGothic"/>
-              </a:rPr>
-              <a:t>How ?</a:t>
             </a:r>
             <a:endParaRPr lang="en-US" sz="1100" dirty="0">
               <a:solidFill>
@@ -16793,7 +14302,7 @@
     </p:spTree>
     <p:extLst>
       <p:ext uri="{BB962C8B-B14F-4D97-AF65-F5344CB8AC3E}">
-        <p14:creationId xmlns:p14="http://schemas.microsoft.com/office/powerpoint/2010/main" val="2007194761"/>
+        <p14:creationId xmlns:p14="http://schemas.microsoft.com/office/powerpoint/2010/main" xmlns="" val="2007194761"/>
       </p:ext>
     </p:extLst>
   </p:cSld>
@@ -18515,7 +16024,7 @@
         <p:spPr>
           <a:xfrm>
             <a:off x="3852153" y="836579"/>
-            <a:ext cx="5087565" cy="246221"/>
+            <a:ext cx="5087565" cy="523220"/>
           </a:xfrm>
           <a:prstGeom prst="rect">
             <a:avLst/>
@@ -18535,14 +16044,51 @@
                 </a:solidFill>
                 <a:latin typeface="+mj-lt"/>
               </a:rPr>
-              <a:t>When to use ?</a:t>
-            </a:r>
-            <a:endParaRPr lang="en-US" sz="1000" dirty="0">
-              <a:solidFill>
-                <a:srgbClr val="002060"/>
-              </a:solidFill>
-              <a:latin typeface="+mj-lt"/>
-            </a:endParaRPr>
+              <a:t>When to use </a:t>
+            </a:r>
+            <a:r>
+              <a:rPr lang="en-US" sz="1000" b="1" dirty="0" smtClean="0">
+                <a:solidFill>
+                  <a:srgbClr val="002060"/>
+                </a:solidFill>
+                <a:latin typeface="+mj-lt"/>
+              </a:rPr>
+              <a:t>?</a:t>
+            </a:r>
+          </a:p>
+          <a:p>
+            <a:r>
+              <a:rPr lang="en-US" sz="900" dirty="0" smtClean="0">
+                <a:solidFill>
+                  <a:srgbClr val="002060"/>
+                </a:solidFill>
+              </a:rPr>
+              <a:t>Used for </a:t>
+            </a:r>
+            <a:r>
+              <a:rPr lang="en-US" sz="900" dirty="0" smtClean="0">
+                <a:solidFill>
+                  <a:srgbClr val="002060"/>
+                </a:solidFill>
+              </a:rPr>
+              <a:t>server-side </a:t>
+            </a:r>
+            <a:r>
+              <a:rPr lang="en-US" sz="900" dirty="0" smtClean="0">
+                <a:solidFill>
+                  <a:srgbClr val="002060"/>
+                </a:solidFill>
+              </a:rPr>
+              <a:t>applications</a:t>
+            </a:r>
+            <a:r>
+              <a:rPr lang="en-US" sz="900" dirty="0" smtClean="0">
+                <a:solidFill>
+                  <a:srgbClr val="002060"/>
+                </a:solidFill>
+              </a:rPr>
+              <a:t>, where source code is not publicly exposed, and Client Secret confidentiality can be maintained</a:t>
+            </a:r>
           </a:p>
         </p:txBody>
       </p:sp>
@@ -18583,7 +16129,7 @@
     </p:spTree>
     <p:extLst>
       <p:ext uri="{BB962C8B-B14F-4D97-AF65-F5344CB8AC3E}">
-        <p14:creationId xmlns:p14="http://schemas.microsoft.com/office/powerpoint/2010/main" val="466007196"/>
+        <p14:creationId xmlns:p14="http://schemas.microsoft.com/office/powerpoint/2010/main" xmlns="" val="466007196"/>
       </p:ext>
     </p:extLst>
   </p:cSld>
@@ -18692,43 +16238,6 @@
           </a:p>
         </p:txBody>
       </p:sp>
-      <p:cxnSp>
-        <p:nvCxnSpPr>
-          <p:cNvPr id="5" name="Straight Connector 4"/>
-          <p:cNvCxnSpPr/>
-          <p:nvPr/>
-        </p:nvCxnSpPr>
-        <p:spPr bwMode="auto">
-          <a:xfrm>
-            <a:off x="0" y="734784"/>
-            <a:ext cx="9144000" cy="0"/>
-          </a:xfrm>
-          <a:prstGeom prst="line">
-            <a:avLst/>
-          </a:prstGeom>
-          <a:ln>
-            <a:solidFill>
-              <a:srgbClr val="002060"/>
-            </a:solidFill>
-            <a:headEnd type="none" w="med" len="med"/>
-            <a:tailEnd type="none" w="med" len="med"/>
-          </a:ln>
-        </p:spPr>
-        <p:style>
-          <a:lnRef idx="3">
-            <a:schemeClr val="accent6"/>
-          </a:lnRef>
-          <a:fillRef idx="0">
-            <a:schemeClr val="accent6"/>
-          </a:fillRef>
-          <a:effectRef idx="2">
-            <a:schemeClr val="accent6"/>
-          </a:effectRef>
-          <a:fontRef idx="minor">
-            <a:schemeClr val="tx1"/>
-          </a:fontRef>
-        </p:style>
-      </p:cxnSp>
       <p:sp>
         <p:nvSpPr>
           <p:cNvPr id="3" name="TextBox 2"/>
@@ -20380,7 +17889,7 @@
         </p:nvSpPr>
         <p:spPr>
           <a:xfrm>
-            <a:off x="243191" y="904672"/>
+            <a:off x="243191" y="1074012"/>
             <a:ext cx="3463047" cy="246221"/>
           </a:xfrm>
           <a:prstGeom prst="rect">
@@ -20420,7 +17929,7 @@
         </p:nvSpPr>
         <p:spPr>
           <a:xfrm>
-            <a:off x="3852153" y="836579"/>
+            <a:off x="3852153" y="1056721"/>
             <a:ext cx="5087565" cy="246221"/>
           </a:xfrm>
           <a:prstGeom prst="rect">
@@ -20495,7 +18004,7 @@
     </p:spTree>
     <p:extLst>
       <p:ext uri="{BB962C8B-B14F-4D97-AF65-F5344CB8AC3E}">
-        <p14:creationId xmlns:p14="http://schemas.microsoft.com/office/powerpoint/2010/main" val="2944236272"/>
+        <p14:creationId xmlns:p14="http://schemas.microsoft.com/office/powerpoint/2010/main" xmlns="" val="2944236272"/>
       </p:ext>
     </p:extLst>
   </p:cSld>
@@ -20620,43 +18129,6 @@
           </a:p>
         </p:txBody>
       </p:sp>
-      <p:cxnSp>
-        <p:nvCxnSpPr>
-          <p:cNvPr id="5" name="Straight Connector 4"/>
-          <p:cNvCxnSpPr/>
-          <p:nvPr/>
-        </p:nvCxnSpPr>
-        <p:spPr bwMode="auto">
-          <a:xfrm>
-            <a:off x="0" y="734784"/>
-            <a:ext cx="9144000" cy="0"/>
-          </a:xfrm>
-          <a:prstGeom prst="line">
-            <a:avLst/>
-          </a:prstGeom>
-          <a:ln>
-            <a:solidFill>
-              <a:srgbClr val="002060"/>
-            </a:solidFill>
-            <a:headEnd type="none" w="med" len="med"/>
-            <a:tailEnd type="none" w="med" len="med"/>
-          </a:ln>
-        </p:spPr>
-        <p:style>
-          <a:lnRef idx="3">
-            <a:schemeClr val="accent6"/>
-          </a:lnRef>
-          <a:fillRef idx="0">
-            <a:schemeClr val="accent6"/>
-          </a:fillRef>
-          <a:effectRef idx="2">
-            <a:schemeClr val="accent6"/>
-          </a:effectRef>
-          <a:fontRef idx="minor">
-            <a:schemeClr val="tx1"/>
-          </a:fontRef>
-        </p:style>
-      </p:cxnSp>
       <p:sp>
         <p:nvSpPr>
           <p:cNvPr id="3" name="TextBox 2"/>
@@ -22175,7 +19647,7 @@
         </p:nvSpPr>
         <p:spPr>
           <a:xfrm>
-            <a:off x="243191" y="904672"/>
+            <a:off x="243191" y="1040144"/>
             <a:ext cx="3463047" cy="246221"/>
           </a:xfrm>
           <a:prstGeom prst="rect">
@@ -22209,7 +19681,7 @@
         </p:nvSpPr>
         <p:spPr>
           <a:xfrm>
-            <a:off x="3852153" y="836579"/>
+            <a:off x="3852153" y="1039787"/>
             <a:ext cx="5087565" cy="246221"/>
           </a:xfrm>
           <a:prstGeom prst="rect">
@@ -22284,7 +19756,7 @@
     </p:spTree>
     <p:extLst>
       <p:ext uri="{BB962C8B-B14F-4D97-AF65-F5344CB8AC3E}">
-        <p14:creationId xmlns:p14="http://schemas.microsoft.com/office/powerpoint/2010/main" val="1550772639"/>
+        <p14:creationId xmlns:p14="http://schemas.microsoft.com/office/powerpoint/2010/main" xmlns="" val="1550772639"/>
       </p:ext>
     </p:extLst>
   </p:cSld>
@@ -22409,43 +19881,6 @@
           </a:p>
         </p:txBody>
       </p:sp>
-      <p:cxnSp>
-        <p:nvCxnSpPr>
-          <p:cNvPr id="5" name="Straight Connector 4"/>
-          <p:cNvCxnSpPr/>
-          <p:nvPr/>
-        </p:nvCxnSpPr>
-        <p:spPr bwMode="auto">
-          <a:xfrm>
-            <a:off x="0" y="734784"/>
-            <a:ext cx="9144000" cy="0"/>
-          </a:xfrm>
-          <a:prstGeom prst="line">
-            <a:avLst/>
-          </a:prstGeom>
-          <a:ln>
-            <a:solidFill>
-              <a:srgbClr val="002060"/>
-            </a:solidFill>
-            <a:headEnd type="none" w="med" len="med"/>
-            <a:tailEnd type="none" w="med" len="med"/>
-          </a:ln>
-        </p:spPr>
-        <p:style>
-          <a:lnRef idx="3">
-            <a:schemeClr val="accent6"/>
-          </a:lnRef>
-          <a:fillRef idx="0">
-            <a:schemeClr val="accent6"/>
-          </a:fillRef>
-          <a:effectRef idx="2">
-            <a:schemeClr val="accent6"/>
-          </a:effectRef>
-          <a:fontRef idx="minor">
-            <a:schemeClr val="tx1"/>
-          </a:fontRef>
-        </p:style>
-      </p:cxnSp>
       <p:sp>
         <p:nvSpPr>
           <p:cNvPr id="3" name="TextBox 2"/>
@@ -23718,7 +21153,7 @@
         </p:nvSpPr>
         <p:spPr>
           <a:xfrm>
-            <a:off x="243191" y="904672"/>
+            <a:off x="243191" y="1040144"/>
             <a:ext cx="3463047" cy="246221"/>
           </a:xfrm>
           <a:prstGeom prst="rect">
@@ -23758,7 +21193,7 @@
         </p:nvSpPr>
         <p:spPr>
           <a:xfrm>
-            <a:off x="3852153" y="836579"/>
+            <a:off x="3852153" y="1039787"/>
             <a:ext cx="5087565" cy="246221"/>
           </a:xfrm>
           <a:prstGeom prst="rect">
@@ -23833,7 +21268,7 @@
     </p:spTree>
     <p:extLst>
       <p:ext uri="{BB962C8B-B14F-4D97-AF65-F5344CB8AC3E}">
-        <p14:creationId xmlns:p14="http://schemas.microsoft.com/office/powerpoint/2010/main" val="881555212"/>
+        <p14:creationId xmlns:p14="http://schemas.microsoft.com/office/powerpoint/2010/main" xmlns="" val="881555212"/>
       </p:ext>
     </p:extLst>
   </p:cSld>
@@ -23989,43 +21424,6 @@
           </a:p>
         </p:txBody>
       </p:sp>
-      <p:cxnSp>
-        <p:nvCxnSpPr>
-          <p:cNvPr id="5" name="Straight Connector 4"/>
-          <p:cNvCxnSpPr/>
-          <p:nvPr/>
-        </p:nvCxnSpPr>
-        <p:spPr bwMode="auto">
-          <a:xfrm>
-            <a:off x="0" y="734784"/>
-            <a:ext cx="9144000" cy="0"/>
-          </a:xfrm>
-          <a:prstGeom prst="line">
-            <a:avLst/>
-          </a:prstGeom>
-          <a:ln>
-            <a:solidFill>
-              <a:srgbClr val="002060"/>
-            </a:solidFill>
-            <a:headEnd type="none" w="med" len="med"/>
-            <a:tailEnd type="none" w="med" len="med"/>
-          </a:ln>
-        </p:spPr>
-        <p:style>
-          <a:lnRef idx="3">
-            <a:schemeClr val="accent6"/>
-          </a:lnRef>
-          <a:fillRef idx="0">
-            <a:schemeClr val="accent6"/>
-          </a:fillRef>
-          <a:effectRef idx="2">
-            <a:schemeClr val="accent6"/>
-          </a:effectRef>
-          <a:fontRef idx="minor">
-            <a:schemeClr val="tx1"/>
-          </a:fontRef>
-        </p:style>
-      </p:cxnSp>
       <p:sp>
         <p:nvSpPr>
           <p:cNvPr id="3" name="TextBox 2"/>
@@ -24831,7 +22229,7 @@
           <a:blip r:embed="rId2">
             <a:extLst>
               <a:ext uri="{28A0092B-C50C-407E-A947-70E740481C1C}">
-                <a14:useLocalDpi xmlns:a14="http://schemas.microsoft.com/office/drawing/2010/main" val="0"/>
+                <a14:useLocalDpi xmlns:a14="http://schemas.microsoft.com/office/drawing/2010/main" xmlns="" val="0"/>
               </a:ext>
             </a:extLst>
           </a:blip>
@@ -24854,14 +22252,14 @@
           </a:ln>
           <a:extLst>
             <a:ext uri="{909E8E84-426E-40DD-AFC4-6F175D3DCCD1}">
-              <a14:hiddenFill xmlns:a14="http://schemas.microsoft.com/office/drawing/2010/main">
+              <a14:hiddenFill xmlns:a14="http://schemas.microsoft.com/office/drawing/2010/main" xmlns="">
                 <a:solidFill>
                   <a:schemeClr val="accent1"/>
                 </a:solidFill>
               </a14:hiddenFill>
             </a:ext>
             <a:ext uri="{91240B29-F687-4F45-9708-019B960494DF}">
-              <a14:hiddenLine xmlns:a14="http://schemas.microsoft.com/office/drawing/2010/main" w="9525">
+              <a14:hiddenLine xmlns:a14="http://schemas.microsoft.com/office/drawing/2010/main" xmlns="" w="9525">
                 <a:solidFill>
                   <a:schemeClr val="tx1"/>
                 </a:solidFill>
@@ -24876,7 +22274,7 @@
     </p:spTree>
     <p:extLst>
       <p:ext uri="{BB962C8B-B14F-4D97-AF65-F5344CB8AC3E}">
-        <p14:creationId xmlns:p14="http://schemas.microsoft.com/office/powerpoint/2010/main" val="514344403"/>
+        <p14:creationId xmlns:p14="http://schemas.microsoft.com/office/powerpoint/2010/main" xmlns="" val="514344403"/>
       </p:ext>
     </p:extLst>
   </p:cSld>
@@ -24912,6 +22310,189 @@
       </p:grpSpPr>
       <p:sp>
         <p:nvSpPr>
+          <p:cNvPr id="13" name="Rounded Rectangle 12"/>
+          <p:cNvSpPr/>
+          <p:nvPr/>
+        </p:nvSpPr>
+        <p:spPr bwMode="auto">
+          <a:xfrm>
+            <a:off x="430530" y="2857500"/>
+            <a:ext cx="8465820" cy="2179320"/>
+          </a:xfrm>
+          <a:prstGeom prst="roundRect">
+            <a:avLst>
+              <a:gd name="adj" fmla="val 3948"/>
+            </a:avLst>
+          </a:prstGeom>
+          <a:solidFill>
+            <a:schemeClr val="bg1">
+              <a:lumMod val="75000"/>
+            </a:schemeClr>
+          </a:solidFill>
+          <a:ln>
+            <a:solidFill>
+              <a:schemeClr val="bg1"/>
+            </a:solidFill>
+            <a:headEnd type="none" w="med" len="med"/>
+            <a:tailEnd type="none" w="med" len="med"/>
+          </a:ln>
+        </p:spPr>
+        <p:style>
+          <a:lnRef idx="1">
+            <a:schemeClr val="accent1"/>
+          </a:lnRef>
+          <a:fillRef idx="3">
+            <a:schemeClr val="accent1"/>
+          </a:fillRef>
+          <a:effectRef idx="2">
+            <a:schemeClr val="accent1"/>
+          </a:effectRef>
+          <a:fontRef idx="minor">
+            <a:schemeClr val="lt1"/>
+          </a:fontRef>
+        </p:style>
+        <p:txBody>
+          <a:bodyPr vert="horz" wrap="square" lIns="91440" tIns="45720" rIns="91440" bIns="45720" numCol="1" rtlCol="0" anchor="t" anchorCtr="0" compatLnSpc="1">
+            <a:prstTxWarp prst="textNoShape">
+              <a:avLst/>
+            </a:prstTxWarp>
+          </a:bodyPr>
+          <a:lstStyle/>
+          <a:p>
+            <a:pPr algn="ctr" eaLnBrk="0" fontAlgn="base" hangingPunct="0">
+              <a:spcBef>
+                <a:spcPct val="0"/>
+              </a:spcBef>
+              <a:spcAft>
+                <a:spcPct val="0"/>
+              </a:spcAft>
+            </a:pPr>
+            <a:r>
+              <a:rPr lang="en-US" sz="1000" b="1" dirty="0" smtClean="0">
+                <a:solidFill>
+                  <a:srgbClr val="002060"/>
+                </a:solidFill>
+                <a:latin typeface="Verdana" pitchFamily="34" charset="0"/>
+                <a:ea typeface="MS PGothic" pitchFamily="34" charset="-128"/>
+              </a:rPr>
+              <a:t>JSON Web Token</a:t>
+            </a:r>
+            <a:endParaRPr lang="en-US" sz="1000" b="1" dirty="0">
+              <a:solidFill>
+                <a:srgbClr val="002060"/>
+              </a:solidFill>
+              <a:latin typeface="Verdana" pitchFamily="34" charset="0"/>
+              <a:ea typeface="MS PGothic" pitchFamily="34" charset="-128"/>
+            </a:endParaRPr>
+          </a:p>
+        </p:txBody>
+      </p:sp>
+      <p:sp>
+        <p:nvSpPr>
+          <p:cNvPr id="10" name="Rounded Rectangle 9"/>
+          <p:cNvSpPr/>
+          <p:nvPr/>
+        </p:nvSpPr>
+        <p:spPr bwMode="auto">
+          <a:xfrm>
+            <a:off x="701040" y="3230880"/>
+            <a:ext cx="1760220" cy="1661160"/>
+          </a:xfrm>
+          <a:prstGeom prst="roundRect">
+            <a:avLst>
+              <a:gd name="adj" fmla="val 3948"/>
+            </a:avLst>
+          </a:prstGeom>
+          <a:solidFill>
+            <a:srgbClr val="002060"/>
+          </a:solidFill>
+          <a:ln>
+            <a:solidFill>
+              <a:schemeClr val="bg1"/>
+            </a:solidFill>
+            <a:headEnd type="none" w="med" len="med"/>
+            <a:tailEnd type="none" w="med" len="med"/>
+          </a:ln>
+        </p:spPr>
+        <p:style>
+          <a:lnRef idx="1">
+            <a:schemeClr val="accent1"/>
+          </a:lnRef>
+          <a:fillRef idx="3">
+            <a:schemeClr val="accent1"/>
+          </a:fillRef>
+          <a:effectRef idx="2">
+            <a:schemeClr val="accent1"/>
+          </a:effectRef>
+          <a:fontRef idx="minor">
+            <a:schemeClr val="lt1"/>
+          </a:fontRef>
+        </p:style>
+        <p:txBody>
+          <a:bodyPr vert="horz" wrap="square" lIns="91440" tIns="45720" rIns="91440" bIns="45720" numCol="1" rtlCol="0" anchor="t" anchorCtr="0" compatLnSpc="1">
+            <a:prstTxWarp prst="textNoShape">
+              <a:avLst/>
+            </a:prstTxWarp>
+          </a:bodyPr>
+          <a:lstStyle/>
+          <a:p>
+            <a:pPr algn="ctr" eaLnBrk="0" fontAlgn="base" hangingPunct="0">
+              <a:spcBef>
+                <a:spcPct val="0"/>
+              </a:spcBef>
+              <a:spcAft>
+                <a:spcPct val="0"/>
+              </a:spcAft>
+            </a:pPr>
+            <a:r>
+              <a:rPr lang="en-US" sz="1000" b="1" dirty="0" smtClean="0">
+                <a:solidFill>
+                  <a:schemeClr val="bg1"/>
+                </a:solidFill>
+                <a:latin typeface="Verdana" pitchFamily="34" charset="0"/>
+                <a:ea typeface="MS PGothic" pitchFamily="34" charset="-128"/>
+              </a:rPr>
+              <a:t>Base64UrlEncode</a:t>
+            </a:r>
+            <a:endParaRPr lang="en-US" sz="1000" b="1" dirty="0">
+              <a:solidFill>
+                <a:schemeClr val="bg1"/>
+              </a:solidFill>
+              <a:latin typeface="Verdana" pitchFamily="34" charset="0"/>
+              <a:ea typeface="MS PGothic" pitchFamily="34" charset="-128"/>
+            </a:endParaRPr>
+          </a:p>
+          <a:p>
+            <a:pPr algn="ctr" eaLnBrk="0" fontAlgn="base" hangingPunct="0">
+              <a:spcBef>
+                <a:spcPct val="0"/>
+              </a:spcBef>
+              <a:spcAft>
+                <a:spcPct val="0"/>
+              </a:spcAft>
+            </a:pPr>
+            <a:r>
+              <a:rPr lang="en-US" sz="1000" b="1" dirty="0" smtClean="0">
+                <a:solidFill>
+                  <a:schemeClr val="bg1"/>
+                </a:solidFill>
+                <a:latin typeface="Verdana" pitchFamily="34" charset="0"/>
+                <a:ea typeface="MS PGothic" pitchFamily="34" charset="-128"/>
+              </a:rPr>
+              <a:t>Header</a:t>
+            </a:r>
+            <a:endParaRPr lang="en-US" sz="1000" b="1" dirty="0">
+              <a:solidFill>
+                <a:schemeClr val="bg1"/>
+              </a:solidFill>
+              <a:latin typeface="Verdana" pitchFamily="34" charset="0"/>
+              <a:ea typeface="MS PGothic" pitchFamily="34" charset="-128"/>
+            </a:endParaRPr>
+          </a:p>
+        </p:txBody>
+      </p:sp>
+      <p:sp>
+        <p:nvSpPr>
           <p:cNvPr id="2" name="Title 1"/>
           <p:cNvSpPr>
             <a:spLocks noGrp="1"/>
@@ -24923,7 +22504,7 @@
         <p:spPr>
           <a:xfrm>
             <a:off x="180974" y="30480"/>
-            <a:ext cx="8728075" cy="541020"/>
+            <a:ext cx="8728075" cy="628104"/>
           </a:xfrm>
         </p:spPr>
         <p:txBody>
@@ -24931,51 +22512,12 @@
           <a:lstStyle/>
           <a:p>
             <a:r>
-              <a:rPr lang="en-US" sz="2400" b="1" dirty="0">
+              <a:rPr lang="en-US" sz="2800" b="1" dirty="0" smtClean="0">
                 <a:solidFill>
                   <a:srgbClr val="002060"/>
                 </a:solidFill>
               </a:rPr>
-              <a:t>Typical </a:t>
-            </a:r>
-            <a:r>
-              <a:rPr lang="en-US" sz="2400" b="1" dirty="0" smtClean="0">
-                <a:solidFill>
-                  <a:srgbClr val="002060"/>
-                </a:solidFill>
-              </a:rPr>
-              <a:t>flows – Authentication an end user</a:t>
-            </a:r>
-            <a:r>
-              <a:rPr lang="en-US" sz="2400" b="1" dirty="0">
-                <a:solidFill>
-                  <a:srgbClr val="002060"/>
-                </a:solidFill>
-              </a:rPr>
-              <a:t/>
-            </a:r>
-            <a:br>
-              <a:rPr lang="en-US" sz="2400" b="1" dirty="0">
-                <a:solidFill>
-                  <a:srgbClr val="002060"/>
-                </a:solidFill>
-              </a:rPr>
-            </a:br>
-            <a:r>
-              <a:rPr lang="en-US" sz="1200" b="1" dirty="0">
-                <a:solidFill>
-                  <a:srgbClr val="002060"/>
-                </a:solidFill>
-              </a:rPr>
-              <a:t>OAUTH Overview</a:t>
-            </a:r>
-            <a:r>
-              <a:rPr lang="en-US" sz="2800" b="1" dirty="0" smtClean="0">
-                <a:solidFill>
-                  <a:srgbClr val="002060"/>
-                </a:solidFill>
-              </a:rPr>
-              <a:t/>
+              <a:t>Anatomy of JSON Web Token (JWT)</a:t>
             </a:r>
             <a:br>
               <a:rPr lang="en-US" sz="2800" b="1" dirty="0" smtClean="0">
@@ -24984,6 +22526,14 @@
                 </a:solidFill>
               </a:rPr>
             </a:br>
+            <a:r>
+              <a:rPr lang="en-US" sz="1200" b="1" dirty="0" smtClean="0">
+                <a:solidFill>
+                  <a:srgbClr val="002060"/>
+                </a:solidFill>
+              </a:rPr>
+              <a:t>OAUTH overview</a:t>
+            </a:r>
             <a:endParaRPr lang="en-US" sz="1200" b="1" dirty="0">
               <a:solidFill>
                 <a:srgbClr val="002060"/>
@@ -25016,46 +22566,9 @@
           </a:p>
         </p:txBody>
       </p:sp>
-      <p:cxnSp>
-        <p:nvCxnSpPr>
-          <p:cNvPr id="5" name="Straight Connector 4"/>
-          <p:cNvCxnSpPr/>
-          <p:nvPr/>
-        </p:nvCxnSpPr>
-        <p:spPr bwMode="auto">
-          <a:xfrm>
-            <a:off x="0" y="734784"/>
-            <a:ext cx="9144000" cy="0"/>
-          </a:xfrm>
-          <a:prstGeom prst="line">
-            <a:avLst/>
-          </a:prstGeom>
-          <a:ln>
-            <a:solidFill>
-              <a:srgbClr val="002060"/>
-            </a:solidFill>
-            <a:headEnd type="none" w="med" len="med"/>
-            <a:tailEnd type="none" w="med" len="med"/>
-          </a:ln>
-        </p:spPr>
-        <p:style>
-          <a:lnRef idx="3">
-            <a:schemeClr val="accent6"/>
-          </a:lnRef>
-          <a:fillRef idx="0">
-            <a:schemeClr val="accent6"/>
-          </a:fillRef>
-          <a:effectRef idx="2">
-            <a:schemeClr val="accent6"/>
-          </a:effectRef>
-          <a:fontRef idx="minor">
-            <a:schemeClr val="tx1"/>
-          </a:fontRef>
-        </p:style>
-      </p:cxnSp>
       <p:sp>
         <p:nvSpPr>
-          <p:cNvPr id="3" name="TextBox 2"/>
+          <p:cNvPr id="6" name="TextBox 5"/>
           <p:cNvSpPr txBox="1"/>
           <p:nvPr/>
         </p:nvSpPr>
@@ -25089,51 +22602,1887 @@
           </a:p>
         </p:txBody>
       </p:sp>
-      <p:pic>
-        <p:nvPicPr>
-          <p:cNvPr id="21" name="Picture 2" descr="C:\Users\U551178\Desktop\Actor_1.jpg"/>
-          <p:cNvPicPr>
-            <a:picLocks noChangeAspect="1" noChangeArrowheads="1"/>
-          </p:cNvPicPr>
+      <p:sp>
+        <p:nvSpPr>
+          <p:cNvPr id="3" name="TextBox 2"/>
+          <p:cNvSpPr txBox="1"/>
           <p:nvPr/>
-        </p:nvPicPr>
-        <p:blipFill>
-          <a:blip r:embed="rId2">
-            <a:extLst>
-              <a:ext uri="{28A0092B-C50C-407E-A947-70E740481C1C}">
-                <a14:useLocalDpi xmlns:a14="http://schemas.microsoft.com/office/drawing/2010/main" val="0"/>
-              </a:ext>
-            </a:extLst>
-          </a:blip>
-          <a:srcRect/>
-          <a:stretch>
-            <a:fillRect/>
-          </a:stretch>
-        </p:blipFill>
-        <p:spPr bwMode="auto">
+        </p:nvSpPr>
+        <p:spPr>
           <a:xfrm>
-            <a:off x="107003" y="1880319"/>
-            <a:ext cx="972767" cy="874398"/>
+            <a:off x="312420" y="1021080"/>
+            <a:ext cx="4085545" cy="707886"/>
           </a:xfrm>
           <a:prstGeom prst="rect">
             <a:avLst/>
           </a:prstGeom>
           <a:noFill/>
-          <a:extLst>
-            <a:ext uri="{909E8E84-426E-40DD-AFC4-6F175D3DCCD1}">
-              <a14:hiddenFill xmlns:a14="http://schemas.microsoft.com/office/drawing/2010/main">
-                <a:solidFill>
-                  <a:srgbClr val="FFFFFF"/>
-                </a:solidFill>
-              </a14:hiddenFill>
-            </a:ext>
-          </a:extLst>
         </p:spPr>
-      </p:pic>
+        <p:txBody>
+          <a:bodyPr wrap="square" rtlCol="0">
+            <a:spAutoFit/>
+          </a:bodyPr>
+          <a:lstStyle/>
+          <a:p>
+            <a:r>
+              <a:rPr lang="en-US" sz="1000" b="1" dirty="0">
+                <a:solidFill>
+                  <a:srgbClr val="002060"/>
+                </a:solidFill>
+                <a:latin typeface="+mj-lt"/>
+              </a:rPr>
+              <a:t>What is </a:t>
+            </a:r>
+            <a:r>
+              <a:rPr lang="en-US" sz="1000" b="1" dirty="0" smtClean="0">
+                <a:solidFill>
+                  <a:srgbClr val="002060"/>
+                </a:solidFill>
+                <a:latin typeface="+mj-lt"/>
+              </a:rPr>
+              <a:t>JSON Web Token (JWT) ?</a:t>
+            </a:r>
+          </a:p>
+          <a:p>
+            <a:r>
+              <a:rPr lang="en-US" sz="1000" dirty="0" smtClean="0">
+                <a:solidFill>
+                  <a:srgbClr val="002060"/>
+                </a:solidFill>
+              </a:rPr>
+              <a:t>It is a </a:t>
+            </a:r>
+            <a:r>
+              <a:rPr lang="en-US" sz="1000" dirty="0">
+                <a:solidFill>
+                  <a:srgbClr val="002060"/>
+                </a:solidFill>
+              </a:rPr>
+              <a:t>compact, URL-safe means of </a:t>
+            </a:r>
+            <a:r>
+              <a:rPr lang="en-US" sz="1000" dirty="0" smtClean="0">
+                <a:solidFill>
+                  <a:srgbClr val="002060"/>
+                </a:solidFill>
+              </a:rPr>
+              <a:t>representing claims </a:t>
+            </a:r>
+            <a:r>
+              <a:rPr lang="en-US" sz="1000" dirty="0">
+                <a:solidFill>
+                  <a:srgbClr val="002060"/>
+                </a:solidFill>
+              </a:rPr>
+              <a:t>to be transferred between two parties by encoding them as JSON objects which can be digitally signed or </a:t>
+            </a:r>
+            <a:r>
+              <a:rPr lang="en-US" sz="1000" dirty="0" smtClean="0">
+                <a:solidFill>
+                  <a:srgbClr val="002060"/>
+                </a:solidFill>
+              </a:rPr>
+              <a:t>encrypted.</a:t>
+            </a:r>
+            <a:endParaRPr lang="en-US" sz="1000" b="1" dirty="0">
+              <a:solidFill>
+                <a:srgbClr val="002060"/>
+              </a:solidFill>
+            </a:endParaRPr>
+          </a:p>
+        </p:txBody>
+      </p:sp>
+      <p:sp>
+        <p:nvSpPr>
+          <p:cNvPr id="7" name="TextBox 6"/>
+          <p:cNvSpPr txBox="1"/>
+          <p:nvPr/>
+        </p:nvSpPr>
+        <p:spPr>
+          <a:xfrm>
+            <a:off x="4419600" y="1021080"/>
+            <a:ext cx="3170397" cy="553998"/>
+          </a:xfrm>
+          <a:prstGeom prst="rect">
+            <a:avLst/>
+          </a:prstGeom>
+          <a:noFill/>
+        </p:spPr>
+        <p:txBody>
+          <a:bodyPr wrap="square" rtlCol="0">
+            <a:spAutoFit/>
+          </a:bodyPr>
+          <a:lstStyle/>
+          <a:p>
+            <a:r>
+              <a:rPr lang="en-US" sz="1000" b="1" dirty="0" smtClean="0">
+                <a:solidFill>
+                  <a:srgbClr val="002060"/>
+                </a:solidFill>
+                <a:latin typeface="+mj-lt"/>
+              </a:rPr>
+              <a:t>When to use JWT?</a:t>
+            </a:r>
+          </a:p>
+          <a:p>
+            <a:r>
+              <a:rPr lang="en-US" sz="1000" dirty="0" smtClean="0">
+                <a:solidFill>
+                  <a:srgbClr val="002060"/>
+                </a:solidFill>
+                <a:latin typeface="+mj-lt"/>
+              </a:rPr>
+              <a:t>Authentication</a:t>
+            </a:r>
+          </a:p>
+          <a:p>
+            <a:endParaRPr lang="en-US" sz="1000" b="1" dirty="0">
+              <a:solidFill>
+                <a:srgbClr val="002060"/>
+              </a:solidFill>
+              <a:latin typeface="+mj-lt"/>
+            </a:endParaRPr>
+          </a:p>
+        </p:txBody>
+      </p:sp>
+      <p:sp>
+        <p:nvSpPr>
+          <p:cNvPr id="8" name="TextBox 7"/>
+          <p:cNvSpPr txBox="1"/>
+          <p:nvPr/>
+        </p:nvSpPr>
+        <p:spPr>
+          <a:xfrm>
+            <a:off x="312420" y="2284095"/>
+            <a:ext cx="8496300" cy="553998"/>
+          </a:xfrm>
+          <a:prstGeom prst="rect">
+            <a:avLst/>
+          </a:prstGeom>
+          <a:noFill/>
+        </p:spPr>
+        <p:txBody>
+          <a:bodyPr wrap="square" rtlCol="0">
+            <a:spAutoFit/>
+          </a:bodyPr>
+          <a:lstStyle/>
+          <a:p>
+            <a:r>
+              <a:rPr lang="en-US" sz="1000" b="1" dirty="0" smtClean="0">
+                <a:solidFill>
+                  <a:srgbClr val="002060"/>
+                </a:solidFill>
+                <a:latin typeface="+mj-lt"/>
+              </a:rPr>
+              <a:t>Anatomy of JWT </a:t>
+            </a:r>
+          </a:p>
+          <a:p>
+            <a:r>
+              <a:rPr lang="en-US" sz="1000" dirty="0">
+                <a:solidFill>
+                  <a:srgbClr val="002060"/>
+                </a:solidFill>
+              </a:rPr>
+              <a:t>Consists of </a:t>
+            </a:r>
+            <a:r>
+              <a:rPr lang="en-US" sz="1000" b="1" dirty="0">
+                <a:solidFill>
+                  <a:srgbClr val="002060"/>
+                </a:solidFill>
+              </a:rPr>
+              <a:t>Header</a:t>
+            </a:r>
+            <a:r>
+              <a:rPr lang="en-US" sz="1000" dirty="0">
+                <a:solidFill>
+                  <a:srgbClr val="002060"/>
+                </a:solidFill>
+              </a:rPr>
+              <a:t> , </a:t>
+            </a:r>
+            <a:r>
+              <a:rPr lang="en-US" sz="1000" b="1" dirty="0">
+                <a:solidFill>
+                  <a:srgbClr val="002060"/>
+                </a:solidFill>
+              </a:rPr>
+              <a:t>Payload</a:t>
+            </a:r>
+            <a:r>
+              <a:rPr lang="en-US" sz="1000" dirty="0">
+                <a:solidFill>
+                  <a:srgbClr val="002060"/>
+                </a:solidFill>
+              </a:rPr>
+              <a:t> and the </a:t>
+            </a:r>
+            <a:r>
+              <a:rPr lang="en-US" sz="1000" b="1" dirty="0" smtClean="0">
+                <a:solidFill>
+                  <a:srgbClr val="002060"/>
+                </a:solidFill>
+              </a:rPr>
+              <a:t>Signature. </a:t>
+            </a:r>
+            <a:endParaRPr lang="en-US" sz="1000" b="1" dirty="0">
+              <a:solidFill>
+                <a:srgbClr val="002060"/>
+              </a:solidFill>
+            </a:endParaRPr>
+          </a:p>
+          <a:p>
+            <a:r>
+              <a:rPr lang="en-US" sz="1000" i="1" dirty="0" smtClean="0">
+                <a:solidFill>
+                  <a:srgbClr val="002060"/>
+                </a:solidFill>
+              </a:rPr>
+              <a:t>Base64UrlEncode(</a:t>
+            </a:r>
+            <a:r>
+              <a:rPr lang="en-US" sz="1000" b="1" i="1" dirty="0" smtClean="0">
+                <a:solidFill>
+                  <a:srgbClr val="002060"/>
+                </a:solidFill>
+              </a:rPr>
+              <a:t>Header</a:t>
+            </a:r>
+            <a:r>
+              <a:rPr lang="en-US" sz="1000" i="1" dirty="0" smtClean="0">
+                <a:solidFill>
+                  <a:srgbClr val="002060"/>
+                </a:solidFill>
+              </a:rPr>
+              <a:t>)</a:t>
+            </a:r>
+            <a:r>
+              <a:rPr lang="en-US" sz="1000" b="1" i="1" dirty="0" smtClean="0">
+                <a:solidFill>
+                  <a:srgbClr val="002060"/>
+                </a:solidFill>
+              </a:rPr>
+              <a:t>.</a:t>
+            </a:r>
+            <a:r>
+              <a:rPr lang="en-US" sz="1000" i="1" dirty="0" smtClean="0">
+                <a:solidFill>
+                  <a:srgbClr val="002060"/>
+                </a:solidFill>
+              </a:rPr>
+              <a:t>Base64UrlEncode(</a:t>
+            </a:r>
+            <a:r>
+              <a:rPr lang="en-US" sz="1000" b="1" i="1" dirty="0" smtClean="0">
+                <a:solidFill>
+                  <a:srgbClr val="002060"/>
+                </a:solidFill>
+              </a:rPr>
+              <a:t>Payload</a:t>
+            </a:r>
+            <a:r>
+              <a:rPr lang="en-US" sz="1000" i="1" dirty="0" smtClean="0">
+                <a:solidFill>
+                  <a:srgbClr val="002060"/>
+                </a:solidFill>
+              </a:rPr>
+              <a:t>)</a:t>
+            </a:r>
+            <a:r>
+              <a:rPr lang="en-US" sz="1000" b="1" i="1" dirty="0" smtClean="0">
+                <a:solidFill>
+                  <a:srgbClr val="002060"/>
+                </a:solidFill>
+              </a:rPr>
+              <a:t>.Signature</a:t>
+            </a:r>
+          </a:p>
+        </p:txBody>
+      </p:sp>
+      <p:sp>
+        <p:nvSpPr>
+          <p:cNvPr id="9" name="Rounded Rectangle 8"/>
+          <p:cNvSpPr/>
+          <p:nvPr/>
+        </p:nvSpPr>
+        <p:spPr bwMode="auto">
+          <a:xfrm>
+            <a:off x="859198" y="3787225"/>
+            <a:ext cx="1449662" cy="809847"/>
+          </a:xfrm>
+          <a:prstGeom prst="roundRect">
+            <a:avLst>
+              <a:gd name="adj" fmla="val 4435"/>
+            </a:avLst>
+          </a:prstGeom>
+          <a:solidFill>
+            <a:srgbClr val="0070C0"/>
+          </a:solidFill>
+          <a:ln>
+            <a:solidFill>
+              <a:schemeClr val="bg1"/>
+            </a:solidFill>
+            <a:headEnd type="none" w="med" len="med"/>
+            <a:tailEnd type="none" w="med" len="med"/>
+          </a:ln>
+        </p:spPr>
+        <p:style>
+          <a:lnRef idx="1">
+            <a:schemeClr val="accent1"/>
+          </a:lnRef>
+          <a:fillRef idx="3">
+            <a:schemeClr val="accent1"/>
+          </a:fillRef>
+          <a:effectRef idx="2">
+            <a:schemeClr val="accent1"/>
+          </a:effectRef>
+          <a:fontRef idx="minor">
+            <a:schemeClr val="lt1"/>
+          </a:fontRef>
+        </p:style>
+        <p:txBody>
+          <a:bodyPr vert="horz" wrap="square" lIns="91440" tIns="45720" rIns="91440" bIns="45720" numCol="1" rtlCol="0" anchor="ctr" anchorCtr="0" compatLnSpc="1">
+            <a:prstTxWarp prst="textNoShape">
+              <a:avLst/>
+            </a:prstTxWarp>
+          </a:bodyPr>
+          <a:lstStyle/>
+          <a:p>
+            <a:pPr marL="0" marR="0" indent="0" algn="ctr" defTabSz="914400" rtl="0" eaLnBrk="0" fontAlgn="base" latinLnBrk="0" hangingPunct="0">
+              <a:lnSpc>
+                <a:spcPct val="100000"/>
+              </a:lnSpc>
+              <a:spcBef>
+                <a:spcPct val="0"/>
+              </a:spcBef>
+              <a:spcAft>
+                <a:spcPct val="0"/>
+              </a:spcAft>
+              <a:buClrTx/>
+              <a:buSzTx/>
+              <a:buFontTx/>
+              <a:buNone/>
+              <a:tabLst/>
+            </a:pPr>
+            <a:r>
+              <a:rPr kumimoji="0" lang="en-US" sz="1000" b="1" i="0" u="none" strike="noStrike" cap="none" normalizeH="0" baseline="0" dirty="0" smtClean="0">
+                <a:ln>
+                  <a:noFill/>
+                </a:ln>
+                <a:solidFill>
+                  <a:schemeClr val="bg1"/>
+                </a:solidFill>
+                <a:effectLst/>
+                <a:latin typeface="Verdana" pitchFamily="34" charset="0"/>
+                <a:ea typeface="MS PGothic" pitchFamily="34" charset="-128"/>
+              </a:rPr>
+              <a:t>Header</a:t>
+            </a:r>
+          </a:p>
+          <a:p>
+            <a:pPr marL="171450" marR="0" indent="-171450" defTabSz="914400" rtl="0" eaLnBrk="0" fontAlgn="base" latinLnBrk="0" hangingPunct="0">
+              <a:lnSpc>
+                <a:spcPct val="100000"/>
+              </a:lnSpc>
+              <a:spcBef>
+                <a:spcPct val="0"/>
+              </a:spcBef>
+              <a:spcAft>
+                <a:spcPct val="0"/>
+              </a:spcAft>
+              <a:buClrTx/>
+              <a:buSzTx/>
+              <a:buFont typeface="Arial" panose="020B0604020202020204" pitchFamily="34" charset="0"/>
+              <a:buChar char="•"/>
+              <a:tabLst/>
+            </a:pPr>
+            <a:r>
+              <a:rPr kumimoji="0" lang="en-US" sz="800" i="0" u="none" strike="noStrike" cap="none" normalizeH="0" baseline="0" dirty="0" smtClean="0">
+                <a:ln>
+                  <a:noFill/>
+                </a:ln>
+                <a:solidFill>
+                  <a:schemeClr val="bg1"/>
+                </a:solidFill>
+                <a:effectLst/>
+                <a:latin typeface="Verdana" pitchFamily="34" charset="0"/>
+                <a:ea typeface="MS PGothic" pitchFamily="34" charset="-128"/>
+              </a:rPr>
+              <a:t>Token type</a:t>
+            </a:r>
+          </a:p>
+          <a:p>
+            <a:pPr marL="171450" marR="0" indent="-171450" defTabSz="914400" rtl="0" eaLnBrk="0" fontAlgn="base" latinLnBrk="0" hangingPunct="0">
+              <a:lnSpc>
+                <a:spcPct val="100000"/>
+              </a:lnSpc>
+              <a:spcBef>
+                <a:spcPct val="0"/>
+              </a:spcBef>
+              <a:spcAft>
+                <a:spcPct val="0"/>
+              </a:spcAft>
+              <a:buClrTx/>
+              <a:buSzTx/>
+              <a:buFont typeface="Arial" panose="020B0604020202020204" pitchFamily="34" charset="0"/>
+              <a:buChar char="•"/>
+              <a:tabLst/>
+            </a:pPr>
+            <a:r>
+              <a:rPr lang="en-US" sz="800" dirty="0" smtClean="0">
+                <a:solidFill>
+                  <a:schemeClr val="bg1"/>
+                </a:solidFill>
+                <a:latin typeface="Verdana" pitchFamily="34" charset="0"/>
+                <a:ea typeface="MS PGothic" pitchFamily="34" charset="-128"/>
+              </a:rPr>
+              <a:t>Hashing Algorithm</a:t>
+            </a:r>
+            <a:endParaRPr kumimoji="0" lang="en-US" sz="800" i="0" u="none" strike="noStrike" cap="none" normalizeH="0" baseline="0" dirty="0" smtClean="0">
+              <a:ln>
+                <a:noFill/>
+              </a:ln>
+              <a:solidFill>
+                <a:schemeClr val="bg1"/>
+              </a:solidFill>
+              <a:effectLst/>
+              <a:latin typeface="Verdana" pitchFamily="34" charset="0"/>
+              <a:ea typeface="MS PGothic" pitchFamily="34" charset="-128"/>
+            </a:endParaRPr>
+          </a:p>
+        </p:txBody>
+      </p:sp>
+      <p:sp>
+        <p:nvSpPr>
+          <p:cNvPr id="11" name="Rounded Rectangle 10"/>
+          <p:cNvSpPr/>
+          <p:nvPr/>
+        </p:nvSpPr>
+        <p:spPr bwMode="auto">
+          <a:xfrm>
+            <a:off x="3009899" y="3230880"/>
+            <a:ext cx="2743201" cy="1661160"/>
+          </a:xfrm>
+          <a:prstGeom prst="roundRect">
+            <a:avLst>
+              <a:gd name="adj" fmla="val 3948"/>
+            </a:avLst>
+          </a:prstGeom>
+          <a:solidFill>
+            <a:srgbClr val="002060"/>
+          </a:solidFill>
+          <a:ln>
+            <a:solidFill>
+              <a:schemeClr val="bg1"/>
+            </a:solidFill>
+            <a:headEnd type="none" w="med" len="med"/>
+            <a:tailEnd type="none" w="med" len="med"/>
+          </a:ln>
+        </p:spPr>
+        <p:style>
+          <a:lnRef idx="1">
+            <a:schemeClr val="accent1"/>
+          </a:lnRef>
+          <a:fillRef idx="3">
+            <a:schemeClr val="accent1"/>
+          </a:fillRef>
+          <a:effectRef idx="2">
+            <a:schemeClr val="accent1"/>
+          </a:effectRef>
+          <a:fontRef idx="minor">
+            <a:schemeClr val="lt1"/>
+          </a:fontRef>
+        </p:style>
+        <p:txBody>
+          <a:bodyPr vert="horz" wrap="square" lIns="91440" tIns="45720" rIns="91440" bIns="45720" numCol="1" rtlCol="0" anchor="t" anchorCtr="0" compatLnSpc="1">
+            <a:prstTxWarp prst="textNoShape">
+              <a:avLst/>
+            </a:prstTxWarp>
+          </a:bodyPr>
+          <a:lstStyle/>
+          <a:p>
+            <a:pPr algn="ctr" eaLnBrk="0" fontAlgn="base" hangingPunct="0">
+              <a:spcBef>
+                <a:spcPct val="0"/>
+              </a:spcBef>
+              <a:spcAft>
+                <a:spcPct val="0"/>
+              </a:spcAft>
+            </a:pPr>
+            <a:r>
+              <a:rPr lang="en-US" sz="1000" b="1" dirty="0" smtClean="0">
+                <a:solidFill>
+                  <a:schemeClr val="bg1"/>
+                </a:solidFill>
+                <a:latin typeface="Verdana" pitchFamily="34" charset="0"/>
+                <a:ea typeface="MS PGothic" pitchFamily="34" charset="-128"/>
+              </a:rPr>
+              <a:t>Base64UrlEncode</a:t>
+            </a:r>
+          </a:p>
+          <a:p>
+            <a:pPr algn="ctr" eaLnBrk="0" fontAlgn="base" hangingPunct="0">
+              <a:spcBef>
+                <a:spcPct val="0"/>
+              </a:spcBef>
+              <a:spcAft>
+                <a:spcPct val="0"/>
+              </a:spcAft>
+            </a:pPr>
+            <a:r>
+              <a:rPr lang="en-US" sz="1000" b="1" dirty="0" smtClean="0">
+                <a:solidFill>
+                  <a:schemeClr val="bg1"/>
+                </a:solidFill>
+                <a:latin typeface="Verdana" pitchFamily="34" charset="0"/>
+                <a:ea typeface="MS PGothic" pitchFamily="34" charset="-128"/>
+              </a:rPr>
+              <a:t>Payload</a:t>
+            </a:r>
+            <a:endParaRPr lang="en-US" sz="1000" b="1" dirty="0">
+              <a:solidFill>
+                <a:schemeClr val="bg1"/>
+              </a:solidFill>
+              <a:latin typeface="Verdana" pitchFamily="34" charset="0"/>
+              <a:ea typeface="MS PGothic" pitchFamily="34" charset="-128"/>
+            </a:endParaRPr>
+          </a:p>
+        </p:txBody>
+      </p:sp>
+      <p:sp>
+        <p:nvSpPr>
+          <p:cNvPr id="12" name="Rounded Rectangle 11"/>
+          <p:cNvSpPr/>
+          <p:nvPr/>
+        </p:nvSpPr>
+        <p:spPr bwMode="auto">
+          <a:xfrm>
+            <a:off x="3177583" y="3787225"/>
+            <a:ext cx="2391822" cy="809847"/>
+          </a:xfrm>
+          <a:prstGeom prst="roundRect">
+            <a:avLst>
+              <a:gd name="adj" fmla="val 5376"/>
+            </a:avLst>
+          </a:prstGeom>
+          <a:solidFill>
+            <a:srgbClr val="0070C0"/>
+          </a:solidFill>
+          <a:ln>
+            <a:solidFill>
+              <a:schemeClr val="bg1"/>
+            </a:solidFill>
+            <a:headEnd type="none" w="med" len="med"/>
+            <a:tailEnd type="none" w="med" len="med"/>
+          </a:ln>
+        </p:spPr>
+        <p:style>
+          <a:lnRef idx="1">
+            <a:schemeClr val="accent1"/>
+          </a:lnRef>
+          <a:fillRef idx="3">
+            <a:schemeClr val="accent1"/>
+          </a:fillRef>
+          <a:effectRef idx="2">
+            <a:schemeClr val="accent1"/>
+          </a:effectRef>
+          <a:fontRef idx="minor">
+            <a:schemeClr val="lt1"/>
+          </a:fontRef>
+        </p:style>
+        <p:txBody>
+          <a:bodyPr vert="horz" wrap="square" lIns="91440" tIns="45720" rIns="91440" bIns="45720" numCol="1" rtlCol="0" anchor="ctr" anchorCtr="0" compatLnSpc="1">
+            <a:prstTxWarp prst="textNoShape">
+              <a:avLst/>
+            </a:prstTxWarp>
+          </a:bodyPr>
+          <a:lstStyle/>
+          <a:p>
+            <a:pPr marL="0" marR="0" indent="0" algn="ctr" defTabSz="914400" rtl="0" eaLnBrk="0" fontAlgn="base" latinLnBrk="0" hangingPunct="0">
+              <a:lnSpc>
+                <a:spcPct val="100000"/>
+              </a:lnSpc>
+              <a:spcBef>
+                <a:spcPct val="0"/>
+              </a:spcBef>
+              <a:spcAft>
+                <a:spcPct val="0"/>
+              </a:spcAft>
+              <a:buClrTx/>
+              <a:buSzTx/>
+              <a:buFontTx/>
+              <a:buNone/>
+              <a:tabLst/>
+            </a:pPr>
+            <a:r>
+              <a:rPr kumimoji="0" lang="en-US" sz="1000" b="1" i="0" u="none" strike="noStrike" cap="none" normalizeH="0" baseline="0" dirty="0" smtClean="0">
+                <a:ln>
+                  <a:noFill/>
+                </a:ln>
+                <a:solidFill>
+                  <a:schemeClr val="bg1"/>
+                </a:solidFill>
+                <a:effectLst/>
+                <a:ea typeface="MS PGothic" pitchFamily="34" charset="-128"/>
+              </a:rPr>
+              <a:t>Payload</a:t>
+            </a:r>
+          </a:p>
+          <a:p>
+            <a:pPr marL="171450" marR="0" indent="-171450" defTabSz="914400" rtl="0" eaLnBrk="0" fontAlgn="base" latinLnBrk="0" hangingPunct="0">
+              <a:lnSpc>
+                <a:spcPct val="100000"/>
+              </a:lnSpc>
+              <a:spcBef>
+                <a:spcPct val="0"/>
+              </a:spcBef>
+              <a:spcAft>
+                <a:spcPct val="0"/>
+              </a:spcAft>
+              <a:buClrTx/>
+              <a:buSzTx/>
+              <a:buFont typeface="Arial" panose="020B0604020202020204" pitchFamily="34" charset="0"/>
+              <a:buChar char="•"/>
+              <a:tabLst/>
+            </a:pPr>
+            <a:r>
+              <a:rPr kumimoji="0" lang="en-US" sz="800" i="0" u="none" strike="noStrike" cap="none" normalizeH="0" baseline="0" dirty="0" smtClean="0">
+                <a:ln>
+                  <a:noFill/>
+                </a:ln>
+                <a:solidFill>
+                  <a:schemeClr val="bg1"/>
+                </a:solidFill>
+                <a:effectLst/>
+                <a:ea typeface="MS PGothic" pitchFamily="34" charset="-128"/>
+              </a:rPr>
+              <a:t>Reserved Claims (iss</a:t>
+            </a:r>
+            <a:r>
+              <a:rPr lang="en-US" sz="800" dirty="0" smtClean="0">
+                <a:solidFill>
+                  <a:schemeClr val="bg1"/>
+                </a:solidFill>
+                <a:ea typeface="MS PGothic" pitchFamily="34" charset="-128"/>
+              </a:rPr>
+              <a:t>/</a:t>
+            </a:r>
+            <a:r>
+              <a:rPr lang="en-US" sz="800" dirty="0" err="1" smtClean="0">
+                <a:solidFill>
+                  <a:schemeClr val="bg1"/>
+                </a:solidFill>
+                <a:ea typeface="MS PGothic" pitchFamily="34" charset="-128"/>
+              </a:rPr>
+              <a:t>exp</a:t>
+            </a:r>
+            <a:r>
+              <a:rPr lang="en-US" sz="800" dirty="0" smtClean="0">
+                <a:solidFill>
+                  <a:schemeClr val="bg1"/>
+                </a:solidFill>
+                <a:ea typeface="MS PGothic" pitchFamily="34" charset="-128"/>
+              </a:rPr>
+              <a:t>/sub/</a:t>
+            </a:r>
+            <a:r>
+              <a:rPr lang="en-US" sz="800" dirty="0" err="1" smtClean="0">
+                <a:solidFill>
+                  <a:schemeClr val="bg1"/>
+                </a:solidFill>
+                <a:ea typeface="MS PGothic" pitchFamily="34" charset="-128"/>
+              </a:rPr>
+              <a:t>aud</a:t>
+            </a:r>
+            <a:r>
+              <a:rPr lang="en-US" sz="800" dirty="0" smtClean="0">
+                <a:solidFill>
+                  <a:schemeClr val="bg1"/>
+                </a:solidFill>
+                <a:ea typeface="MS PGothic" pitchFamily="34" charset="-128"/>
+              </a:rPr>
+              <a:t> </a:t>
+            </a:r>
+            <a:r>
+              <a:rPr lang="en-US" sz="800" dirty="0" err="1" smtClean="0">
+                <a:solidFill>
+                  <a:schemeClr val="bg1"/>
+                </a:solidFill>
+                <a:ea typeface="MS PGothic" pitchFamily="34" charset="-128"/>
+              </a:rPr>
+              <a:t>etc</a:t>
+            </a:r>
+            <a:r>
+              <a:rPr lang="en-US" sz="800" dirty="0" smtClean="0">
+                <a:solidFill>
+                  <a:schemeClr val="bg1"/>
+                </a:solidFill>
+                <a:ea typeface="MS PGothic" pitchFamily="34" charset="-128"/>
+              </a:rPr>
+              <a:t>)</a:t>
+            </a:r>
+            <a:endParaRPr kumimoji="0" lang="en-US" sz="800" i="0" u="none" strike="noStrike" cap="none" normalizeH="0" baseline="0" dirty="0" smtClean="0">
+              <a:ln>
+                <a:noFill/>
+              </a:ln>
+              <a:solidFill>
+                <a:schemeClr val="bg1"/>
+              </a:solidFill>
+              <a:effectLst/>
+              <a:ea typeface="MS PGothic" pitchFamily="34" charset="-128"/>
+            </a:endParaRPr>
+          </a:p>
+          <a:p>
+            <a:pPr marL="171450" marR="0" indent="-171450" defTabSz="914400" rtl="0" eaLnBrk="0" fontAlgn="base" latinLnBrk="0" hangingPunct="0">
+              <a:lnSpc>
+                <a:spcPct val="100000"/>
+              </a:lnSpc>
+              <a:spcBef>
+                <a:spcPct val="0"/>
+              </a:spcBef>
+              <a:spcAft>
+                <a:spcPct val="0"/>
+              </a:spcAft>
+              <a:buClrTx/>
+              <a:buSzTx/>
+              <a:buFont typeface="Arial" panose="020B0604020202020204" pitchFamily="34" charset="0"/>
+              <a:buChar char="•"/>
+              <a:tabLst/>
+            </a:pPr>
+            <a:r>
+              <a:rPr lang="en-US" sz="800" dirty="0" smtClean="0">
+                <a:solidFill>
+                  <a:schemeClr val="bg1"/>
+                </a:solidFill>
+                <a:ea typeface="MS PGothic" pitchFamily="34" charset="-128"/>
+              </a:rPr>
+              <a:t>Public Claims</a:t>
+            </a:r>
+          </a:p>
+          <a:p>
+            <a:pPr marL="171450" marR="0" indent="-171450" defTabSz="914400" rtl="0" eaLnBrk="0" fontAlgn="base" latinLnBrk="0" hangingPunct="0">
+              <a:lnSpc>
+                <a:spcPct val="100000"/>
+              </a:lnSpc>
+              <a:spcBef>
+                <a:spcPct val="0"/>
+              </a:spcBef>
+              <a:spcAft>
+                <a:spcPct val="0"/>
+              </a:spcAft>
+              <a:buClrTx/>
+              <a:buSzTx/>
+              <a:buFont typeface="Arial" panose="020B0604020202020204" pitchFamily="34" charset="0"/>
+              <a:buChar char="•"/>
+              <a:tabLst/>
+            </a:pPr>
+            <a:r>
+              <a:rPr kumimoji="0" lang="en-US" sz="800" i="0" u="none" strike="noStrike" cap="none" normalizeH="0" baseline="0" dirty="0" smtClean="0">
+                <a:ln>
+                  <a:noFill/>
+                </a:ln>
+                <a:solidFill>
+                  <a:schemeClr val="bg1"/>
+                </a:solidFill>
+                <a:effectLst/>
+                <a:ea typeface="MS PGothic" pitchFamily="34" charset="-128"/>
+              </a:rPr>
+              <a:t>Private Claims</a:t>
+            </a:r>
+          </a:p>
+        </p:txBody>
+      </p:sp>
+      <p:sp>
+        <p:nvSpPr>
+          <p:cNvPr id="14" name="Rounded Rectangle 13"/>
+          <p:cNvSpPr/>
+          <p:nvPr/>
+        </p:nvSpPr>
+        <p:spPr bwMode="auto">
+          <a:xfrm>
+            <a:off x="6313408" y="3230880"/>
+            <a:ext cx="2365772" cy="1661160"/>
+          </a:xfrm>
+          <a:prstGeom prst="roundRect">
+            <a:avLst>
+              <a:gd name="adj" fmla="val 3948"/>
+            </a:avLst>
+          </a:prstGeom>
+          <a:solidFill>
+            <a:srgbClr val="002060"/>
+          </a:solidFill>
+          <a:ln>
+            <a:solidFill>
+              <a:schemeClr val="bg1"/>
+            </a:solidFill>
+            <a:headEnd type="none" w="med" len="med"/>
+            <a:tailEnd type="none" w="med" len="med"/>
+          </a:ln>
+        </p:spPr>
+        <p:style>
+          <a:lnRef idx="1">
+            <a:schemeClr val="accent1"/>
+          </a:lnRef>
+          <a:fillRef idx="3">
+            <a:schemeClr val="accent1"/>
+          </a:fillRef>
+          <a:effectRef idx="2">
+            <a:schemeClr val="accent1"/>
+          </a:effectRef>
+          <a:fontRef idx="minor">
+            <a:schemeClr val="lt1"/>
+          </a:fontRef>
+        </p:style>
+        <p:txBody>
+          <a:bodyPr vert="horz" wrap="square" lIns="91440" tIns="45720" rIns="91440" bIns="45720" numCol="1" rtlCol="0" anchor="t" anchorCtr="0" compatLnSpc="1">
+            <a:prstTxWarp prst="textNoShape">
+              <a:avLst/>
+            </a:prstTxWarp>
+          </a:bodyPr>
+          <a:lstStyle/>
+          <a:p>
+            <a:pPr algn="ctr" eaLnBrk="0" fontAlgn="base" hangingPunct="0">
+              <a:spcBef>
+                <a:spcPct val="0"/>
+              </a:spcBef>
+              <a:spcAft>
+                <a:spcPct val="0"/>
+              </a:spcAft>
+            </a:pPr>
+            <a:r>
+              <a:rPr lang="en-US" sz="1000" b="1" dirty="0" smtClean="0">
+                <a:solidFill>
+                  <a:schemeClr val="bg1"/>
+                </a:solidFill>
+                <a:latin typeface="Verdana" pitchFamily="34" charset="0"/>
+                <a:ea typeface="MS PGothic" pitchFamily="34" charset="-128"/>
+              </a:rPr>
+              <a:t>Signature</a:t>
+            </a:r>
+            <a:endParaRPr lang="en-US" sz="1000" b="1" dirty="0">
+              <a:solidFill>
+                <a:schemeClr val="bg1"/>
+              </a:solidFill>
+              <a:latin typeface="Verdana" pitchFamily="34" charset="0"/>
+              <a:ea typeface="MS PGothic" pitchFamily="34" charset="-128"/>
+            </a:endParaRPr>
+          </a:p>
+        </p:txBody>
+      </p:sp>
+      <p:sp>
+        <p:nvSpPr>
+          <p:cNvPr id="16" name="Rounded Rectangle 15"/>
+          <p:cNvSpPr/>
+          <p:nvPr/>
+        </p:nvSpPr>
+        <p:spPr bwMode="auto">
+          <a:xfrm>
+            <a:off x="6468686" y="3515567"/>
+            <a:ext cx="2073333" cy="469693"/>
+          </a:xfrm>
+          <a:prstGeom prst="roundRect">
+            <a:avLst>
+              <a:gd name="adj" fmla="val 5376"/>
+            </a:avLst>
+          </a:prstGeom>
+          <a:solidFill>
+            <a:srgbClr val="0070C0"/>
+          </a:solidFill>
+          <a:ln>
+            <a:solidFill>
+              <a:schemeClr val="bg1"/>
+            </a:solidFill>
+            <a:headEnd type="none" w="med" len="med"/>
+            <a:tailEnd type="none" w="med" len="med"/>
+          </a:ln>
+        </p:spPr>
+        <p:style>
+          <a:lnRef idx="1">
+            <a:schemeClr val="accent1"/>
+          </a:lnRef>
+          <a:fillRef idx="3">
+            <a:schemeClr val="accent1"/>
+          </a:fillRef>
+          <a:effectRef idx="2">
+            <a:schemeClr val="accent1"/>
+          </a:effectRef>
+          <a:fontRef idx="minor">
+            <a:schemeClr val="lt1"/>
+          </a:fontRef>
+        </p:style>
+        <p:txBody>
+          <a:bodyPr vert="horz" wrap="square" lIns="91440" tIns="45720" rIns="91440" bIns="45720" numCol="1" rtlCol="0" anchor="ctr" anchorCtr="0" compatLnSpc="1">
+            <a:prstTxWarp prst="textNoShape">
+              <a:avLst/>
+            </a:prstTxWarp>
+          </a:bodyPr>
+          <a:lstStyle/>
+          <a:p>
+            <a:pPr eaLnBrk="0" fontAlgn="base" hangingPunct="0">
+              <a:spcBef>
+                <a:spcPct val="0"/>
+              </a:spcBef>
+              <a:spcAft>
+                <a:spcPct val="0"/>
+              </a:spcAft>
+            </a:pPr>
+            <a:r>
+              <a:rPr lang="en-US" sz="800" dirty="0" smtClean="0"/>
+              <a:t>HMACSHA256 (</a:t>
+            </a:r>
+          </a:p>
+          <a:p>
+            <a:pPr eaLnBrk="0" fontAlgn="base" hangingPunct="0">
+              <a:spcBef>
+                <a:spcPct val="0"/>
+              </a:spcBef>
+              <a:spcAft>
+                <a:spcPct val="0"/>
+              </a:spcAft>
+            </a:pPr>
+            <a:r>
+              <a:rPr lang="en-US" sz="800" dirty="0" smtClean="0"/>
+              <a:t>base64UrlEncode(</a:t>
+            </a:r>
+            <a:r>
+              <a:rPr lang="en-US" sz="800" b="1" dirty="0" smtClean="0"/>
+              <a:t>Header</a:t>
+            </a:r>
+            <a:r>
+              <a:rPr lang="en-US" sz="800" dirty="0"/>
+              <a:t>) + "." </a:t>
+            </a:r>
+            <a:r>
+              <a:rPr lang="en-US" sz="800" dirty="0" smtClean="0"/>
+              <a:t>+ base64UrlEncode(</a:t>
+            </a:r>
+            <a:r>
+              <a:rPr lang="en-US" sz="800" b="1" dirty="0" smtClean="0"/>
+              <a:t>Payload</a:t>
+            </a:r>
+            <a:r>
+              <a:rPr lang="en-US" sz="800" dirty="0"/>
+              <a:t>), </a:t>
+            </a:r>
+            <a:r>
+              <a:rPr lang="en-US" sz="800" dirty="0" smtClean="0"/>
+              <a:t>secret)</a:t>
+            </a:r>
+            <a:endParaRPr kumimoji="0" lang="en-US" sz="800" i="0" u="none" strike="noStrike" cap="none" normalizeH="0" baseline="0" dirty="0" smtClean="0">
+              <a:ln>
+                <a:noFill/>
+              </a:ln>
+              <a:solidFill>
+                <a:schemeClr val="bg1"/>
+              </a:solidFill>
+              <a:effectLst/>
+              <a:ea typeface="MS PGothic" pitchFamily="34" charset="-128"/>
+            </a:endParaRPr>
+          </a:p>
+        </p:txBody>
+      </p:sp>
+      <p:sp>
+        <p:nvSpPr>
+          <p:cNvPr id="17" name="Rounded Rectangle 16"/>
+          <p:cNvSpPr/>
+          <p:nvPr/>
+        </p:nvSpPr>
+        <p:spPr bwMode="auto">
+          <a:xfrm>
+            <a:off x="6468686" y="4179345"/>
+            <a:ext cx="2073333" cy="613635"/>
+          </a:xfrm>
+          <a:prstGeom prst="roundRect">
+            <a:avLst>
+              <a:gd name="adj" fmla="val 5376"/>
+            </a:avLst>
+          </a:prstGeom>
+          <a:solidFill>
+            <a:srgbClr val="0070C0"/>
+          </a:solidFill>
+          <a:ln>
+            <a:solidFill>
+              <a:schemeClr val="bg1"/>
+            </a:solidFill>
+            <a:headEnd type="none" w="med" len="med"/>
+            <a:tailEnd type="none" w="med" len="med"/>
+          </a:ln>
+        </p:spPr>
+        <p:style>
+          <a:lnRef idx="1">
+            <a:schemeClr val="accent1"/>
+          </a:lnRef>
+          <a:fillRef idx="3">
+            <a:schemeClr val="accent1"/>
+          </a:fillRef>
+          <a:effectRef idx="2">
+            <a:schemeClr val="accent1"/>
+          </a:effectRef>
+          <a:fontRef idx="minor">
+            <a:schemeClr val="lt1"/>
+          </a:fontRef>
+        </p:style>
+        <p:txBody>
+          <a:bodyPr vert="horz" wrap="square" lIns="91440" tIns="45720" rIns="91440" bIns="45720" numCol="1" rtlCol="0" anchor="ctr" anchorCtr="0" compatLnSpc="1">
+            <a:prstTxWarp prst="textNoShape">
+              <a:avLst/>
+            </a:prstTxWarp>
+          </a:bodyPr>
+          <a:lstStyle/>
+          <a:p>
+            <a:pPr eaLnBrk="0" fontAlgn="base" hangingPunct="0">
+              <a:spcBef>
+                <a:spcPct val="0"/>
+              </a:spcBef>
+              <a:spcAft>
+                <a:spcPct val="0"/>
+              </a:spcAft>
+            </a:pPr>
+            <a:r>
+              <a:rPr lang="en-US" sz="800" dirty="0" smtClean="0"/>
+              <a:t>RSASHA256(</a:t>
+            </a:r>
+          </a:p>
+          <a:p>
+            <a:pPr eaLnBrk="0" fontAlgn="base" hangingPunct="0">
+              <a:spcBef>
+                <a:spcPct val="0"/>
+              </a:spcBef>
+              <a:spcAft>
+                <a:spcPct val="0"/>
+              </a:spcAft>
+            </a:pPr>
+            <a:r>
+              <a:rPr lang="en-US" sz="800" dirty="0" smtClean="0"/>
+              <a:t>base64UrlEncode(</a:t>
+            </a:r>
+            <a:r>
+              <a:rPr lang="en-US" sz="800" b="1" dirty="0" smtClean="0"/>
+              <a:t>Header</a:t>
+            </a:r>
+            <a:r>
+              <a:rPr lang="en-US" sz="800" dirty="0"/>
+              <a:t>) + "." </a:t>
+            </a:r>
+            <a:r>
+              <a:rPr lang="en-US" sz="800" dirty="0" smtClean="0"/>
+              <a:t>+ base64UrlEncode(</a:t>
+            </a:r>
+            <a:r>
+              <a:rPr lang="en-US" sz="800" b="1" dirty="0" smtClean="0"/>
+              <a:t>Payload</a:t>
+            </a:r>
+            <a:r>
+              <a:rPr lang="en-US" sz="800" dirty="0"/>
+              <a:t>), </a:t>
+            </a:r>
+            <a:endParaRPr lang="en-US" sz="800" dirty="0" smtClean="0"/>
+          </a:p>
+          <a:p>
+            <a:pPr eaLnBrk="0" fontAlgn="base" hangingPunct="0">
+              <a:spcBef>
+                <a:spcPct val="0"/>
+              </a:spcBef>
+              <a:spcAft>
+                <a:spcPct val="0"/>
+              </a:spcAft>
+            </a:pPr>
+            <a:r>
+              <a:rPr lang="en-US" sz="800" dirty="0" smtClean="0"/>
+              <a:t>RSA Public Key , RSA Private Key)</a:t>
+            </a:r>
+            <a:endParaRPr kumimoji="0" lang="en-US" sz="800" i="0" u="none" strike="noStrike" cap="none" normalizeH="0" baseline="0" dirty="0" smtClean="0">
+              <a:ln>
+                <a:noFill/>
+              </a:ln>
+              <a:solidFill>
+                <a:schemeClr val="bg1"/>
+              </a:solidFill>
+              <a:effectLst/>
+              <a:ea typeface="MS PGothic" pitchFamily="34" charset="-128"/>
+            </a:endParaRPr>
+          </a:p>
+        </p:txBody>
+      </p:sp>
+      <p:sp>
+        <p:nvSpPr>
+          <p:cNvPr id="18" name="TextBox 17"/>
+          <p:cNvSpPr txBox="1"/>
+          <p:nvPr/>
+        </p:nvSpPr>
+        <p:spPr>
+          <a:xfrm>
+            <a:off x="7284720" y="3978788"/>
+            <a:ext cx="351378" cy="215444"/>
+          </a:xfrm>
+          <a:prstGeom prst="rect">
+            <a:avLst/>
+          </a:prstGeom>
+          <a:noFill/>
+        </p:spPr>
+        <p:txBody>
+          <a:bodyPr wrap="none" rtlCol="0">
+            <a:spAutoFit/>
+          </a:bodyPr>
+          <a:lstStyle/>
+          <a:p>
+            <a:r>
+              <a:rPr lang="en-US" sz="800" b="1" dirty="0" smtClean="0">
+                <a:solidFill>
+                  <a:schemeClr val="bg1"/>
+                </a:solidFill>
+              </a:rPr>
+              <a:t>OR</a:t>
+            </a:r>
+            <a:endParaRPr lang="en-US" sz="800" b="1" dirty="0">
+              <a:solidFill>
+                <a:schemeClr val="bg1"/>
+              </a:solidFill>
+            </a:endParaRPr>
+          </a:p>
+        </p:txBody>
+      </p:sp>
+      <p:sp>
+        <p:nvSpPr>
+          <p:cNvPr id="19" name="TextBox 18"/>
+          <p:cNvSpPr txBox="1"/>
+          <p:nvPr/>
+        </p:nvSpPr>
+        <p:spPr>
+          <a:xfrm>
+            <a:off x="5882640" y="3492781"/>
+            <a:ext cx="309700" cy="646331"/>
+          </a:xfrm>
+          <a:prstGeom prst="rect">
+            <a:avLst/>
+          </a:prstGeom>
+          <a:noFill/>
+        </p:spPr>
+        <p:txBody>
+          <a:bodyPr wrap="none" rtlCol="0">
+            <a:spAutoFit/>
+          </a:bodyPr>
+          <a:lstStyle/>
+          <a:p>
+            <a:r>
+              <a:rPr lang="en-US" sz="3600" dirty="0">
+                <a:latin typeface="Georgia" panose="02040502050405020303" pitchFamily="18" charset="0"/>
+              </a:rPr>
+              <a:t>.</a:t>
+            </a:r>
+          </a:p>
+        </p:txBody>
+      </p:sp>
+      <p:sp>
+        <p:nvSpPr>
+          <p:cNvPr id="20" name="TextBox 19"/>
+          <p:cNvSpPr txBox="1"/>
+          <p:nvPr/>
+        </p:nvSpPr>
+        <p:spPr>
+          <a:xfrm>
+            <a:off x="2567940" y="3492781"/>
+            <a:ext cx="309700" cy="646331"/>
+          </a:xfrm>
+          <a:prstGeom prst="rect">
+            <a:avLst/>
+          </a:prstGeom>
+          <a:noFill/>
+        </p:spPr>
+        <p:txBody>
+          <a:bodyPr wrap="none" rtlCol="0">
+            <a:spAutoFit/>
+          </a:bodyPr>
+          <a:lstStyle/>
+          <a:p>
+            <a:r>
+              <a:rPr lang="en-US" sz="3600" dirty="0" smtClean="0">
+                <a:latin typeface="Georgia" panose="02040502050405020303" pitchFamily="18" charset="0"/>
+              </a:rPr>
+              <a:t>.</a:t>
+            </a:r>
+            <a:endParaRPr lang="en-US" dirty="0">
+              <a:latin typeface="Georgia" panose="02040502050405020303" pitchFamily="18" charset="0"/>
+            </a:endParaRPr>
+          </a:p>
+        </p:txBody>
+      </p:sp>
+      <p:sp>
+        <p:nvSpPr>
+          <p:cNvPr id="21" name="TextBox 20"/>
+          <p:cNvSpPr txBox="1"/>
+          <p:nvPr/>
+        </p:nvSpPr>
+        <p:spPr>
+          <a:xfrm>
+            <a:off x="430530" y="5212080"/>
+            <a:ext cx="8614410" cy="507831"/>
+          </a:xfrm>
+          <a:prstGeom prst="rect">
+            <a:avLst/>
+          </a:prstGeom>
+          <a:noFill/>
+        </p:spPr>
+        <p:txBody>
+          <a:bodyPr wrap="square" rtlCol="0">
+            <a:spAutoFit/>
+          </a:bodyPr>
+          <a:lstStyle/>
+          <a:p>
+            <a:r>
+              <a:rPr lang="en-US" sz="900" b="1" dirty="0" smtClean="0">
+                <a:solidFill>
+                  <a:srgbClr val="002060"/>
+                </a:solidFill>
+                <a:latin typeface="Georgia" panose="02040502050405020303" pitchFamily="18" charset="0"/>
+              </a:rPr>
+              <a:t>Example : </a:t>
+            </a:r>
+            <a:r>
+              <a:rPr lang="en-US" sz="900" dirty="0" smtClean="0">
+                <a:solidFill>
+                  <a:srgbClr val="00B0F0"/>
+                </a:solidFill>
+                <a:latin typeface="Georgia" panose="02040502050405020303" pitchFamily="18" charset="0"/>
+                <a:ea typeface="Verdana" panose="020B0604030504040204" pitchFamily="34" charset="0"/>
+                <a:cs typeface="Verdana" panose="020B0604030504040204" pitchFamily="34" charset="0"/>
+              </a:rPr>
+              <a:t>eyJhbGciOiJIUzI1NiIsInR5cCI6IkpXVCJ9</a:t>
+            </a:r>
+            <a:r>
+              <a:rPr lang="en-US" sz="900" dirty="0" smtClean="0">
+                <a:solidFill>
+                  <a:srgbClr val="C00000"/>
+                </a:solidFill>
+                <a:latin typeface="Georgia" panose="02040502050405020303" pitchFamily="18" charset="0"/>
+                <a:ea typeface="Verdana" panose="020B0604030504040204" pitchFamily="34" charset="0"/>
+                <a:cs typeface="Verdana" panose="020B0604030504040204" pitchFamily="34" charset="0"/>
+              </a:rPr>
+              <a:t>.</a:t>
+            </a:r>
+            <a:r>
+              <a:rPr lang="en-US" sz="900" dirty="0" smtClean="0">
+                <a:solidFill>
+                  <a:srgbClr val="00B050"/>
+                </a:solidFill>
+                <a:latin typeface="Georgia" panose="02040502050405020303" pitchFamily="18" charset="0"/>
+                <a:ea typeface="Verdana" panose="020B0604030504040204" pitchFamily="34" charset="0"/>
+                <a:cs typeface="Verdana" panose="020B0604030504040204" pitchFamily="34" charset="0"/>
+              </a:rPr>
+              <a:t>eyJzdWIiOiIxMjM0NTY3ODkwIiwibmFtZSI6IkpvaG4gRG9lIiwiYWRtaW4iOnRydWV9</a:t>
+            </a:r>
+            <a:r>
+              <a:rPr lang="en-US" sz="900" dirty="0" smtClean="0">
+                <a:solidFill>
+                  <a:srgbClr val="C00000"/>
+                </a:solidFill>
+                <a:latin typeface="Georgia" panose="02040502050405020303" pitchFamily="18" charset="0"/>
+                <a:ea typeface="Verdana" panose="020B0604030504040204" pitchFamily="34" charset="0"/>
+                <a:cs typeface="Verdana" panose="020B0604030504040204" pitchFamily="34" charset="0"/>
+              </a:rPr>
+              <a:t>.</a:t>
+            </a:r>
+            <a:r>
+              <a:rPr lang="en-US" sz="900" dirty="0" smtClean="0">
+                <a:solidFill>
+                  <a:srgbClr val="0070C0"/>
+                </a:solidFill>
+                <a:latin typeface="Georgia" panose="02040502050405020303" pitchFamily="18" charset="0"/>
+                <a:ea typeface="Verdana" panose="020B0604030504040204" pitchFamily="34" charset="0"/>
+                <a:cs typeface="Verdana" panose="020B0604030504040204" pitchFamily="34" charset="0"/>
+              </a:rPr>
+              <a:t>TJVA95OrM7E2cBab30RMHrHDcEfxjoYZgeFONFh7HgQ </a:t>
+            </a:r>
+            <a:endParaRPr lang="en-US" sz="900" dirty="0">
+              <a:solidFill>
+                <a:srgbClr val="0070C0"/>
+              </a:solidFill>
+              <a:latin typeface="Georgia" panose="02040502050405020303" pitchFamily="18" charset="0"/>
+              <a:ea typeface="Verdana" panose="020B0604030504040204" pitchFamily="34" charset="0"/>
+              <a:cs typeface="Verdana" panose="020B0604030504040204" pitchFamily="34" charset="0"/>
+            </a:endParaRPr>
+          </a:p>
+        </p:txBody>
+      </p:sp>
+      <p:sp>
+        <p:nvSpPr>
+          <p:cNvPr id="23" name="Rounded Rectangle 22"/>
+          <p:cNvSpPr/>
+          <p:nvPr/>
+        </p:nvSpPr>
+        <p:spPr bwMode="auto">
+          <a:xfrm>
+            <a:off x="556260" y="5735299"/>
+            <a:ext cx="2499360" cy="831461"/>
+          </a:xfrm>
+          <a:prstGeom prst="roundRect">
+            <a:avLst>
+              <a:gd name="adj" fmla="val 6586"/>
+            </a:avLst>
+          </a:prstGeom>
+          <a:solidFill>
+            <a:schemeClr val="bg1"/>
+          </a:solidFill>
+          <a:ln w="9525" cap="flat" cmpd="sng" algn="ctr">
+            <a:solidFill>
+              <a:schemeClr val="bg1"/>
+            </a:solidFill>
+            <a:prstDash val="sysDash"/>
+            <a:round/>
+            <a:headEnd type="none" w="med" len="med"/>
+            <a:tailEnd type="none" w="med" len="med"/>
+          </a:ln>
+          <a:effectLst/>
+        </p:spPr>
+        <p:txBody>
+          <a:bodyPr vert="horz" wrap="square" lIns="91440" tIns="45720" rIns="91440" bIns="45720" numCol="1" rtlCol="0" anchor="t" anchorCtr="0" compatLnSpc="1">
+            <a:prstTxWarp prst="textNoShape">
+              <a:avLst/>
+            </a:prstTxWarp>
+          </a:bodyPr>
+          <a:lstStyle/>
+          <a:p>
+            <a:pPr eaLnBrk="0" fontAlgn="base" hangingPunct="0">
+              <a:spcBef>
+                <a:spcPct val="0"/>
+              </a:spcBef>
+              <a:spcAft>
+                <a:spcPct val="0"/>
+              </a:spcAft>
+            </a:pPr>
+            <a:r>
+              <a:rPr lang="en-US" sz="900" b="1" dirty="0" smtClean="0">
+                <a:solidFill>
+                  <a:srgbClr val="002060"/>
+                </a:solidFill>
+                <a:latin typeface="Georgia" panose="02040502050405020303" pitchFamily="18" charset="0"/>
+                <a:ea typeface="MS PGothic" pitchFamily="34" charset="-128"/>
+              </a:rPr>
+              <a:t>Header : Algorithm &amp; Token Type</a:t>
+            </a:r>
+          </a:p>
+          <a:p>
+            <a:pPr eaLnBrk="0" fontAlgn="base" hangingPunct="0">
+              <a:spcBef>
+                <a:spcPct val="0"/>
+              </a:spcBef>
+              <a:spcAft>
+                <a:spcPct val="0"/>
+              </a:spcAft>
+            </a:pPr>
+            <a:r>
+              <a:rPr lang="en-US" sz="900" dirty="0" smtClean="0">
+                <a:solidFill>
+                  <a:srgbClr val="00B0F0"/>
+                </a:solidFill>
+                <a:ea typeface="MS PGothic" pitchFamily="34" charset="-128"/>
+              </a:rPr>
+              <a:t>{</a:t>
+            </a:r>
+            <a:endParaRPr lang="en-US" sz="900" dirty="0">
+              <a:solidFill>
+                <a:srgbClr val="00B0F0"/>
+              </a:solidFill>
+              <a:ea typeface="MS PGothic" pitchFamily="34" charset="-128"/>
+            </a:endParaRPr>
+          </a:p>
+          <a:p>
+            <a:pPr eaLnBrk="0" fontAlgn="base" hangingPunct="0">
+              <a:spcBef>
+                <a:spcPct val="0"/>
+              </a:spcBef>
+              <a:spcAft>
+                <a:spcPct val="0"/>
+              </a:spcAft>
+            </a:pPr>
+            <a:r>
+              <a:rPr lang="en-US" sz="900" dirty="0">
+                <a:solidFill>
+                  <a:srgbClr val="00B0F0"/>
+                </a:solidFill>
+                <a:ea typeface="MS PGothic" pitchFamily="34" charset="-128"/>
+              </a:rPr>
+              <a:t>  "</a:t>
+            </a:r>
+            <a:r>
+              <a:rPr lang="en-US" sz="900" dirty="0" err="1">
+                <a:solidFill>
+                  <a:srgbClr val="00B0F0"/>
+                </a:solidFill>
+                <a:ea typeface="MS PGothic" pitchFamily="34" charset="-128"/>
+              </a:rPr>
+              <a:t>alg</a:t>
+            </a:r>
+            <a:r>
+              <a:rPr lang="en-US" sz="900" dirty="0">
+                <a:solidFill>
+                  <a:srgbClr val="00B0F0"/>
+                </a:solidFill>
+                <a:ea typeface="MS PGothic" pitchFamily="34" charset="-128"/>
+              </a:rPr>
+              <a:t>": "HS256",</a:t>
+            </a:r>
+          </a:p>
+          <a:p>
+            <a:pPr eaLnBrk="0" fontAlgn="base" hangingPunct="0">
+              <a:spcBef>
+                <a:spcPct val="0"/>
+              </a:spcBef>
+              <a:spcAft>
+                <a:spcPct val="0"/>
+              </a:spcAft>
+            </a:pPr>
+            <a:r>
+              <a:rPr lang="en-US" sz="900" dirty="0">
+                <a:solidFill>
+                  <a:srgbClr val="00B0F0"/>
+                </a:solidFill>
+                <a:ea typeface="MS PGothic" pitchFamily="34" charset="-128"/>
+              </a:rPr>
+              <a:t>  "</a:t>
+            </a:r>
+            <a:r>
+              <a:rPr lang="en-US" sz="900" dirty="0" err="1">
+                <a:solidFill>
+                  <a:srgbClr val="00B0F0"/>
+                </a:solidFill>
+                <a:ea typeface="MS PGothic" pitchFamily="34" charset="-128"/>
+              </a:rPr>
+              <a:t>typ</a:t>
+            </a:r>
+            <a:r>
+              <a:rPr lang="en-US" sz="900" dirty="0">
+                <a:solidFill>
+                  <a:srgbClr val="00B0F0"/>
+                </a:solidFill>
+                <a:ea typeface="MS PGothic" pitchFamily="34" charset="-128"/>
+              </a:rPr>
+              <a:t>": "JWT"</a:t>
+            </a:r>
+          </a:p>
+          <a:p>
+            <a:pPr eaLnBrk="0" fontAlgn="base" hangingPunct="0">
+              <a:spcBef>
+                <a:spcPct val="0"/>
+              </a:spcBef>
+              <a:spcAft>
+                <a:spcPct val="0"/>
+              </a:spcAft>
+            </a:pPr>
+            <a:r>
+              <a:rPr lang="en-US" sz="900" dirty="0">
+                <a:solidFill>
+                  <a:srgbClr val="00B0F0"/>
+                </a:solidFill>
+                <a:ea typeface="MS PGothic" pitchFamily="34" charset="-128"/>
+              </a:rPr>
+              <a:t>}</a:t>
+            </a:r>
+            <a:endParaRPr kumimoji="0" lang="en-US" sz="900" b="0" i="0" u="none" strike="noStrike" cap="none" normalizeH="0" baseline="0" dirty="0" smtClean="0">
+              <a:ln>
+                <a:noFill/>
+              </a:ln>
+              <a:solidFill>
+                <a:srgbClr val="00B0F0"/>
+              </a:solidFill>
+              <a:effectLst/>
+              <a:ea typeface="MS PGothic" pitchFamily="34" charset="-128"/>
+            </a:endParaRPr>
+          </a:p>
+        </p:txBody>
+      </p:sp>
+      <p:sp>
+        <p:nvSpPr>
+          <p:cNvPr id="25" name="Rounded Rectangle 24"/>
+          <p:cNvSpPr/>
+          <p:nvPr/>
+        </p:nvSpPr>
+        <p:spPr bwMode="auto">
+          <a:xfrm>
+            <a:off x="3413760" y="5735298"/>
+            <a:ext cx="1968410" cy="831461"/>
+          </a:xfrm>
+          <a:prstGeom prst="roundRect">
+            <a:avLst>
+              <a:gd name="adj" fmla="val 6586"/>
+            </a:avLst>
+          </a:prstGeom>
+          <a:solidFill>
+            <a:schemeClr val="bg1"/>
+          </a:solidFill>
+          <a:ln w="9525" cap="flat" cmpd="sng" algn="ctr">
+            <a:solidFill>
+              <a:schemeClr val="bg1"/>
+            </a:solidFill>
+            <a:prstDash val="sysDash"/>
+            <a:round/>
+            <a:headEnd type="none" w="med" len="med"/>
+            <a:tailEnd type="none" w="med" len="med"/>
+          </a:ln>
+          <a:effectLst/>
+        </p:spPr>
+        <p:txBody>
+          <a:bodyPr vert="horz" wrap="square" lIns="91440" tIns="45720" rIns="91440" bIns="45720" numCol="1" rtlCol="0" anchor="t" anchorCtr="0" compatLnSpc="1">
+            <a:prstTxWarp prst="textNoShape">
+              <a:avLst/>
+            </a:prstTxWarp>
+          </a:bodyPr>
+          <a:lstStyle/>
+          <a:p>
+            <a:pPr eaLnBrk="0" fontAlgn="base" hangingPunct="0">
+              <a:spcBef>
+                <a:spcPct val="0"/>
+              </a:spcBef>
+              <a:spcAft>
+                <a:spcPct val="0"/>
+              </a:spcAft>
+            </a:pPr>
+            <a:r>
+              <a:rPr lang="en-US" sz="900" b="1" dirty="0" smtClean="0">
+                <a:solidFill>
+                  <a:srgbClr val="002060"/>
+                </a:solidFill>
+                <a:latin typeface="+mj-lt"/>
+                <a:ea typeface="MS PGothic" pitchFamily="34" charset="-128"/>
+              </a:rPr>
+              <a:t>Payload : Claims</a:t>
+            </a:r>
+          </a:p>
+          <a:p>
+            <a:pPr eaLnBrk="0" fontAlgn="base" hangingPunct="0">
+              <a:spcBef>
+                <a:spcPct val="0"/>
+              </a:spcBef>
+              <a:spcAft>
+                <a:spcPct val="0"/>
+              </a:spcAft>
+            </a:pPr>
+            <a:r>
+              <a:rPr lang="en-US" sz="900" dirty="0">
+                <a:solidFill>
+                  <a:srgbClr val="00B050"/>
+                </a:solidFill>
+                <a:ea typeface="MS PGothic" pitchFamily="34" charset="-128"/>
+              </a:rPr>
+              <a:t>{</a:t>
+            </a:r>
+          </a:p>
+          <a:p>
+            <a:pPr eaLnBrk="0" fontAlgn="base" hangingPunct="0">
+              <a:spcBef>
+                <a:spcPct val="0"/>
+              </a:spcBef>
+              <a:spcAft>
+                <a:spcPct val="0"/>
+              </a:spcAft>
+            </a:pPr>
+            <a:r>
+              <a:rPr lang="en-US" sz="900" dirty="0">
+                <a:solidFill>
+                  <a:srgbClr val="00B050"/>
+                </a:solidFill>
+                <a:ea typeface="MS PGothic" pitchFamily="34" charset="-128"/>
+              </a:rPr>
+              <a:t>  "sub": "1234567890",</a:t>
+            </a:r>
+          </a:p>
+          <a:p>
+            <a:pPr eaLnBrk="0" fontAlgn="base" hangingPunct="0">
+              <a:spcBef>
+                <a:spcPct val="0"/>
+              </a:spcBef>
+              <a:spcAft>
+                <a:spcPct val="0"/>
+              </a:spcAft>
+            </a:pPr>
+            <a:r>
+              <a:rPr lang="en-US" sz="900" dirty="0">
+                <a:solidFill>
+                  <a:srgbClr val="00B050"/>
+                </a:solidFill>
+                <a:ea typeface="MS PGothic" pitchFamily="34" charset="-128"/>
+              </a:rPr>
+              <a:t>  "name": "John Doe",</a:t>
+            </a:r>
+          </a:p>
+          <a:p>
+            <a:pPr eaLnBrk="0" fontAlgn="base" hangingPunct="0">
+              <a:spcBef>
+                <a:spcPct val="0"/>
+              </a:spcBef>
+              <a:spcAft>
+                <a:spcPct val="0"/>
+              </a:spcAft>
+            </a:pPr>
+            <a:r>
+              <a:rPr lang="en-US" sz="900" dirty="0">
+                <a:solidFill>
+                  <a:srgbClr val="00B050"/>
+                </a:solidFill>
+                <a:ea typeface="MS PGothic" pitchFamily="34" charset="-128"/>
+              </a:rPr>
+              <a:t>  "admin": true</a:t>
+            </a:r>
+          </a:p>
+          <a:p>
+            <a:pPr eaLnBrk="0" fontAlgn="base" hangingPunct="0">
+              <a:spcBef>
+                <a:spcPct val="0"/>
+              </a:spcBef>
+              <a:spcAft>
+                <a:spcPct val="0"/>
+              </a:spcAft>
+            </a:pPr>
+            <a:r>
+              <a:rPr lang="en-US" sz="900" dirty="0">
+                <a:solidFill>
+                  <a:srgbClr val="00B050"/>
+                </a:solidFill>
+                <a:ea typeface="MS PGothic" pitchFamily="34" charset="-128"/>
+              </a:rPr>
+              <a:t>}</a:t>
+            </a:r>
+            <a:endParaRPr kumimoji="0" lang="en-US" sz="900" b="0" i="0" u="none" strike="noStrike" cap="none" normalizeH="0" baseline="0" dirty="0" smtClean="0">
+              <a:ln>
+                <a:noFill/>
+              </a:ln>
+              <a:solidFill>
+                <a:srgbClr val="00B050"/>
+              </a:solidFill>
+              <a:effectLst/>
+              <a:ea typeface="MS PGothic" pitchFamily="34" charset="-128"/>
+            </a:endParaRPr>
+          </a:p>
+        </p:txBody>
+      </p:sp>
+      <p:sp>
+        <p:nvSpPr>
+          <p:cNvPr id="26" name="Rounded Rectangle 25"/>
+          <p:cNvSpPr/>
+          <p:nvPr/>
+        </p:nvSpPr>
+        <p:spPr bwMode="auto">
+          <a:xfrm>
+            <a:off x="5753101" y="5735297"/>
+            <a:ext cx="2415540" cy="831461"/>
+          </a:xfrm>
+          <a:prstGeom prst="roundRect">
+            <a:avLst>
+              <a:gd name="adj" fmla="val 6586"/>
+            </a:avLst>
+          </a:prstGeom>
+          <a:solidFill>
+            <a:schemeClr val="bg1"/>
+          </a:solidFill>
+          <a:ln w="9525" cap="flat" cmpd="sng" algn="ctr">
+            <a:solidFill>
+              <a:schemeClr val="bg1"/>
+            </a:solidFill>
+            <a:prstDash val="sysDash"/>
+            <a:round/>
+            <a:headEnd type="none" w="med" len="med"/>
+            <a:tailEnd type="none" w="med" len="med"/>
+          </a:ln>
+          <a:effectLst/>
+        </p:spPr>
+        <p:txBody>
+          <a:bodyPr vert="horz" wrap="square" lIns="91440" tIns="45720" rIns="91440" bIns="45720" numCol="1" rtlCol="0" anchor="t" anchorCtr="0" compatLnSpc="1">
+            <a:prstTxWarp prst="textNoShape">
+              <a:avLst/>
+            </a:prstTxWarp>
+          </a:bodyPr>
+          <a:lstStyle/>
+          <a:p>
+            <a:pPr eaLnBrk="0" fontAlgn="base" hangingPunct="0">
+              <a:spcBef>
+                <a:spcPct val="0"/>
+              </a:spcBef>
+              <a:spcAft>
+                <a:spcPct val="0"/>
+              </a:spcAft>
+            </a:pPr>
+            <a:r>
+              <a:rPr lang="en-US" sz="900" b="1" dirty="0" smtClean="0">
+                <a:solidFill>
+                  <a:srgbClr val="002060"/>
+                </a:solidFill>
+                <a:latin typeface="+mj-lt"/>
+                <a:ea typeface="MS PGothic" pitchFamily="34" charset="-128"/>
+              </a:rPr>
+              <a:t>Signature</a:t>
+            </a:r>
+          </a:p>
+          <a:p>
+            <a:pPr eaLnBrk="0" fontAlgn="base" hangingPunct="0">
+              <a:spcBef>
+                <a:spcPct val="0"/>
+              </a:spcBef>
+              <a:spcAft>
+                <a:spcPct val="0"/>
+              </a:spcAft>
+            </a:pPr>
+            <a:endParaRPr lang="en-US" sz="900" dirty="0" smtClean="0">
+              <a:solidFill>
+                <a:srgbClr val="002060"/>
+              </a:solidFill>
+              <a:latin typeface="+mj-lt"/>
+              <a:ea typeface="MS PGothic" pitchFamily="34" charset="-128"/>
+            </a:endParaRPr>
+          </a:p>
+          <a:p>
+            <a:pPr eaLnBrk="0" fontAlgn="base" hangingPunct="0">
+              <a:spcBef>
+                <a:spcPct val="0"/>
+              </a:spcBef>
+              <a:spcAft>
+                <a:spcPct val="0"/>
+              </a:spcAft>
+            </a:pPr>
+            <a:r>
+              <a:rPr lang="en-US" sz="900" dirty="0">
+                <a:solidFill>
+                  <a:srgbClr val="0070C0"/>
+                </a:solidFill>
+              </a:rPr>
+              <a:t>HMACSHA256( </a:t>
+            </a:r>
+            <a:endParaRPr lang="en-US" sz="900" dirty="0" smtClean="0">
+              <a:solidFill>
+                <a:srgbClr val="0070C0"/>
+              </a:solidFill>
+            </a:endParaRPr>
+          </a:p>
+          <a:p>
+            <a:pPr eaLnBrk="0" fontAlgn="base" hangingPunct="0">
+              <a:spcBef>
+                <a:spcPct val="0"/>
+              </a:spcBef>
+              <a:spcAft>
+                <a:spcPct val="0"/>
+              </a:spcAft>
+            </a:pPr>
+            <a:r>
+              <a:rPr lang="en-US" sz="900" dirty="0" smtClean="0">
+                <a:solidFill>
+                  <a:srgbClr val="0070C0"/>
+                </a:solidFill>
+              </a:rPr>
+              <a:t>base64UrlEncode(header</a:t>
+            </a:r>
+            <a:r>
+              <a:rPr lang="en-US" sz="900" dirty="0">
+                <a:solidFill>
+                  <a:srgbClr val="0070C0"/>
+                </a:solidFill>
+              </a:rPr>
+              <a:t>) + "." + base64UrlEncode(payload), </a:t>
+            </a:r>
+            <a:r>
+              <a:rPr lang="en-US" sz="900" dirty="0" smtClean="0">
+                <a:solidFill>
+                  <a:srgbClr val="0070C0"/>
+                </a:solidFill>
+              </a:rPr>
+              <a:t>secret)</a:t>
+            </a:r>
+            <a:endParaRPr kumimoji="0" lang="en-US" sz="900" b="0" i="0" u="none" strike="noStrike" cap="none" normalizeH="0" baseline="0" dirty="0" smtClean="0">
+              <a:ln>
+                <a:noFill/>
+              </a:ln>
+              <a:solidFill>
+                <a:srgbClr val="0070C0"/>
+              </a:solidFill>
+              <a:effectLst/>
+              <a:ea typeface="MS PGothic" pitchFamily="34" charset="-128"/>
+            </a:endParaRPr>
+          </a:p>
+        </p:txBody>
+      </p:sp>
+      <p:sp>
+        <p:nvSpPr>
+          <p:cNvPr id="30" name="TextBox 29"/>
+          <p:cNvSpPr txBox="1"/>
+          <p:nvPr/>
+        </p:nvSpPr>
+        <p:spPr>
+          <a:xfrm>
+            <a:off x="3081200" y="5692114"/>
+            <a:ext cx="309700" cy="646331"/>
+          </a:xfrm>
+          <a:prstGeom prst="rect">
+            <a:avLst/>
+          </a:prstGeom>
+          <a:noFill/>
+        </p:spPr>
+        <p:txBody>
+          <a:bodyPr wrap="none" rtlCol="0">
+            <a:spAutoFit/>
+          </a:bodyPr>
+          <a:lstStyle/>
+          <a:p>
+            <a:r>
+              <a:rPr lang="en-US" sz="3600" dirty="0" smtClean="0">
+                <a:solidFill>
+                  <a:srgbClr val="C00000"/>
+                </a:solidFill>
+                <a:latin typeface="Georgia" panose="02040502050405020303" pitchFamily="18" charset="0"/>
+              </a:rPr>
+              <a:t>.</a:t>
+            </a:r>
+            <a:endParaRPr lang="en-US" dirty="0">
+              <a:solidFill>
+                <a:srgbClr val="C00000"/>
+              </a:solidFill>
+              <a:latin typeface="Georgia" panose="02040502050405020303" pitchFamily="18" charset="0"/>
+            </a:endParaRPr>
+          </a:p>
+        </p:txBody>
+      </p:sp>
+      <p:sp>
+        <p:nvSpPr>
+          <p:cNvPr id="31" name="TextBox 30"/>
+          <p:cNvSpPr txBox="1"/>
+          <p:nvPr/>
+        </p:nvSpPr>
+        <p:spPr>
+          <a:xfrm>
+            <a:off x="5405030" y="5692114"/>
+            <a:ext cx="309700" cy="646331"/>
+          </a:xfrm>
+          <a:prstGeom prst="rect">
+            <a:avLst/>
+          </a:prstGeom>
+          <a:noFill/>
+        </p:spPr>
+        <p:txBody>
+          <a:bodyPr wrap="none" rtlCol="0">
+            <a:spAutoFit/>
+          </a:bodyPr>
+          <a:lstStyle/>
+          <a:p>
+            <a:r>
+              <a:rPr lang="en-US" sz="3600" dirty="0" smtClean="0">
+                <a:solidFill>
+                  <a:srgbClr val="C00000"/>
+                </a:solidFill>
+                <a:latin typeface="Georgia" panose="02040502050405020303" pitchFamily="18" charset="0"/>
+              </a:rPr>
+              <a:t>.</a:t>
+            </a:r>
+            <a:endParaRPr lang="en-US" dirty="0">
+              <a:solidFill>
+                <a:srgbClr val="C00000"/>
+              </a:solidFill>
+              <a:latin typeface="Georgia" panose="02040502050405020303" pitchFamily="18" charset="0"/>
+            </a:endParaRPr>
+          </a:p>
+        </p:txBody>
+      </p:sp>
     </p:spTree>
     <p:extLst>
       <p:ext uri="{BB962C8B-B14F-4D97-AF65-F5344CB8AC3E}">
-        <p14:creationId xmlns:p14="http://schemas.microsoft.com/office/powerpoint/2010/main" val="3927450088"/>
+        <p14:creationId xmlns:p14="http://schemas.microsoft.com/office/powerpoint/2010/main" xmlns="" val="3641214273"/>
       </p:ext>
     </p:extLst>
   </p:cSld>
@@ -26158,7 +25507,7 @@
   </a:extraClrSchemeLst>
   <a:extLst>
     <a:ext uri="{05A4C25C-085E-4340-85A3-A5531E510DB2}">
-      <thm15:themeFamily xmlns="" xmlns:thm15="http://schemas.microsoft.com/office/thememl/2012/main" name="2013 WBR Roadmap.pptx" id="{93231C04-83F5-4DBD-AC8C-BD93AF3512D5}" vid="{07AF39BA-641D-4A53-989F-074B63AF9B87}"/>
+      <thm15:themeFamily xmlns:thm15="http://schemas.microsoft.com/office/thememl/2012/main" xmlns="" name="2013 WBR Roadmap.pptx" id="{93231C04-83F5-4DBD-AC8C-BD93AF3512D5}" vid="{07AF39BA-641D-4A53-989F-074B63AF9B87}"/>
     </a:ext>
   </a:extLst>
 </a:theme>
@@ -27301,21 +26650,6 @@
 </file>
 
 <file path=customXml/item1.xml><?xml version="1.0" encoding="utf-8"?>
-<?mso-contentType ?>
-<FormTemplates xmlns="http://schemas.microsoft.com/sharepoint/v3/contenttype/forms">
-  <Display>DocumentLibraryForm</Display>
-  <Edit>DocumentLibraryForm</Edit>
-  <New>DocumentLibraryForm</New>
-</FormTemplates>
-</file>
-
-<file path=customXml/item2.xml><?xml version="1.0" encoding="utf-8"?>
-<p:properties xmlns:p="http://schemas.microsoft.com/office/2006/metadata/properties" xmlns:xsi="http://www.w3.org/2001/XMLSchema-instance" xmlns:pc="http://schemas.microsoft.com/office/infopath/2007/PartnerControls">
-  <documentManagement/>
-</p:properties>
-</file>
-
-<file path=customXml/item3.xml><?xml version="1.0" encoding="utf-8"?>
 <ct:contentTypeSchema xmlns:ct="http://schemas.microsoft.com/office/2006/metadata/contentType" xmlns:ma="http://schemas.microsoft.com/office/2006/metadata/properties/metaAttributes" ct:_="" ma:_="" ma:contentTypeName="Document" ma:contentTypeID="0x0101007F048E82CE48E047B04BBAC9E1E5D28D" ma:contentTypeVersion="0" ma:contentTypeDescription="Create a new document." ma:contentTypeScope="" ma:versionID="bb95dc9db20c777bfb5fff7471d7738d">
   <xsd:schema xmlns:xsd="http://www.w3.org/2001/XMLSchema" xmlns:p="http://schemas.microsoft.com/office/2006/metadata/properties" targetNamespace="http://schemas.microsoft.com/office/2006/metadata/properties" ma:root="true" ma:fieldsID="4aeb20c0e3442673af7ee10786458764">
     <xsd:element name="properties">
@@ -27364,10 +26698,32 @@
 </ct:contentTypeSchema>
 </file>
 
+<file path=customXml/item2.xml><?xml version="1.0" encoding="utf-8"?>
+<p:properties xmlns:p="http://schemas.microsoft.com/office/2006/metadata/properties" xmlns:xsi="http://www.w3.org/2001/XMLSchema-instance" xmlns:pc="http://schemas.microsoft.com/office/infopath/2007/PartnerControls">
+  <documentManagement/>
+</p:properties>
+</file>
+
+<file path=customXml/item3.xml><?xml version="1.0" encoding="utf-8"?>
+<?mso-contentType ?>
+<FormTemplates xmlns="http://schemas.microsoft.com/sharepoint/v3/contenttype/forms">
+  <Display>DocumentLibraryForm</Display>
+  <Edit>DocumentLibraryForm</Edit>
+  <New>DocumentLibraryForm</New>
+</FormTemplates>
+</file>
+
 <file path=customXml/itemProps1.xml><?xml version="1.0" encoding="utf-8"?>
-<ds:datastoreItem xmlns:ds="http://schemas.openxmlformats.org/officeDocument/2006/customXml" ds:itemID="{65C4ECC7-D6AA-4564-9DB9-B6C34B008831}">
+<ds:datastoreItem xmlns:ds="http://schemas.openxmlformats.org/officeDocument/2006/customXml" ds:itemID="{7F2E7ECB-8814-445E-A53E-609BAFCF622C}">
   <ds:schemaRefs>
-    <ds:schemaRef ds:uri="http://schemas.microsoft.com/sharepoint/v3/contenttype/forms"/>
+    <ds:schemaRef ds:uri="http://schemas.microsoft.com/office/2006/metadata/contentType"/>
+    <ds:schemaRef ds:uri="http://schemas.microsoft.com/office/2006/metadata/properties/metaAttributes"/>
+    <ds:schemaRef ds:uri="http://www.w3.org/2001/XMLSchema"/>
+    <ds:schemaRef ds:uri="http://schemas.microsoft.com/office/2006/metadata/properties"/>
+    <ds:schemaRef ds:uri="http://schemas.openxmlformats.org/package/2006/metadata/core-properties"/>
+    <ds:schemaRef ds:uri="http://purl.org/dc/elements/1.1/"/>
+    <ds:schemaRef ds:uri="http://purl.org/dc/terms/"/>
+    <ds:schemaRef ds:uri="http://schemas.microsoft.com/office/internal/2005/internalDocumentation"/>
   </ds:schemaRefs>
 </ds:datastoreItem>
 </file>
@@ -27388,16 +26744,9 @@
 </file>
 
 <file path=customXml/itemProps3.xml><?xml version="1.0" encoding="utf-8"?>
-<ds:datastoreItem xmlns:ds="http://schemas.openxmlformats.org/officeDocument/2006/customXml" ds:itemID="{7F2E7ECB-8814-445E-A53E-609BAFCF622C}">
+<ds:datastoreItem xmlns:ds="http://schemas.openxmlformats.org/officeDocument/2006/customXml" ds:itemID="{65C4ECC7-D6AA-4564-9DB9-B6C34B008831}">
   <ds:schemaRefs>
-    <ds:schemaRef ds:uri="http://schemas.microsoft.com/office/2006/metadata/contentType"/>
-    <ds:schemaRef ds:uri="http://schemas.microsoft.com/office/2006/metadata/properties/metaAttributes"/>
-    <ds:schemaRef ds:uri="http://www.w3.org/2001/XMLSchema"/>
-    <ds:schemaRef ds:uri="http://schemas.microsoft.com/office/2006/metadata/properties"/>
-    <ds:schemaRef ds:uri="http://schemas.openxmlformats.org/package/2006/metadata/core-properties"/>
-    <ds:schemaRef ds:uri="http://purl.org/dc/elements/1.1/"/>
-    <ds:schemaRef ds:uri="http://purl.org/dc/terms/"/>
-    <ds:schemaRef ds:uri="http://schemas.microsoft.com/office/internal/2005/internalDocumentation"/>
+    <ds:schemaRef ds:uri="http://schemas.microsoft.com/sharepoint/v3/contenttype/forms"/>
   </ds:schemaRefs>
 </ds:datastoreItem>
 </file>